--- a/presentation/ase-final-report.pptx
+++ b/presentation/ase-final-report.pptx
@@ -5,7 +5,7 @@
     <p:sldMasterId id="2147483660" r:id="rId1"/>
   </p:sldMasterIdLst>
   <p:notesMasterIdLst>
-    <p:notesMasterId r:id="rId17"/>
+    <p:notesMasterId r:id="rId19"/>
   </p:notesMasterIdLst>
   <p:sldIdLst>
     <p:sldId id="256" r:id="rId2"/>
@@ -21,8 +21,10 @@
     <p:sldId id="266" r:id="rId12"/>
     <p:sldId id="267" r:id="rId13"/>
     <p:sldId id="271" r:id="rId14"/>
-    <p:sldId id="268" r:id="rId15"/>
-    <p:sldId id="257" r:id="rId16"/>
+    <p:sldId id="272" r:id="rId15"/>
+    <p:sldId id="273" r:id="rId16"/>
+    <p:sldId id="274" r:id="rId17"/>
+    <p:sldId id="257" r:id="rId18"/>
   </p:sldIdLst>
   <p:sldSz cx="9144000" cy="6858000" type="screen4x3"/>
   <p:notesSz cx="6858000" cy="9144000"/>
@@ -3417,7 +3419,7 @@
           <a:p>
             <a:r>
               <a:rPr kumimoji="1" lang="en-US" altLang="ja-JP" dirty="0"/>
-              <a:t>Whole map</a:t>
+              <a:t>System Overview</a:t>
             </a:r>
             <a:endParaRPr kumimoji="1" lang="ja-JP" altLang="en-US" dirty="0"/>
           </a:p>
@@ -4424,11 +4426,6 @@
               </a:rPr>
               <a:t>red LED</a:t>
             </a:r>
-            <a:endParaRPr lang="en-US" altLang="ja-JP" sz="2400" b="1" dirty="0" smtClean="0">
-              <a:solidFill>
-                <a:srgbClr val="FF0000"/>
-              </a:solidFill>
-            </a:endParaRPr>
           </a:p>
           <a:p>
             <a:r>
@@ -8089,11 +8086,11 @@
   <p:clrMapOvr>
     <a:masterClrMapping/>
   </p:clrMapOvr>
-  <mc:AlternateContent xmlns:mc="http://schemas.openxmlformats.org/markup-compatibility/2006">
-    <mc:Choice xmlns:p14="http://schemas.microsoft.com/office/powerpoint/2010/main" Requires="p14">
+  <mc:AlternateContent xmlns:mc="http://schemas.openxmlformats.org/markup-compatibility/2006" xmlns:p14="http://schemas.microsoft.com/office/powerpoint/2010/main">
+    <mc:Choice Requires="p14">
       <p:transition spd="slow" p14:dur="2000"/>
     </mc:Choice>
-    <mc:Fallback>
+    <mc:Fallback xmlns="">
       <p:transition spd="slow"/>
     </mc:Fallback>
   </mc:AlternateContent>
@@ -8108,7 +8105,7 @@
 </file>
 
 <file path=ppt/slides/slide14.xml><?xml version="1.0" encoding="utf-8"?>
-<p:sld xmlns:a="http://schemas.openxmlformats.org/drawingml/2006/main" xmlns:r="http://schemas.openxmlformats.org/officeDocument/2006/relationships" xmlns:p="http://schemas.openxmlformats.org/presentationml/2006/main" show="0">
+<p:sld xmlns:a="http://schemas.openxmlformats.org/drawingml/2006/main" xmlns:r="http://schemas.openxmlformats.org/officeDocument/2006/relationships" xmlns:p="http://schemas.openxmlformats.org/presentationml/2006/main">
   <p:cSld>
     <p:spTree>
       <p:nvGrpSpPr>
@@ -8126,7 +8123,7 @@
       </p:grpSpPr>
       <p:sp>
         <p:nvSpPr>
-          <p:cNvPr id="2" name="Title 1"/>
+          <p:cNvPr id="2" name="タイトル 1"/>
           <p:cNvSpPr>
             <a:spLocks noGrp="1"/>
           </p:cNvSpPr>
@@ -8139,55 +8136,309 @@
           <a:bodyPr/>
           <a:lstStyle/>
           <a:p>
-            <a:r>
-              <a:rPr lang="ja-JP" altLang="en-US" dirty="0" smtClean="0"/>
-              <a:t>かきたすやーつ</a:t>
-            </a:r>
-            <a:endParaRPr lang="en-US" dirty="0"/>
-          </a:p>
-        </p:txBody>
-      </p:sp>
-      <p:sp>
-        <p:nvSpPr>
-          <p:cNvPr id="3" name="Content Placeholder 2"/>
-          <p:cNvSpPr>
-            <a:spLocks noGrp="1"/>
-          </p:cNvSpPr>
-          <p:nvPr>
-            <p:ph idx="1"/>
-          </p:nvPr>
-        </p:nvSpPr>
-        <p:spPr/>
-        <p:txBody>
-          <a:bodyPr/>
-          <a:lstStyle/>
-          <a:p>
-            <a:r>
-              <a:rPr lang="ja-JP" altLang="en-US" dirty="0" smtClean="0"/>
-              <a:t>細かい箇所の環境・動作詳細</a:t>
-            </a:r>
-            <a:endParaRPr lang="en-US" altLang="ja-JP" dirty="0" smtClean="0"/>
-          </a:p>
-          <a:p>
-            <a:endParaRPr lang="en-US" dirty="0"/>
+            <a:endParaRPr kumimoji="1" lang="ja-JP" altLang="en-US" dirty="0"/>
+          </a:p>
+        </p:txBody>
+      </p:sp>
+      <p:pic>
+        <p:nvPicPr>
+          <p:cNvPr id="24" name="Picture 23"/>
+          <p:cNvPicPr>
+            <a:picLocks noChangeAspect="1"/>
+          </p:cNvPicPr>
+          <p:nvPr/>
+        </p:nvPicPr>
+        <p:blipFill>
+          <a:blip r:embed="rId2">
+            <a:extLst>
+              <a:ext uri="{28A0092B-C50C-407E-A947-70E740481C1C}">
+                <a14:useLocalDpi xmlns:a14="http://schemas.microsoft.com/office/drawing/2010/main" val="0"/>
+              </a:ext>
+            </a:extLst>
+          </a:blip>
+          <a:stretch>
+            <a:fillRect/>
+          </a:stretch>
+        </p:blipFill>
+        <p:spPr>
+          <a:xfrm>
+            <a:off x="3997417" y="3731917"/>
+            <a:ext cx="2501025" cy="1379471"/>
+          </a:xfrm>
+          <a:prstGeom prst="rect">
+            <a:avLst/>
+          </a:prstGeom>
+        </p:spPr>
+      </p:pic>
+      <p:pic>
+        <p:nvPicPr>
+          <p:cNvPr id="29" name="Picture 28"/>
+          <p:cNvPicPr>
+            <a:picLocks noChangeAspect="1"/>
+          </p:cNvPicPr>
+          <p:nvPr/>
+        </p:nvPicPr>
+        <p:blipFill>
+          <a:blip r:embed="rId3">
+            <a:extLst>
+              <a:ext uri="{28A0092B-C50C-407E-A947-70E740481C1C}">
+                <a14:useLocalDpi xmlns:a14="http://schemas.microsoft.com/office/drawing/2010/main" val="0"/>
+              </a:ext>
+            </a:extLst>
+          </a:blip>
+          <a:stretch>
+            <a:fillRect/>
+          </a:stretch>
+        </p:blipFill>
+        <p:spPr>
+          <a:xfrm>
+            <a:off x="239158" y="3640892"/>
+            <a:ext cx="1803400" cy="1429195"/>
+          </a:xfrm>
+          <a:prstGeom prst="rect">
+            <a:avLst/>
+          </a:prstGeom>
+        </p:spPr>
+      </p:pic>
+      <p:sp>
+        <p:nvSpPr>
+          <p:cNvPr id="50" name="TextBox 49"/>
+          <p:cNvSpPr txBox="1"/>
+          <p:nvPr/>
+        </p:nvSpPr>
+        <p:spPr>
+          <a:xfrm>
+            <a:off x="628650" y="5111388"/>
+            <a:ext cx="966931" cy="461665"/>
+          </a:xfrm>
+          <a:prstGeom prst="rect">
+            <a:avLst/>
+          </a:prstGeom>
+          <a:noFill/>
+        </p:spPr>
+        <p:txBody>
+          <a:bodyPr wrap="none" rtlCol="0">
+            <a:spAutoFit/>
+          </a:bodyPr>
+          <a:lstStyle/>
+          <a:p>
+            <a:r>
+              <a:rPr lang="en-US" sz="2400" smtClean="0"/>
+              <a:t>server</a:t>
+            </a:r>
+            <a:endParaRPr lang="en-US" sz="2400" dirty="0"/>
+          </a:p>
+        </p:txBody>
+      </p:sp>
+      <p:sp>
+        <p:nvSpPr>
+          <p:cNvPr id="51" name="TextBox 50"/>
+          <p:cNvSpPr txBox="1"/>
+          <p:nvPr/>
+        </p:nvSpPr>
+        <p:spPr>
+          <a:xfrm>
+            <a:off x="4706313" y="5098138"/>
+            <a:ext cx="1750416" cy="461665"/>
+          </a:xfrm>
+          <a:prstGeom prst="rect">
+            <a:avLst/>
+          </a:prstGeom>
+          <a:noFill/>
+        </p:spPr>
+        <p:txBody>
+          <a:bodyPr wrap="none" rtlCol="0">
+            <a:spAutoFit/>
+          </a:bodyPr>
+          <a:lstStyle/>
+          <a:p>
+            <a:r>
+              <a:rPr lang="en-US" sz="2400" dirty="0" smtClean="0"/>
+              <a:t>Raspberry Pi</a:t>
+            </a:r>
+            <a:endParaRPr lang="en-US" sz="2400" dirty="0"/>
+          </a:p>
+        </p:txBody>
+      </p:sp>
+      <p:sp>
+        <p:nvSpPr>
+          <p:cNvPr id="12" name="TextBox 11"/>
+          <p:cNvSpPr txBox="1"/>
+          <p:nvPr/>
+        </p:nvSpPr>
+        <p:spPr>
+          <a:xfrm>
+            <a:off x="255919" y="5679997"/>
+            <a:ext cx="1794842" cy="707886"/>
+          </a:xfrm>
+          <a:prstGeom prst="rect">
+            <a:avLst/>
+          </a:prstGeom>
+          <a:noFill/>
+        </p:spPr>
+        <p:txBody>
+          <a:bodyPr wrap="square" rtlCol="0">
+            <a:spAutoFit/>
+          </a:bodyPr>
+          <a:lstStyle/>
+          <a:p>
+            <a:endParaRPr lang="en-US" sz="4000" dirty="0"/>
+          </a:p>
+        </p:txBody>
+      </p:sp>
+      <p:sp>
+        <p:nvSpPr>
+          <p:cNvPr id="5" name="U-Turn Arrow 4"/>
+          <p:cNvSpPr/>
+          <p:nvPr/>
+        </p:nvSpPr>
+        <p:spPr>
+          <a:xfrm flipH="1">
+            <a:off x="628650" y="2708108"/>
+            <a:ext cx="5092700" cy="876300"/>
+          </a:xfrm>
+          <a:prstGeom prst="uturnArrow">
+            <a:avLst>
+              <a:gd name="adj1" fmla="val 25000"/>
+              <a:gd name="adj2" fmla="val 25000"/>
+              <a:gd name="adj3" fmla="val 25000"/>
+              <a:gd name="adj4" fmla="val 43750"/>
+              <a:gd name="adj5" fmla="val 100000"/>
+            </a:avLst>
+          </a:prstGeom>
+        </p:spPr>
+        <p:style>
+          <a:lnRef idx="2">
+            <a:schemeClr val="accent1">
+              <a:shade val="50000"/>
+            </a:schemeClr>
+          </a:lnRef>
+          <a:fillRef idx="1">
+            <a:schemeClr val="accent1"/>
+          </a:fillRef>
+          <a:effectRef idx="0">
+            <a:schemeClr val="accent1"/>
+          </a:effectRef>
+          <a:fontRef idx="minor">
+            <a:schemeClr val="lt1"/>
+          </a:fontRef>
+        </p:style>
+        <p:txBody>
+          <a:bodyPr rtlCol="0" anchor="ctr"/>
+          <a:lstStyle/>
+          <a:p>
+            <a:pPr algn="ctr"/>
+            <a:endParaRPr lang="en-US">
+              <a:solidFill>
+                <a:schemeClr val="tx1"/>
+              </a:solidFill>
+            </a:endParaRPr>
+          </a:p>
+        </p:txBody>
+      </p:sp>
+      <p:sp>
+        <p:nvSpPr>
+          <p:cNvPr id="36" name="U-Turn Arrow 35"/>
+          <p:cNvSpPr/>
+          <p:nvPr/>
+        </p:nvSpPr>
+        <p:spPr>
+          <a:xfrm rot="10800000" flipH="1">
+            <a:off x="628650" y="5718921"/>
+            <a:ext cx="5092700" cy="876300"/>
+          </a:xfrm>
+          <a:prstGeom prst="uturnArrow">
+            <a:avLst>
+              <a:gd name="adj1" fmla="val 25000"/>
+              <a:gd name="adj2" fmla="val 25000"/>
+              <a:gd name="adj3" fmla="val 25000"/>
+              <a:gd name="adj4" fmla="val 43750"/>
+              <a:gd name="adj5" fmla="val 100000"/>
+            </a:avLst>
+          </a:prstGeom>
+        </p:spPr>
+        <p:style>
+          <a:lnRef idx="2">
+            <a:schemeClr val="accent1">
+              <a:shade val="50000"/>
+            </a:schemeClr>
+          </a:lnRef>
+          <a:fillRef idx="1">
+            <a:schemeClr val="accent1"/>
+          </a:fillRef>
+          <a:effectRef idx="0">
+            <a:schemeClr val="accent1"/>
+          </a:effectRef>
+          <a:fontRef idx="minor">
+            <a:schemeClr val="lt1"/>
+          </a:fontRef>
+        </p:style>
+        <p:txBody>
+          <a:bodyPr rtlCol="0" anchor="ctr"/>
+          <a:lstStyle/>
+          <a:p>
+            <a:pPr algn="ctr"/>
+            <a:endParaRPr lang="en-US">
+              <a:solidFill>
+                <a:schemeClr val="tx1"/>
+              </a:solidFill>
+            </a:endParaRPr>
+          </a:p>
+        </p:txBody>
+      </p:sp>
+      <p:sp>
+        <p:nvSpPr>
+          <p:cNvPr id="7" name="TextBox 6"/>
+          <p:cNvSpPr txBox="1"/>
+          <p:nvPr/>
+        </p:nvSpPr>
+        <p:spPr>
+          <a:xfrm rot="21023880">
+            <a:off x="267045" y="3895853"/>
+            <a:ext cx="1156086" cy="461665"/>
+          </a:xfrm>
+          <a:prstGeom prst="rect">
+            <a:avLst/>
+          </a:prstGeom>
+          <a:noFill/>
+        </p:spPr>
+        <p:txBody>
+          <a:bodyPr wrap="none" rtlCol="0">
+            <a:spAutoFit/>
+          </a:bodyPr>
+          <a:lstStyle/>
+          <a:p>
+            <a:r>
+              <a:rPr lang="en-US" sz="2400" b="1" dirty="0" err="1" smtClean="0">
+                <a:solidFill>
+                  <a:schemeClr val="bg1"/>
+                </a:solidFill>
+              </a:rPr>
+              <a:t>Node.js</a:t>
+            </a:r>
+            <a:endParaRPr lang="en-US" sz="2400" b="1" dirty="0">
+              <a:solidFill>
+                <a:schemeClr val="bg1"/>
+              </a:solidFill>
+            </a:endParaRPr>
           </a:p>
         </p:txBody>
       </p:sp>
     </p:spTree>
     <p:extLst>
       <p:ext uri="{BB962C8B-B14F-4D97-AF65-F5344CB8AC3E}">
-        <p14:creationId xmlns:p14="http://schemas.microsoft.com/office/powerpoint/2010/main" val="282617318"/>
+        <p14:creationId xmlns:p14="http://schemas.microsoft.com/office/powerpoint/2010/main" val="1410988895"/>
       </p:ext>
     </p:extLst>
   </p:cSld>
   <p:clrMapOvr>
     <a:masterClrMapping/>
   </p:clrMapOvr>
-  <mc:AlternateContent xmlns:mc="http://schemas.openxmlformats.org/markup-compatibility/2006">
-    <mc:Choice xmlns:p14="http://schemas.microsoft.com/office/powerpoint/2010/main" Requires="p14">
+  <mc:AlternateContent xmlns:mc="http://schemas.openxmlformats.org/markup-compatibility/2006" xmlns:p14="http://schemas.microsoft.com/office/powerpoint/2010/main">
+    <mc:Choice Requires="p14">
       <p:transition spd="slow" p14:dur="2000"/>
     </mc:Choice>
-    <mc:Fallback>
+    <mc:Fallback xmlns="">
       <p:transition spd="slow"/>
     </mc:Fallback>
   </mc:AlternateContent>
@@ -8202,6 +8453,976 @@
 </file>
 
 <file path=ppt/slides/slide15.xml><?xml version="1.0" encoding="utf-8"?>
+<p:sld xmlns:a="http://schemas.openxmlformats.org/drawingml/2006/main" xmlns:r="http://schemas.openxmlformats.org/officeDocument/2006/relationships" xmlns:p="http://schemas.openxmlformats.org/presentationml/2006/main">
+  <p:cSld>
+    <p:spTree>
+      <p:nvGrpSpPr>
+        <p:cNvPr id="1" name=""/>
+        <p:cNvGrpSpPr/>
+        <p:nvPr/>
+      </p:nvGrpSpPr>
+      <p:grpSpPr>
+        <a:xfrm>
+          <a:off x="0" y="0"/>
+          <a:ext cx="0" cy="0"/>
+          <a:chOff x="0" y="0"/>
+          <a:chExt cx="0" cy="0"/>
+        </a:xfrm>
+      </p:grpSpPr>
+      <p:sp>
+        <p:nvSpPr>
+          <p:cNvPr id="4" name="正方形/長方形 3"/>
+          <p:cNvSpPr/>
+          <p:nvPr/>
+        </p:nvSpPr>
+        <p:spPr>
+          <a:xfrm>
+            <a:off x="1792092" y="4645387"/>
+            <a:ext cx="1073454" cy="2202405"/>
+          </a:xfrm>
+          <a:prstGeom prst="rect">
+            <a:avLst/>
+          </a:prstGeom>
+          <a:ln w="57150"/>
+        </p:spPr>
+        <p:style>
+          <a:lnRef idx="2">
+            <a:schemeClr val="dk1"/>
+          </a:lnRef>
+          <a:fillRef idx="1">
+            <a:schemeClr val="lt1"/>
+          </a:fillRef>
+          <a:effectRef idx="0">
+            <a:schemeClr val="dk1"/>
+          </a:effectRef>
+          <a:fontRef idx="minor">
+            <a:schemeClr val="dk1"/>
+          </a:fontRef>
+        </p:style>
+        <p:txBody>
+          <a:bodyPr rtlCol="0" anchor="ctr"/>
+          <a:lstStyle/>
+          <a:p>
+            <a:pPr algn="ctr"/>
+            <a:r>
+              <a:rPr lang="en-US" altLang="ja-JP" sz="3200" b="1" dirty="0" smtClean="0"/>
+              <a:t>Door</a:t>
+            </a:r>
+            <a:endParaRPr kumimoji="1" lang="ja-JP" altLang="en-US" sz="3200" b="1" dirty="0"/>
+          </a:p>
+        </p:txBody>
+      </p:sp>
+      <p:sp>
+        <p:nvSpPr>
+          <p:cNvPr id="6" name="弦 5"/>
+          <p:cNvSpPr/>
+          <p:nvPr/>
+        </p:nvSpPr>
+        <p:spPr>
+          <a:xfrm rot="17570032">
+            <a:off x="4092674" y="2625158"/>
+            <a:ext cx="692331" cy="692331"/>
+          </a:xfrm>
+          <a:prstGeom prst="chord">
+            <a:avLst/>
+          </a:prstGeom>
+          <a:ln w="57150">
+            <a:solidFill>
+              <a:schemeClr val="accent6"/>
+            </a:solidFill>
+          </a:ln>
+        </p:spPr>
+        <p:style>
+          <a:lnRef idx="2">
+            <a:schemeClr val="accent6"/>
+          </a:lnRef>
+          <a:fillRef idx="1">
+            <a:schemeClr val="lt1"/>
+          </a:fillRef>
+          <a:effectRef idx="0">
+            <a:schemeClr val="accent6"/>
+          </a:effectRef>
+          <a:fontRef idx="minor">
+            <a:schemeClr val="dk1"/>
+          </a:fontRef>
+        </p:style>
+        <p:txBody>
+          <a:bodyPr rtlCol="0" anchor="ctr"/>
+          <a:lstStyle/>
+          <a:p>
+            <a:pPr algn="ctr"/>
+            <a:endParaRPr kumimoji="1" lang="ja-JP" altLang="en-US"/>
+          </a:p>
+        </p:txBody>
+      </p:sp>
+      <p:grpSp>
+        <p:nvGrpSpPr>
+          <p:cNvPr id="11" name="図形グループ 10"/>
+          <p:cNvGrpSpPr/>
+          <p:nvPr/>
+        </p:nvGrpSpPr>
+        <p:grpSpPr>
+          <a:xfrm>
+            <a:off x="3933784" y="4398146"/>
+            <a:ext cx="1120731" cy="2377766"/>
+            <a:chOff x="6075895" y="2755629"/>
+            <a:chExt cx="1434211" cy="3618731"/>
+          </a:xfrm>
+        </p:grpSpPr>
+        <p:sp>
+          <p:nvSpPr>
+            <p:cNvPr id="10" name="台形 9"/>
+            <p:cNvSpPr/>
+            <p:nvPr/>
+          </p:nvSpPr>
+          <p:spPr>
+            <a:xfrm>
+              <a:off x="6075895" y="3624941"/>
+              <a:ext cx="1434211" cy="2749419"/>
+            </a:xfrm>
+            <a:prstGeom prst="trapezoid">
+              <a:avLst/>
+            </a:prstGeom>
+          </p:spPr>
+          <p:style>
+            <a:lnRef idx="1">
+              <a:schemeClr val="accent2"/>
+            </a:lnRef>
+            <a:fillRef idx="2">
+              <a:schemeClr val="accent2"/>
+            </a:fillRef>
+            <a:effectRef idx="1">
+              <a:schemeClr val="accent2"/>
+            </a:effectRef>
+            <a:fontRef idx="minor">
+              <a:schemeClr val="dk1"/>
+            </a:fontRef>
+          </p:style>
+          <p:txBody>
+            <a:bodyPr rtlCol="0" anchor="ctr"/>
+            <a:lstStyle/>
+            <a:p>
+              <a:pPr algn="ctr"/>
+              <a:endParaRPr kumimoji="1" lang="ja-JP" altLang="en-US"/>
+            </a:p>
+          </p:txBody>
+        </p:sp>
+        <p:sp>
+          <p:nvSpPr>
+            <p:cNvPr id="9" name="円/楕円 8"/>
+            <p:cNvSpPr/>
+            <p:nvPr/>
+          </p:nvSpPr>
+          <p:spPr>
+            <a:xfrm>
+              <a:off x="6270171" y="2755629"/>
+              <a:ext cx="1045661" cy="1045661"/>
+            </a:xfrm>
+            <a:prstGeom prst="ellipse">
+              <a:avLst/>
+            </a:prstGeom>
+          </p:spPr>
+          <p:style>
+            <a:lnRef idx="1">
+              <a:schemeClr val="accent2"/>
+            </a:lnRef>
+            <a:fillRef idx="2">
+              <a:schemeClr val="accent2"/>
+            </a:fillRef>
+            <a:effectRef idx="1">
+              <a:schemeClr val="accent2"/>
+            </a:effectRef>
+            <a:fontRef idx="minor">
+              <a:schemeClr val="dk1"/>
+            </a:fontRef>
+          </p:style>
+          <p:txBody>
+            <a:bodyPr rtlCol="0" anchor="ctr"/>
+            <a:lstStyle/>
+            <a:p>
+              <a:pPr algn="ctr"/>
+              <a:endParaRPr kumimoji="1" lang="ja-JP" altLang="en-US"/>
+            </a:p>
+          </p:txBody>
+        </p:sp>
+      </p:grpSp>
+      <p:cxnSp>
+        <p:nvCxnSpPr>
+          <p:cNvPr id="13" name="直線コネクタ 12"/>
+          <p:cNvCxnSpPr/>
+          <p:nvPr/>
+        </p:nvCxnSpPr>
+        <p:spPr>
+          <a:xfrm flipH="1">
+            <a:off x="3699934" y="3070370"/>
+            <a:ext cx="391704" cy="1757904"/>
+          </a:xfrm>
+          <a:prstGeom prst="line">
+            <a:avLst/>
+          </a:prstGeom>
+          <a:ln w="57150">
+            <a:solidFill>
+              <a:schemeClr val="accent6"/>
+            </a:solidFill>
+            <a:prstDash val="sysDash"/>
+          </a:ln>
+        </p:spPr>
+        <p:style>
+          <a:lnRef idx="1">
+            <a:schemeClr val="accent1"/>
+          </a:lnRef>
+          <a:fillRef idx="0">
+            <a:schemeClr val="accent1"/>
+          </a:fillRef>
+          <a:effectRef idx="0">
+            <a:schemeClr val="accent1"/>
+          </a:effectRef>
+          <a:fontRef idx="minor">
+            <a:schemeClr val="tx1"/>
+          </a:fontRef>
+        </p:style>
+      </p:cxnSp>
+      <p:cxnSp>
+        <p:nvCxnSpPr>
+          <p:cNvPr id="15" name="直線コネクタ 14"/>
+          <p:cNvCxnSpPr/>
+          <p:nvPr/>
+        </p:nvCxnSpPr>
+        <p:spPr>
+          <a:xfrm>
+            <a:off x="4781979" y="3016823"/>
+            <a:ext cx="674536" cy="1923354"/>
+          </a:xfrm>
+          <a:prstGeom prst="line">
+            <a:avLst/>
+          </a:prstGeom>
+          <a:ln w="57150">
+            <a:solidFill>
+              <a:schemeClr val="accent6"/>
+            </a:solidFill>
+            <a:prstDash val="sysDash"/>
+          </a:ln>
+        </p:spPr>
+        <p:style>
+          <a:lnRef idx="1">
+            <a:schemeClr val="accent1"/>
+          </a:lnRef>
+          <a:fillRef idx="0">
+            <a:schemeClr val="accent1"/>
+          </a:fillRef>
+          <a:effectRef idx="0">
+            <a:schemeClr val="accent1"/>
+          </a:effectRef>
+          <a:fontRef idx="minor">
+            <a:schemeClr val="tx1"/>
+          </a:fontRef>
+        </p:style>
+      </p:cxnSp>
+      <p:cxnSp>
+        <p:nvCxnSpPr>
+          <p:cNvPr id="18" name="直線コネクタ 17"/>
+          <p:cNvCxnSpPr/>
+          <p:nvPr/>
+        </p:nvCxnSpPr>
+        <p:spPr>
+          <a:xfrm>
+            <a:off x="3308528" y="4259319"/>
+            <a:ext cx="1955537" cy="93685"/>
+          </a:xfrm>
+          <a:prstGeom prst="line">
+            <a:avLst/>
+          </a:prstGeom>
+          <a:ln w="57150">
+            <a:solidFill>
+              <a:schemeClr val="accent1"/>
+            </a:solidFill>
+            <a:prstDash val="sysDash"/>
+          </a:ln>
+        </p:spPr>
+        <p:style>
+          <a:lnRef idx="1">
+            <a:schemeClr val="accent1"/>
+          </a:lnRef>
+          <a:fillRef idx="0">
+            <a:schemeClr val="accent1"/>
+          </a:fillRef>
+          <a:effectRef idx="0">
+            <a:schemeClr val="accent1"/>
+          </a:effectRef>
+          <a:fontRef idx="minor">
+            <a:schemeClr val="tx1"/>
+          </a:fontRef>
+        </p:style>
+      </p:cxnSp>
+      <p:cxnSp>
+        <p:nvCxnSpPr>
+          <p:cNvPr id="20" name="直線コネクタ 19"/>
+          <p:cNvCxnSpPr/>
+          <p:nvPr/>
+        </p:nvCxnSpPr>
+        <p:spPr>
+          <a:xfrm>
+            <a:off x="3308528" y="4946197"/>
+            <a:ext cx="1955537" cy="448408"/>
+          </a:xfrm>
+          <a:prstGeom prst="line">
+            <a:avLst/>
+          </a:prstGeom>
+          <a:ln w="57150">
+            <a:solidFill>
+              <a:schemeClr val="accent1"/>
+            </a:solidFill>
+            <a:prstDash val="sysDash"/>
+          </a:ln>
+        </p:spPr>
+        <p:style>
+          <a:lnRef idx="1">
+            <a:schemeClr val="accent1"/>
+          </a:lnRef>
+          <a:fillRef idx="0">
+            <a:schemeClr val="accent1"/>
+          </a:fillRef>
+          <a:effectRef idx="0">
+            <a:schemeClr val="accent1"/>
+          </a:effectRef>
+          <a:fontRef idx="minor">
+            <a:schemeClr val="tx1"/>
+          </a:fontRef>
+        </p:style>
+      </p:cxnSp>
+      <p:pic>
+        <p:nvPicPr>
+          <p:cNvPr id="3" name="Picture 2"/>
+          <p:cNvPicPr>
+            <a:picLocks noChangeAspect="1"/>
+          </p:cNvPicPr>
+          <p:nvPr/>
+        </p:nvPicPr>
+        <p:blipFill>
+          <a:blip r:embed="rId2">
+            <a:extLst>
+              <a:ext uri="{28A0092B-C50C-407E-A947-70E740481C1C}">
+                <a14:useLocalDpi xmlns:a14="http://schemas.microsoft.com/office/drawing/2010/main" val="0"/>
+              </a:ext>
+            </a:extLst>
+          </a:blip>
+          <a:stretch>
+            <a:fillRect/>
+          </a:stretch>
+        </p:blipFill>
+        <p:spPr>
+          <a:xfrm>
+            <a:off x="2013547" y="4088163"/>
+            <a:ext cx="1490853" cy="1638300"/>
+          </a:xfrm>
+          <a:prstGeom prst="rect">
+            <a:avLst/>
+          </a:prstGeom>
+        </p:spPr>
+      </p:pic>
+      <p:sp>
+        <p:nvSpPr>
+          <p:cNvPr id="52" name="Oval 51"/>
+          <p:cNvSpPr/>
+          <p:nvPr/>
+        </p:nvSpPr>
+        <p:spPr>
+          <a:xfrm flipV="1">
+            <a:off x="1872462" y="2563204"/>
+            <a:ext cx="317500" cy="331632"/>
+          </a:xfrm>
+          <a:prstGeom prst="ellipse">
+            <a:avLst/>
+          </a:prstGeom>
+          <a:solidFill>
+            <a:srgbClr val="FF0000"/>
+          </a:solidFill>
+          <a:ln w="28575">
+            <a:solidFill>
+              <a:schemeClr val="tx1"/>
+            </a:solidFill>
+          </a:ln>
+        </p:spPr>
+        <p:style>
+          <a:lnRef idx="2">
+            <a:schemeClr val="accent1">
+              <a:shade val="50000"/>
+            </a:schemeClr>
+          </a:lnRef>
+          <a:fillRef idx="1">
+            <a:schemeClr val="accent1"/>
+          </a:fillRef>
+          <a:effectRef idx="0">
+            <a:schemeClr val="accent1"/>
+          </a:effectRef>
+          <a:fontRef idx="minor">
+            <a:schemeClr val="lt1"/>
+          </a:fontRef>
+        </p:style>
+        <p:txBody>
+          <a:bodyPr rtlCol="0" anchor="ctr"/>
+          <a:lstStyle/>
+          <a:p>
+            <a:pPr algn="ctr"/>
+            <a:endParaRPr lang="en-US"/>
+          </a:p>
+        </p:txBody>
+      </p:sp>
+      <p:sp>
+        <p:nvSpPr>
+          <p:cNvPr id="53" name="Oval 52"/>
+          <p:cNvSpPr/>
+          <p:nvPr/>
+        </p:nvSpPr>
+        <p:spPr>
+          <a:xfrm flipV="1">
+            <a:off x="1299763" y="2569551"/>
+            <a:ext cx="317500" cy="331632"/>
+          </a:xfrm>
+          <a:prstGeom prst="ellipse">
+            <a:avLst/>
+          </a:prstGeom>
+          <a:solidFill>
+            <a:srgbClr val="00B050"/>
+          </a:solidFill>
+          <a:ln w="28575">
+            <a:solidFill>
+              <a:schemeClr val="tx1"/>
+            </a:solidFill>
+          </a:ln>
+        </p:spPr>
+        <p:style>
+          <a:lnRef idx="2">
+            <a:schemeClr val="accent1">
+              <a:shade val="50000"/>
+            </a:schemeClr>
+          </a:lnRef>
+          <a:fillRef idx="1">
+            <a:schemeClr val="accent1"/>
+          </a:fillRef>
+          <a:effectRef idx="0">
+            <a:schemeClr val="accent1"/>
+          </a:effectRef>
+          <a:fontRef idx="minor">
+            <a:schemeClr val="lt1"/>
+          </a:fontRef>
+        </p:style>
+        <p:txBody>
+          <a:bodyPr rtlCol="0" anchor="ctr"/>
+          <a:lstStyle/>
+          <a:p>
+            <a:pPr algn="ctr"/>
+            <a:endParaRPr lang="en-US"/>
+          </a:p>
+        </p:txBody>
+      </p:sp>
+      <p:sp>
+        <p:nvSpPr>
+          <p:cNvPr id="66" name="弦 5"/>
+          <p:cNvSpPr/>
+          <p:nvPr/>
+        </p:nvSpPr>
+        <p:spPr>
+          <a:xfrm rot="17570032">
+            <a:off x="2591149" y="875951"/>
+            <a:ext cx="692331" cy="692331"/>
+          </a:xfrm>
+          <a:prstGeom prst="chord">
+            <a:avLst/>
+          </a:prstGeom>
+          <a:noFill/>
+          <a:ln w="57150">
+            <a:solidFill>
+              <a:srgbClr val="FFC000"/>
+            </a:solidFill>
+          </a:ln>
+        </p:spPr>
+        <p:style>
+          <a:lnRef idx="2">
+            <a:schemeClr val="accent6"/>
+          </a:lnRef>
+          <a:fillRef idx="1">
+            <a:schemeClr val="lt1"/>
+          </a:fillRef>
+          <a:effectRef idx="0">
+            <a:schemeClr val="accent6"/>
+          </a:effectRef>
+          <a:fontRef idx="minor">
+            <a:schemeClr val="dk1"/>
+          </a:fontRef>
+        </p:style>
+        <p:txBody>
+          <a:bodyPr rtlCol="0" anchor="ctr"/>
+          <a:lstStyle/>
+          <a:p>
+            <a:pPr algn="ctr"/>
+            <a:endParaRPr kumimoji="1" lang="ja-JP" altLang="en-US"/>
+          </a:p>
+        </p:txBody>
+      </p:sp>
+      <p:sp>
+        <p:nvSpPr>
+          <p:cNvPr id="81" name="稲妻 4"/>
+          <p:cNvSpPr/>
+          <p:nvPr/>
+        </p:nvSpPr>
+        <p:spPr>
+          <a:xfrm rot="656735" flipV="1">
+            <a:off x="1909921" y="1531088"/>
+            <a:ext cx="660635" cy="850956"/>
+          </a:xfrm>
+          <a:prstGeom prst="lightningBolt">
+            <a:avLst/>
+          </a:prstGeom>
+          <a:solidFill>
+            <a:schemeClr val="accent4"/>
+          </a:solidFill>
+          <a:ln>
+            <a:solidFill>
+              <a:schemeClr val="accent4"/>
+            </a:solidFill>
+          </a:ln>
+        </p:spPr>
+        <p:style>
+          <a:lnRef idx="2">
+            <a:schemeClr val="accent1">
+              <a:shade val="50000"/>
+            </a:schemeClr>
+          </a:lnRef>
+          <a:fillRef idx="1">
+            <a:schemeClr val="accent1"/>
+          </a:fillRef>
+          <a:effectRef idx="0">
+            <a:schemeClr val="accent1"/>
+          </a:effectRef>
+          <a:fontRef idx="minor">
+            <a:schemeClr val="lt1"/>
+          </a:fontRef>
+        </p:style>
+        <p:txBody>
+          <a:bodyPr rtlCol="0" anchor="ctr"/>
+          <a:lstStyle/>
+          <a:p>
+            <a:pPr algn="ctr"/>
+            <a:endParaRPr kumimoji="1" lang="ja-JP" altLang="en-US"/>
+          </a:p>
+        </p:txBody>
+      </p:sp>
+      <p:sp>
+        <p:nvSpPr>
+          <p:cNvPr id="82" name="稲妻 20"/>
+          <p:cNvSpPr/>
+          <p:nvPr/>
+        </p:nvSpPr>
+        <p:spPr>
+          <a:xfrm rot="20538839" flipH="1" flipV="1">
+            <a:off x="3399883" y="1470755"/>
+            <a:ext cx="624982" cy="959422"/>
+          </a:xfrm>
+          <a:prstGeom prst="lightningBolt">
+            <a:avLst/>
+          </a:prstGeom>
+          <a:solidFill>
+            <a:schemeClr val="accent4"/>
+          </a:solidFill>
+          <a:ln>
+            <a:solidFill>
+              <a:schemeClr val="accent4"/>
+            </a:solidFill>
+          </a:ln>
+        </p:spPr>
+        <p:style>
+          <a:lnRef idx="2">
+            <a:schemeClr val="accent1">
+              <a:shade val="50000"/>
+            </a:schemeClr>
+          </a:lnRef>
+          <a:fillRef idx="1">
+            <a:schemeClr val="accent1"/>
+          </a:fillRef>
+          <a:effectRef idx="0">
+            <a:schemeClr val="accent1"/>
+          </a:effectRef>
+          <a:fontRef idx="minor">
+            <a:schemeClr val="lt1"/>
+          </a:fontRef>
+        </p:style>
+        <p:txBody>
+          <a:bodyPr rtlCol="0" anchor="ctr"/>
+          <a:lstStyle/>
+          <a:p>
+            <a:pPr algn="ctr"/>
+            <a:endParaRPr kumimoji="1" lang="ja-JP" altLang="en-US"/>
+          </a:p>
+        </p:txBody>
+      </p:sp>
+      <p:sp>
+        <p:nvSpPr>
+          <p:cNvPr id="85" name="テキスト ボックス 22"/>
+          <p:cNvSpPr txBox="1"/>
+          <p:nvPr/>
+        </p:nvSpPr>
+        <p:spPr>
+          <a:xfrm>
+            <a:off x="2274077" y="437380"/>
+            <a:ext cx="1167243" cy="523220"/>
+          </a:xfrm>
+          <a:prstGeom prst="rect">
+            <a:avLst/>
+          </a:prstGeom>
+          <a:noFill/>
+        </p:spPr>
+        <p:txBody>
+          <a:bodyPr wrap="none" rtlCol="0">
+            <a:spAutoFit/>
+          </a:bodyPr>
+          <a:lstStyle/>
+          <a:p>
+            <a:r>
+              <a:rPr lang="en-US" altLang="ja-JP" sz="2800" dirty="0"/>
+              <a:t>B</a:t>
+            </a:r>
+            <a:r>
+              <a:rPr lang="en-US" altLang="ja-JP" sz="2800" dirty="0" smtClean="0"/>
+              <a:t>uzzer</a:t>
+            </a:r>
+            <a:endParaRPr kumimoji="1" lang="ja-JP" altLang="en-US" sz="2800" dirty="0"/>
+          </a:p>
+        </p:txBody>
+      </p:sp>
+      <p:sp>
+        <p:nvSpPr>
+          <p:cNvPr id="33" name="テキスト ボックス 22"/>
+          <p:cNvSpPr txBox="1"/>
+          <p:nvPr/>
+        </p:nvSpPr>
+        <p:spPr>
+          <a:xfrm>
+            <a:off x="1094857" y="1967684"/>
+            <a:ext cx="731290" cy="523220"/>
+          </a:xfrm>
+          <a:prstGeom prst="rect">
+            <a:avLst/>
+          </a:prstGeom>
+          <a:noFill/>
+        </p:spPr>
+        <p:txBody>
+          <a:bodyPr wrap="none" rtlCol="0">
+            <a:spAutoFit/>
+          </a:bodyPr>
+          <a:lstStyle/>
+          <a:p>
+            <a:r>
+              <a:rPr kumimoji="1" lang="en-US" altLang="ja-JP" sz="2800" dirty="0" smtClean="0"/>
+              <a:t>LED</a:t>
+            </a:r>
+            <a:endParaRPr kumimoji="1" lang="ja-JP" altLang="en-US" sz="2800" dirty="0"/>
+          </a:p>
+        </p:txBody>
+      </p:sp>
+      <p:pic>
+        <p:nvPicPr>
+          <p:cNvPr id="35" name="Picture 34"/>
+          <p:cNvPicPr>
+            <a:picLocks noChangeAspect="1"/>
+          </p:cNvPicPr>
+          <p:nvPr/>
+        </p:nvPicPr>
+        <p:blipFill>
+          <a:blip r:embed="rId3">
+            <a:extLst>
+              <a:ext uri="{28A0092B-C50C-407E-A947-70E740481C1C}">
+                <a14:useLocalDpi xmlns:a14="http://schemas.microsoft.com/office/drawing/2010/main" val="0"/>
+              </a:ext>
+            </a:extLst>
+          </a:blip>
+          <a:stretch>
+            <a:fillRect/>
+          </a:stretch>
+        </p:blipFill>
+        <p:spPr>
+          <a:xfrm>
+            <a:off x="-264759" y="3235968"/>
+            <a:ext cx="1827826" cy="1008160"/>
+          </a:xfrm>
+          <a:prstGeom prst="rect">
+            <a:avLst/>
+          </a:prstGeom>
+        </p:spPr>
+      </p:pic>
+      <p:sp>
+        <p:nvSpPr>
+          <p:cNvPr id="36" name="TextBox 35"/>
+          <p:cNvSpPr txBox="1"/>
+          <p:nvPr/>
+        </p:nvSpPr>
+        <p:spPr>
+          <a:xfrm>
+            <a:off x="23306" y="4266675"/>
+            <a:ext cx="1750416" cy="461665"/>
+          </a:xfrm>
+          <a:prstGeom prst="rect">
+            <a:avLst/>
+          </a:prstGeom>
+          <a:noFill/>
+        </p:spPr>
+        <p:txBody>
+          <a:bodyPr wrap="none" rtlCol="0">
+            <a:spAutoFit/>
+          </a:bodyPr>
+          <a:lstStyle/>
+          <a:p>
+            <a:r>
+              <a:rPr lang="en-US" sz="2400" dirty="0" smtClean="0"/>
+              <a:t>Raspberry Pi</a:t>
+            </a:r>
+            <a:endParaRPr lang="en-US" sz="2400" dirty="0"/>
+          </a:p>
+        </p:txBody>
+      </p:sp>
+      <p:sp>
+        <p:nvSpPr>
+          <p:cNvPr id="23" name="テキスト ボックス 22"/>
+          <p:cNvSpPr txBox="1"/>
+          <p:nvPr/>
+        </p:nvSpPr>
+        <p:spPr>
+          <a:xfrm>
+            <a:off x="3118789" y="2206000"/>
+            <a:ext cx="2350323" cy="523220"/>
+          </a:xfrm>
+          <a:prstGeom prst="rect">
+            <a:avLst/>
+          </a:prstGeom>
+          <a:noFill/>
+        </p:spPr>
+        <p:txBody>
+          <a:bodyPr wrap="none" rtlCol="0">
+            <a:spAutoFit/>
+          </a:bodyPr>
+          <a:lstStyle/>
+          <a:p>
+            <a:r>
+              <a:rPr lang="en-US" altLang="ja-JP" sz="2800" dirty="0" smtClean="0"/>
+              <a:t>Motion sensor</a:t>
+            </a:r>
+            <a:endParaRPr kumimoji="1" lang="ja-JP" altLang="en-US" sz="2800" dirty="0"/>
+          </a:p>
+        </p:txBody>
+      </p:sp>
+      <p:sp>
+        <p:nvSpPr>
+          <p:cNvPr id="37" name="Oval 36"/>
+          <p:cNvSpPr/>
+          <p:nvPr/>
+        </p:nvSpPr>
+        <p:spPr>
+          <a:xfrm flipV="1">
+            <a:off x="777357" y="2563404"/>
+            <a:ext cx="317500" cy="331632"/>
+          </a:xfrm>
+          <a:prstGeom prst="ellipse">
+            <a:avLst/>
+          </a:prstGeom>
+          <a:solidFill>
+            <a:srgbClr val="FFFF00"/>
+          </a:solidFill>
+          <a:ln w="28575">
+            <a:solidFill>
+              <a:schemeClr val="tx1"/>
+            </a:solidFill>
+          </a:ln>
+        </p:spPr>
+        <p:style>
+          <a:lnRef idx="2">
+            <a:schemeClr val="accent1">
+              <a:shade val="50000"/>
+            </a:schemeClr>
+          </a:lnRef>
+          <a:fillRef idx="1">
+            <a:schemeClr val="accent1"/>
+          </a:fillRef>
+          <a:effectRef idx="0">
+            <a:schemeClr val="accent1"/>
+          </a:effectRef>
+          <a:fontRef idx="minor">
+            <a:schemeClr val="lt1"/>
+          </a:fontRef>
+        </p:style>
+        <p:txBody>
+          <a:bodyPr rtlCol="0" anchor="ctr"/>
+          <a:lstStyle/>
+          <a:p>
+            <a:pPr algn="ctr"/>
+            <a:endParaRPr lang="en-US"/>
+          </a:p>
+        </p:txBody>
+      </p:sp>
+    </p:spTree>
+    <p:extLst>
+      <p:ext uri="{BB962C8B-B14F-4D97-AF65-F5344CB8AC3E}">
+        <p14:creationId xmlns:p14="http://schemas.microsoft.com/office/powerpoint/2010/main" val="1520601261"/>
+      </p:ext>
+    </p:extLst>
+  </p:cSld>
+  <p:clrMapOvr>
+    <a:masterClrMapping/>
+  </p:clrMapOvr>
+  <mc:AlternateContent xmlns:mc="http://schemas.openxmlformats.org/markup-compatibility/2006" xmlns:p14="http://schemas.microsoft.com/office/powerpoint/2010/main">
+    <mc:Choice Requires="p14">
+      <p:transition spd="slow" p14:dur="2000"/>
+    </mc:Choice>
+    <mc:Fallback xmlns="">
+      <p:transition spd="slow"/>
+    </mc:Fallback>
+  </mc:AlternateContent>
+  <p:timing>
+    <p:tnLst>
+      <p:par>
+        <p:cTn id="1" dur="indefinite" restart="never" nodeType="tmRoot"/>
+      </p:par>
+    </p:tnLst>
+  </p:timing>
+</p:sld>
+</file>
+
+<file path=ppt/slides/slide16.xml><?xml version="1.0" encoding="utf-8"?>
+<p:sld xmlns:a="http://schemas.openxmlformats.org/drawingml/2006/main" xmlns:r="http://schemas.openxmlformats.org/officeDocument/2006/relationships" xmlns:p="http://schemas.openxmlformats.org/presentationml/2006/main">
+  <p:cSld>
+    <p:spTree>
+      <p:nvGrpSpPr>
+        <p:cNvPr id="1" name=""/>
+        <p:cNvGrpSpPr/>
+        <p:nvPr/>
+      </p:nvGrpSpPr>
+      <p:grpSpPr>
+        <a:xfrm>
+          <a:off x="0" y="0"/>
+          <a:ext cx="0" cy="0"/>
+          <a:chOff x="0" y="0"/>
+          <a:chExt cx="0" cy="0"/>
+        </a:xfrm>
+      </p:grpSpPr>
+      <p:sp>
+        <p:nvSpPr>
+          <p:cNvPr id="2" name="Title 1"/>
+          <p:cNvSpPr>
+            <a:spLocks noGrp="1"/>
+          </p:cNvSpPr>
+          <p:nvPr>
+            <p:ph type="title"/>
+          </p:nvPr>
+        </p:nvSpPr>
+        <p:spPr/>
+        <p:txBody>
+          <a:bodyPr/>
+          <a:lstStyle/>
+          <a:p>
+            <a:r>
+              <a:rPr lang="ja-JP" altLang="en-US" dirty="0" smtClean="0"/>
+              <a:t>完成度（自己評価）</a:t>
+            </a:r>
+            <a:endParaRPr lang="en-US" dirty="0"/>
+          </a:p>
+        </p:txBody>
+      </p:sp>
+      <p:sp>
+        <p:nvSpPr>
+          <p:cNvPr id="3" name="Content Placeholder 2"/>
+          <p:cNvSpPr>
+            <a:spLocks noGrp="1"/>
+          </p:cNvSpPr>
+          <p:nvPr>
+            <p:ph idx="1"/>
+          </p:nvPr>
+        </p:nvSpPr>
+        <p:spPr/>
+        <p:txBody>
+          <a:bodyPr/>
+          <a:lstStyle/>
+          <a:p>
+            <a:r>
+              <a:rPr lang="ja-JP" altLang="en-US" dirty="0" smtClean="0"/>
+              <a:t>顔認識</a:t>
+            </a:r>
+            <a:endParaRPr lang="en-US" altLang="ja-JP" dirty="0" smtClean="0"/>
+          </a:p>
+          <a:p>
+            <a:pPr lvl="1"/>
+            <a:r>
+              <a:rPr lang="ja-JP" altLang="en-US" dirty="0" smtClean="0"/>
+              <a:t>認識精度が悪い</a:t>
+            </a:r>
+            <a:endParaRPr lang="en-US" altLang="ja-JP" dirty="0" smtClean="0"/>
+          </a:p>
+          <a:p>
+            <a:pPr lvl="1"/>
+            <a:r>
+              <a:rPr lang="ja-JP" altLang="en-US" dirty="0" smtClean="0"/>
+              <a:t>ライブラリが日本人の認識には向かない</a:t>
+            </a:r>
+            <a:endParaRPr lang="en-US" altLang="ja-JP" dirty="0" smtClean="0"/>
+          </a:p>
+          <a:p>
+            <a:r>
+              <a:rPr lang="en-US" altLang="ja-JP" dirty="0" err="1" smtClean="0"/>
+              <a:t>RaspberryPi</a:t>
+            </a:r>
+            <a:r>
+              <a:rPr lang="ja-JP" altLang="en-US" dirty="0" smtClean="0"/>
+              <a:t>によるセンサ類の制御</a:t>
+            </a:r>
+            <a:endParaRPr lang="en-US" altLang="ja-JP" dirty="0" smtClean="0"/>
+          </a:p>
+          <a:p>
+            <a:pPr lvl="1"/>
+            <a:r>
+              <a:rPr lang="ja-JP" altLang="en-US" dirty="0" smtClean="0"/>
+              <a:t>問題なし</a:t>
+            </a:r>
+            <a:endParaRPr lang="en-US" altLang="ja-JP" dirty="0" smtClean="0"/>
+          </a:p>
+          <a:p>
+            <a:r>
+              <a:rPr lang="ja-JP" altLang="en-US" dirty="0" smtClean="0"/>
+              <a:t>画像の送受信</a:t>
+            </a:r>
+            <a:endParaRPr lang="en-US" altLang="ja-JP" dirty="0" smtClean="0"/>
+          </a:p>
+          <a:p>
+            <a:pPr lvl="1"/>
+            <a:r>
+              <a:rPr lang="ja-JP" altLang="en-US" dirty="0" smtClean="0"/>
+              <a:t>問題なし</a:t>
+            </a:r>
+            <a:endParaRPr lang="en-US" altLang="ja-JP" dirty="0" smtClean="0"/>
+          </a:p>
+          <a:p>
+            <a:endParaRPr lang="en-US" altLang="ja-JP" dirty="0" smtClean="0"/>
+          </a:p>
+        </p:txBody>
+      </p:sp>
+    </p:spTree>
+    <p:extLst>
+      <p:ext uri="{BB962C8B-B14F-4D97-AF65-F5344CB8AC3E}">
+        <p14:creationId xmlns:p14="http://schemas.microsoft.com/office/powerpoint/2010/main" val="229388302"/>
+      </p:ext>
+    </p:extLst>
+  </p:cSld>
+  <p:clrMapOvr>
+    <a:masterClrMapping/>
+  </p:clrMapOvr>
+  <p:timing>
+    <p:tnLst>
+      <p:par>
+        <p:cTn id="1" dur="indefinite" restart="never" nodeType="tmRoot"/>
+      </p:par>
+    </p:tnLst>
+  </p:timing>
+</p:sld>
+</file>
+
+<file path=ppt/slides/slide17.xml><?xml version="1.0" encoding="utf-8"?>
 <p:sld xmlns:a="http://schemas.openxmlformats.org/drawingml/2006/main" xmlns:r="http://schemas.openxmlformats.org/officeDocument/2006/relationships" xmlns:p="http://schemas.openxmlformats.org/presentationml/2006/main">
   <p:cSld>
     <p:spTree>
@@ -8463,13 +9684,8 @@
             </a:r>
             <a:r>
               <a:rPr lang="en-US" altLang="ja-JP" sz="2000" dirty="0" smtClean="0"/>
-              <a:t> </a:t>
-            </a:r>
-            <a:r>
-              <a:rPr lang="en-US" altLang="ja-JP" sz="2000" dirty="0" smtClean="0"/>
-              <a:t>raise a buzzer &amp; send e-mail with photo </a:t>
-            </a:r>
-            <a:endParaRPr lang="en-US" altLang="ja-JP" sz="2000" dirty="0" smtClean="0"/>
+              <a:t> raise a buzzer &amp; send e-mail with photo </a:t>
+            </a:r>
           </a:p>
           <a:p>
             <a:pPr lvl="1"/>
@@ -8482,11 +9698,7 @@
             </a:pPr>
             <a:r>
               <a:rPr lang="en-US" altLang="ja-JP" dirty="0" smtClean="0"/>
-              <a:t> equipment </a:t>
-            </a:r>
-            <a:r>
-              <a:rPr lang="en-US" altLang="ja-JP" dirty="0" smtClean="0"/>
-              <a:t>used</a:t>
+              <a:t> equipment used</a:t>
             </a:r>
           </a:p>
           <a:p>
@@ -8503,7 +9715,6 @@
               <a:rPr lang="en-US" altLang="ja-JP" dirty="0" smtClean="0"/>
               <a:t>Motion sensor</a:t>
             </a:r>
-            <a:endParaRPr lang="en-US" altLang="ja-JP" dirty="0" smtClean="0"/>
           </a:p>
           <a:p>
             <a:pPr lvl="1"/>
@@ -8518,7 +9729,6 @@
               <a:rPr kumimoji="1" lang="en-US" altLang="ja-JP" dirty="0" smtClean="0"/>
               <a:t>LED light</a:t>
             </a:r>
-            <a:endParaRPr kumimoji="1" lang="en-US" altLang="ja-JP" dirty="0" smtClean="0"/>
           </a:p>
           <a:p>
             <a:pPr lvl="1"/>
@@ -10501,11 +11711,7 @@
             </a:r>
             <a:r>
               <a:rPr lang="en-US" altLang="ja-JP" dirty="0" smtClean="0"/>
-              <a:t>on remote </a:t>
-            </a:r>
-            <a:r>
-              <a:rPr lang="en-US" altLang="ja-JP" dirty="0" smtClean="0"/>
-              <a:t>PC </a:t>
+              <a:t>on remote PC </a:t>
             </a:r>
           </a:p>
           <a:p>
@@ -10647,11 +11853,7 @@
           <a:p>
             <a:r>
               <a:rPr lang="en-US" altLang="ja-JP" dirty="0" smtClean="0"/>
-              <a:t>Attach t</a:t>
-            </a:r>
-            <a:r>
-              <a:rPr lang="en-US" altLang="ja-JP" dirty="0" smtClean="0"/>
-              <a:t>he photo (used in face recognition)</a:t>
+              <a:t>Attach the photo (used in face recognition)</a:t>
             </a:r>
             <a:endParaRPr lang="en-US" altLang="ja-JP" dirty="0"/>
           </a:p>
@@ -10714,7 +11916,7 @@
           <a:p>
             <a:r>
               <a:rPr kumimoji="1" lang="en-US" altLang="ja-JP" dirty="0" smtClean="0"/>
-              <a:t>Whole map</a:t>
+              <a:t>System Overview</a:t>
             </a:r>
             <a:endParaRPr kumimoji="1" lang="ja-JP" altLang="en-US" dirty="0"/>
           </a:p>
@@ -11836,7 +13038,7 @@
           <a:p>
             <a:r>
               <a:rPr kumimoji="1" lang="en-US" altLang="ja-JP" dirty="0"/>
-              <a:t>Whole map</a:t>
+              <a:t>System Overview</a:t>
             </a:r>
             <a:endParaRPr kumimoji="1" lang="ja-JP" altLang="en-US" dirty="0"/>
           </a:p>
@@ -12720,21 +13922,13 @@
           <a:p>
             <a:r>
               <a:rPr lang="en-US" sz="2400" b="1" dirty="0" smtClean="0"/>
-              <a:t>1</a:t>
-            </a:r>
+              <a:t>1.</a:t>
+            </a:r>
+          </a:p>
+          <a:p>
             <a:r>
               <a:rPr lang="en-US" sz="2400" b="1" dirty="0" smtClean="0"/>
-              <a:t>.</a:t>
-            </a:r>
-          </a:p>
-          <a:p>
-            <a:r>
-              <a:rPr lang="en-US" sz="2400" b="1" dirty="0" smtClean="0"/>
-              <a:t> </a:t>
-            </a:r>
-            <a:r>
-              <a:rPr lang="en-US" sz="2400" b="1" dirty="0" smtClean="0"/>
-              <a:t>take </a:t>
+              <a:t> take </a:t>
             </a:r>
             <a:r>
               <a:rPr lang="en-US" sz="2400" b="1" dirty="0"/>
@@ -12934,7 +14128,7 @@
           <a:p>
             <a:r>
               <a:rPr kumimoji="1" lang="en-US" altLang="ja-JP" dirty="0"/>
-              <a:t>Whole map</a:t>
+              <a:t>System Overview</a:t>
             </a:r>
             <a:endParaRPr kumimoji="1" lang="ja-JP" altLang="en-US" dirty="0"/>
           </a:p>
@@ -13800,16 +14994,11 @@
               <a:rPr lang="en-US" sz="2400" b="1" dirty="0" smtClean="0"/>
               <a:t>3. </a:t>
             </a:r>
-            <a:endParaRPr lang="en-US" sz="2400" b="1" dirty="0" smtClean="0"/>
           </a:p>
           <a:p>
             <a:r>
               <a:rPr lang="en-US" sz="2400" b="1" dirty="0" smtClean="0"/>
-              <a:t> Recognize face &amp;</a:t>
-            </a:r>
-            <a:r>
-              <a:rPr lang="en-US" sz="2400" b="1" dirty="0" smtClean="0"/>
-              <a:t> judge</a:t>
+              <a:t> Recognize face &amp; judge</a:t>
             </a:r>
           </a:p>
           <a:p>
@@ -13817,7 +15006,6 @@
               <a:rPr lang="en-US" sz="2400" b="1" dirty="0" smtClean="0"/>
               <a:t> Reply the result </a:t>
             </a:r>
-            <a:endParaRPr lang="en-US" sz="2400" b="1" dirty="0" smtClean="0"/>
           </a:p>
         </p:txBody>
       </p:sp>
@@ -13878,7 +15066,6 @@
               <a:rPr lang="en-US" sz="2400" b="1" dirty="0"/>
               <a:t>registered address</a:t>
             </a:r>
-            <a:endParaRPr lang="en-US" sz="2400" b="1" dirty="0"/>
           </a:p>
         </p:txBody>
       </p:sp>

--- a/presentation/ase-final-report.pptx
+++ b/presentation/ase-final-report.pptx
@@ -5,7 +5,7 @@
     <p:sldMasterId id="2147483660" r:id="rId1"/>
   </p:sldMasterIdLst>
   <p:notesMasterIdLst>
-    <p:notesMasterId r:id="rId19"/>
+    <p:notesMasterId r:id="rId24"/>
   </p:notesMasterIdLst>
   <p:sldIdLst>
     <p:sldId id="256" r:id="rId2"/>
@@ -16,15 +16,20 @@
     <p:sldId id="270" r:id="rId7"/>
     <p:sldId id="259" r:id="rId8"/>
     <p:sldId id="263" r:id="rId9"/>
-    <p:sldId id="264" r:id="rId10"/>
-    <p:sldId id="265" r:id="rId11"/>
-    <p:sldId id="266" r:id="rId12"/>
-    <p:sldId id="267" r:id="rId13"/>
-    <p:sldId id="271" r:id="rId14"/>
-    <p:sldId id="272" r:id="rId15"/>
-    <p:sldId id="273" r:id="rId16"/>
-    <p:sldId id="274" r:id="rId17"/>
-    <p:sldId id="257" r:id="rId18"/>
+    <p:sldId id="276" r:id="rId10"/>
+    <p:sldId id="264" r:id="rId11"/>
+    <p:sldId id="265" r:id="rId12"/>
+    <p:sldId id="266" r:id="rId13"/>
+    <p:sldId id="267" r:id="rId14"/>
+    <p:sldId id="271" r:id="rId15"/>
+    <p:sldId id="272" r:id="rId16"/>
+    <p:sldId id="281" r:id="rId17"/>
+    <p:sldId id="279" r:id="rId18"/>
+    <p:sldId id="278" r:id="rId19"/>
+    <p:sldId id="273" r:id="rId20"/>
+    <p:sldId id="275" r:id="rId21"/>
+    <p:sldId id="274" r:id="rId22"/>
+    <p:sldId id="257" r:id="rId23"/>
   </p:sldIdLst>
   <p:sldSz cx="9144000" cy="6858000" type="screen4x3"/>
   <p:notesSz cx="6858000" cy="9144000"/>
@@ -213,7 +218,7 @@
           <a:p>
             <a:fld id="{2FFE4D9F-9E77-BF43-A637-B08E9CD6A6DE}" type="datetimeFigureOut">
               <a:rPr lang="en-US" smtClean="0"/>
-              <a:t>9/25/17</a:t>
+              <a:t>9/26/17</a:t>
             </a:fld>
             <a:endParaRPr lang="en-US"/>
           </a:p>
@@ -481,6 +486,90 @@
 </p:notesMaster>
 </file>
 
+<file path=ppt/notesSlides/notesSlide1.xml><?xml version="1.0" encoding="utf-8"?>
+<p:notes xmlns:a="http://schemas.openxmlformats.org/drawingml/2006/main" xmlns:r="http://schemas.openxmlformats.org/officeDocument/2006/relationships" xmlns:p="http://schemas.openxmlformats.org/presentationml/2006/main">
+  <p:cSld>
+    <p:spTree>
+      <p:nvGrpSpPr>
+        <p:cNvPr id="1" name=""/>
+        <p:cNvGrpSpPr/>
+        <p:nvPr/>
+      </p:nvGrpSpPr>
+      <p:grpSpPr>
+        <a:xfrm>
+          <a:off x="0" y="0"/>
+          <a:ext cx="0" cy="0"/>
+          <a:chOff x="0" y="0"/>
+          <a:chExt cx="0" cy="0"/>
+        </a:xfrm>
+      </p:grpSpPr>
+      <p:sp>
+        <p:nvSpPr>
+          <p:cNvPr id="2" name="スライド イメージ プレースホルダー 1"/>
+          <p:cNvSpPr>
+            <a:spLocks noGrp="1" noRot="1" noChangeAspect="1"/>
+          </p:cNvSpPr>
+          <p:nvPr>
+            <p:ph type="sldImg"/>
+          </p:nvPr>
+        </p:nvSpPr>
+        <p:spPr/>
+      </p:sp>
+      <p:sp>
+        <p:nvSpPr>
+          <p:cNvPr id="3" name="ノート プレースホルダー 2"/>
+          <p:cNvSpPr>
+            <a:spLocks noGrp="1"/>
+          </p:cNvSpPr>
+          <p:nvPr>
+            <p:ph type="body" idx="1"/>
+          </p:nvPr>
+        </p:nvSpPr>
+        <p:spPr/>
+        <p:txBody>
+          <a:bodyPr/>
+          <a:lstStyle/>
+          <a:p>
+            <a:endParaRPr kumimoji="1" lang="ja-JP" altLang="en-US"/>
+          </a:p>
+        </p:txBody>
+      </p:sp>
+      <p:sp>
+        <p:nvSpPr>
+          <p:cNvPr id="4" name="スライド番号プレースホルダー 3"/>
+          <p:cNvSpPr>
+            <a:spLocks noGrp="1"/>
+          </p:cNvSpPr>
+          <p:nvPr>
+            <p:ph type="sldNum" sz="quarter" idx="10"/>
+          </p:nvPr>
+        </p:nvSpPr>
+        <p:spPr/>
+        <p:txBody>
+          <a:bodyPr/>
+          <a:lstStyle/>
+          <a:p>
+            <a:fld id="{71C5C018-13BF-5040-AB63-075B4F8FD8CA}" type="slidenum">
+              <a:rPr lang="en-US" smtClean="0"/>
+              <a:t>2</a:t>
+            </a:fld>
+            <a:endParaRPr lang="en-US"/>
+          </a:p>
+        </p:txBody>
+      </p:sp>
+    </p:spTree>
+    <p:extLst>
+      <p:ext uri="{BB962C8B-B14F-4D97-AF65-F5344CB8AC3E}">
+        <p14:creationId xmlns:p14="http://schemas.microsoft.com/office/powerpoint/2010/main" val="290639790"/>
+      </p:ext>
+    </p:extLst>
+  </p:cSld>
+  <p:clrMapOvr>
+    <a:masterClrMapping/>
+  </p:clrMapOvr>
+</p:notes>
+</file>
+
 <file path=ppt/slideLayouts/slideLayout1.xml><?xml version="1.0" encoding="utf-8"?>
 <p:sldLayout xmlns:a="http://schemas.openxmlformats.org/drawingml/2006/main" xmlns:r="http://schemas.openxmlformats.org/officeDocument/2006/relationships" xmlns:p="http://schemas.openxmlformats.org/presentationml/2006/main" type="title" preserve="1">
   <p:cSld name="Title Slide">
@@ -610,9 +699,9 @@
           <a:bodyPr/>
           <a:lstStyle/>
           <a:p>
-            <a:fld id="{82D71830-13C0-9C4B-9C79-55EE80B77243}" type="datetimeFigureOut">
-              <a:rPr lang="en-US" smtClean="0"/>
-              <a:t>9/25/17</a:t>
+            <a:fld id="{EB2A53B9-56C5-2742-8557-905270FB52F4}" type="datetime1">
+              <a:rPr lang="ja-JP" altLang="en-US" smtClean="0"/>
+              <a:t>2017/9/26</a:t>
             </a:fld>
             <a:endParaRPr lang="en-US"/>
           </a:p>
@@ -775,9 +864,9 @@
           <a:bodyPr/>
           <a:lstStyle/>
           <a:p>
-            <a:fld id="{82D71830-13C0-9C4B-9C79-55EE80B77243}" type="datetimeFigureOut">
-              <a:rPr lang="en-US" smtClean="0"/>
-              <a:t>9/25/17</a:t>
+            <a:fld id="{31F83B2E-72FA-AD47-A24B-C4C5185EC550}" type="datetime1">
+              <a:rPr lang="ja-JP" altLang="en-US" smtClean="0"/>
+              <a:t>2017/9/26</a:t>
             </a:fld>
             <a:endParaRPr lang="en-US"/>
           </a:p>
@@ -950,9 +1039,9 @@
           <a:bodyPr/>
           <a:lstStyle/>
           <a:p>
-            <a:fld id="{82D71830-13C0-9C4B-9C79-55EE80B77243}" type="datetimeFigureOut">
-              <a:rPr lang="en-US" smtClean="0"/>
-              <a:t>9/25/17</a:t>
+            <a:fld id="{2CB6D059-43F7-3043-B8A2-317DCA2DF97D}" type="datetime1">
+              <a:rPr lang="ja-JP" altLang="en-US" smtClean="0"/>
+              <a:t>2017/9/26</a:t>
             </a:fld>
             <a:endParaRPr lang="en-US"/>
           </a:p>
@@ -1115,9 +1204,9 @@
           <a:bodyPr/>
           <a:lstStyle/>
           <a:p>
-            <a:fld id="{82D71830-13C0-9C4B-9C79-55EE80B77243}" type="datetimeFigureOut">
-              <a:rPr lang="en-US" smtClean="0"/>
-              <a:t>9/25/17</a:t>
+            <a:fld id="{C1F23DC2-2CD1-9946-8CF9-793C0F77DC8E}" type="datetime1">
+              <a:rPr lang="ja-JP" altLang="en-US" smtClean="0"/>
+              <a:t>2017/9/26</a:t>
             </a:fld>
             <a:endParaRPr lang="en-US"/>
           </a:p>
@@ -1170,6 +1259,13 @@
   <p:clrMapOvr>
     <a:masterClrMapping/>
   </p:clrMapOvr>
+  <p:timing>
+    <p:tnLst>
+      <p:par>
+        <p:cTn id="1" dur="indefinite" restart="never" nodeType="tmRoot"/>
+      </p:par>
+    </p:tnLst>
+  </p:timing>
 </p:sldLayout>
 </file>
 
@@ -1354,9 +1450,9 @@
           <a:bodyPr/>
           <a:lstStyle/>
           <a:p>
-            <a:fld id="{82D71830-13C0-9C4B-9C79-55EE80B77243}" type="datetimeFigureOut">
-              <a:rPr lang="en-US" smtClean="0"/>
-              <a:t>9/25/17</a:t>
+            <a:fld id="{73B521E5-C1E8-E947-BDE3-B5AF6314D78B}" type="datetime1">
+              <a:rPr lang="ja-JP" altLang="en-US" smtClean="0"/>
+              <a:t>2017/9/26</a:t>
             </a:fld>
             <a:endParaRPr lang="en-US"/>
           </a:p>
@@ -1581,9 +1677,9 @@
           <a:bodyPr/>
           <a:lstStyle/>
           <a:p>
-            <a:fld id="{82D71830-13C0-9C4B-9C79-55EE80B77243}" type="datetimeFigureOut">
-              <a:rPr lang="en-US" smtClean="0"/>
-              <a:t>9/25/17</a:t>
+            <a:fld id="{3EAD94E3-92CC-0F41-9A5F-7D0EB03AB06F}" type="datetime1">
+              <a:rPr lang="ja-JP" altLang="en-US" smtClean="0"/>
+              <a:t>2017/9/26</a:t>
             </a:fld>
             <a:endParaRPr lang="en-US"/>
           </a:p>
@@ -1943,9 +2039,9 @@
           <a:bodyPr/>
           <a:lstStyle/>
           <a:p>
-            <a:fld id="{82D71830-13C0-9C4B-9C79-55EE80B77243}" type="datetimeFigureOut">
-              <a:rPr lang="en-US" smtClean="0"/>
-              <a:t>9/25/17</a:t>
+            <a:fld id="{4A523FD2-BD5B-8647-A24B-0A7ED13B41EC}" type="datetime1">
+              <a:rPr lang="ja-JP" altLang="en-US" smtClean="0"/>
+              <a:t>2017/9/26</a:t>
             </a:fld>
             <a:endParaRPr lang="en-US"/>
           </a:p>
@@ -2056,9 +2152,9 @@
           <a:bodyPr/>
           <a:lstStyle/>
           <a:p>
-            <a:fld id="{82D71830-13C0-9C4B-9C79-55EE80B77243}" type="datetimeFigureOut">
-              <a:rPr lang="en-US" smtClean="0"/>
-              <a:t>9/25/17</a:t>
+            <a:fld id="{FAA6F914-66F3-FE4A-8FBF-4BBC7E9277E9}" type="datetime1">
+              <a:rPr lang="ja-JP" altLang="en-US" smtClean="0"/>
+              <a:t>2017/9/26</a:t>
             </a:fld>
             <a:endParaRPr lang="en-US"/>
           </a:p>
@@ -2146,9 +2242,9 @@
           <a:bodyPr/>
           <a:lstStyle/>
           <a:p>
-            <a:fld id="{82D71830-13C0-9C4B-9C79-55EE80B77243}" type="datetimeFigureOut">
-              <a:rPr lang="en-US" smtClean="0"/>
-              <a:t>9/25/17</a:t>
+            <a:fld id="{8159EDAF-525B-3244-B512-FCD1007EEF1F}" type="datetime1">
+              <a:rPr lang="ja-JP" altLang="en-US" smtClean="0"/>
+              <a:t>2017/9/26</a:t>
             </a:fld>
             <a:endParaRPr lang="en-US"/>
           </a:p>
@@ -2418,9 +2514,9 @@
           <a:bodyPr/>
           <a:lstStyle/>
           <a:p>
-            <a:fld id="{82D71830-13C0-9C4B-9C79-55EE80B77243}" type="datetimeFigureOut">
-              <a:rPr lang="en-US" smtClean="0"/>
-              <a:t>9/25/17</a:t>
+            <a:fld id="{76AEA94B-AA8F-4B4B-BE47-DFF3644CF9A2}" type="datetime1">
+              <a:rPr lang="ja-JP" altLang="en-US" smtClean="0"/>
+              <a:t>2017/9/26</a:t>
             </a:fld>
             <a:endParaRPr lang="en-US"/>
           </a:p>
@@ -2670,9 +2766,9 @@
           <a:bodyPr/>
           <a:lstStyle/>
           <a:p>
-            <a:fld id="{82D71830-13C0-9C4B-9C79-55EE80B77243}" type="datetimeFigureOut">
-              <a:rPr lang="en-US" smtClean="0"/>
-              <a:t>9/25/17</a:t>
+            <a:fld id="{4D0105D7-7B27-5345-BE5C-3D1826D44600}" type="datetime1">
+              <a:rPr lang="ja-JP" altLang="en-US" smtClean="0"/>
+              <a:t>2017/9/26</a:t>
             </a:fld>
             <a:endParaRPr lang="en-US"/>
           </a:p>
@@ -2810,35 +2906,35 @@
           <a:p>
             <a:pPr lvl="0"/>
             <a:r>
-              <a:rPr lang="en-US" smtClean="0"/>
+              <a:rPr lang="en-US" dirty="0" smtClean="0"/>
               <a:t>Click to edit Master text styles</a:t>
             </a:r>
           </a:p>
           <a:p>
             <a:pPr lvl="1"/>
             <a:r>
-              <a:rPr lang="en-US" smtClean="0"/>
+              <a:rPr lang="en-US" dirty="0" smtClean="0"/>
               <a:t>Second level</a:t>
             </a:r>
           </a:p>
           <a:p>
             <a:pPr lvl="2"/>
             <a:r>
-              <a:rPr lang="en-US" smtClean="0"/>
+              <a:rPr lang="en-US" dirty="0" smtClean="0"/>
               <a:t>Third level</a:t>
             </a:r>
           </a:p>
           <a:p>
             <a:pPr lvl="3"/>
             <a:r>
-              <a:rPr lang="en-US" smtClean="0"/>
+              <a:rPr lang="en-US" dirty="0" smtClean="0"/>
               <a:t>Fourth level</a:t>
             </a:r>
           </a:p>
           <a:p>
             <a:pPr lvl="4"/>
             <a:r>
-              <a:rPr lang="en-US" smtClean="0"/>
+              <a:rPr lang="en-US" dirty="0" smtClean="0"/>
               <a:t>Fifth level</a:t>
             </a:r>
             <a:endParaRPr lang="en-US" dirty="0"/>
@@ -2878,9 +2974,9 @@
             </a:lvl1pPr>
           </a:lstStyle>
           <a:p>
-            <a:fld id="{82D71830-13C0-9C4B-9C79-55EE80B77243}" type="datetimeFigureOut">
-              <a:rPr lang="en-US" smtClean="0"/>
-              <a:t>9/25/17</a:t>
+            <a:fld id="{C2649C05-B78B-674F-882D-4FBBCDF31135}" type="datetime1">
+              <a:rPr lang="ja-JP" altLang="en-US" smtClean="0"/>
+              <a:t>2017/9/26</a:t>
             </a:fld>
             <a:endParaRPr lang="en-US"/>
           </a:p>
@@ -2946,7 +3042,7 @@
           <a:bodyPr vert="horz" lIns="91440" tIns="45720" rIns="91440" bIns="45720" rtlCol="0" anchor="ctr"/>
           <a:lstStyle>
             <a:lvl1pPr algn="r">
-              <a:defRPr sz="1200">
+              <a:defRPr sz="1800">
                 <a:solidFill>
                   <a:schemeClr val="tx1">
                     <a:tint val="75000"/>
@@ -2958,9 +3054,10 @@
           <a:p>
             <a:fld id="{C9CA7111-1C24-4C43-B617-79ECA406D799}" type="slidenum">
               <a:rPr lang="en-US" smtClean="0"/>
+              <a:pPr/>
               <a:t>‹#›</a:t>
             </a:fld>
-            <a:endParaRPr lang="en-US"/>
+            <a:endParaRPr lang="en-US" dirty="0"/>
           </a:p>
         </p:txBody>
       </p:sp>
@@ -2985,6 +3082,14 @@
     <p:sldLayoutId id="2147483670" r:id="rId10"/>
     <p:sldLayoutId id="2147483671" r:id="rId11"/>
   </p:sldLayoutIdLst>
+  <p:timing>
+    <p:tnLst>
+      <p:par>
+        <p:cTn id="1" dur="indefinite" restart="never" nodeType="tmRoot"/>
+      </p:par>
+    </p:tnLst>
+  </p:timing>
+  <p:hf hdr="0" ftr="0" dt="0"/>
   <p:txStyles>
     <p:titleStyle>
       <a:lvl1pPr algn="l" defTabSz="914400" rtl="0" eaLnBrk="1" latinLnBrk="0" hangingPunct="1">
@@ -3051,7 +3156,7 @@
         </a:spcBef>
         <a:buFont typeface="Arial" panose="020B0604020202020204" pitchFamily="34" charset="0"/>
         <a:buChar char="•"/>
-        <a:defRPr sz="2000" kern="1200">
+        <a:defRPr sz="2400" kern="1200">
           <a:solidFill>
             <a:schemeClr val="tx1"/>
           </a:solidFill>
@@ -3069,7 +3174,7 @@
         </a:spcBef>
         <a:buFont typeface="Arial" panose="020B0604020202020204" pitchFamily="34" charset="0"/>
         <a:buChar char="•"/>
-        <a:defRPr sz="1800" kern="1200">
+        <a:defRPr sz="2400" kern="1200">
           <a:solidFill>
             <a:schemeClr val="tx1"/>
           </a:solidFill>
@@ -3087,7 +3192,7 @@
         </a:spcBef>
         <a:buFont typeface="Arial" panose="020B0604020202020204" pitchFamily="34" charset="0"/>
         <a:buChar char="•"/>
-        <a:defRPr sz="1800" kern="1200">
+        <a:defRPr sz="2400" kern="1200">
           <a:solidFill>
             <a:schemeClr val="tx1"/>
           </a:solidFill>
@@ -3335,6 +3440,29 @@
           </a:p>
         </p:txBody>
       </p:sp>
+      <p:sp>
+        <p:nvSpPr>
+          <p:cNvPr id="4" name="スライド番号プレースホルダー 3"/>
+          <p:cNvSpPr>
+            <a:spLocks noGrp="1"/>
+          </p:cNvSpPr>
+          <p:nvPr>
+            <p:ph type="sldNum" sz="quarter" idx="12"/>
+          </p:nvPr>
+        </p:nvSpPr>
+        <p:spPr/>
+        <p:txBody>
+          <a:bodyPr/>
+          <a:lstStyle/>
+          <a:p>
+            <a:fld id="{C9CA7111-1C24-4C43-B617-79ECA406D799}" type="slidenum">
+              <a:rPr lang="en-US" smtClean="0"/>
+              <a:t>1</a:t>
+            </a:fld>
+            <a:endParaRPr lang="en-US"/>
+          </a:p>
+        </p:txBody>
+      </p:sp>
     </p:spTree>
     <p:extLst>
       <p:ext uri="{BB962C8B-B14F-4D97-AF65-F5344CB8AC3E}">
@@ -3374,7 +3502,7 @@
       </p:grpSpPr>
       <p:cxnSp>
         <p:nvCxnSpPr>
-          <p:cNvPr id="36" name="Elbow Connector 35"/>
+          <p:cNvPr id="40" name="Elbow Connector 39"/>
           <p:cNvCxnSpPr/>
           <p:nvPr/>
         </p:nvCxnSpPr>
@@ -3862,7 +3990,7 @@
         <p:spPr>
           <a:xfrm>
             <a:off x="671174" y="4698973"/>
-            <a:ext cx="966931" cy="461665"/>
+            <a:ext cx="987771" cy="461665"/>
           </a:xfrm>
           <a:prstGeom prst="rect">
             <a:avLst/>
@@ -3877,7 +4005,11 @@
           <a:p>
             <a:r>
               <a:rPr lang="en-US" altLang="ja-JP" sz="2400" dirty="0"/>
-              <a:t>server</a:t>
+              <a:t>S</a:t>
+            </a:r>
+            <a:r>
+              <a:rPr lang="en-US" altLang="ja-JP" sz="2400" dirty="0" smtClean="0"/>
+              <a:t>erver</a:t>
             </a:r>
             <a:endParaRPr lang="en-US" sz="2400" dirty="0"/>
           </a:p>
@@ -3913,170 +4045,6 @@
           </a:p>
         </p:txBody>
       </p:sp>
-      <p:sp>
-        <p:nvSpPr>
-          <p:cNvPr id="52" name="Oval 51"/>
-          <p:cNvSpPr/>
-          <p:nvPr/>
-        </p:nvSpPr>
-        <p:spPr>
-          <a:xfrm flipV="1">
-            <a:off x="5667036" y="3241700"/>
-            <a:ext cx="317500" cy="331632"/>
-          </a:xfrm>
-          <a:prstGeom prst="ellipse">
-            <a:avLst/>
-          </a:prstGeom>
-          <a:solidFill>
-            <a:schemeClr val="bg2">
-              <a:lumMod val="90000"/>
-            </a:schemeClr>
-          </a:solidFill>
-          <a:ln w="28575">
-            <a:solidFill>
-              <a:srgbClr val="FF0000"/>
-            </a:solidFill>
-          </a:ln>
-        </p:spPr>
-        <p:style>
-          <a:lnRef idx="2">
-            <a:schemeClr val="accent1">
-              <a:shade val="50000"/>
-            </a:schemeClr>
-          </a:lnRef>
-          <a:fillRef idx="1">
-            <a:schemeClr val="accent1"/>
-          </a:fillRef>
-          <a:effectRef idx="0">
-            <a:schemeClr val="accent1"/>
-          </a:effectRef>
-          <a:fontRef idx="minor">
-            <a:schemeClr val="lt1"/>
-          </a:fontRef>
-        </p:style>
-        <p:txBody>
-          <a:bodyPr rtlCol="0" anchor="ctr"/>
-          <a:lstStyle/>
-          <a:p>
-            <a:pPr algn="ctr"/>
-            <a:endParaRPr lang="en-US"/>
-          </a:p>
-        </p:txBody>
-      </p:sp>
-      <p:sp>
-        <p:nvSpPr>
-          <p:cNvPr id="53" name="Oval 52"/>
-          <p:cNvSpPr/>
-          <p:nvPr/>
-        </p:nvSpPr>
-        <p:spPr>
-          <a:xfrm flipV="1">
-            <a:off x="5686800" y="2769038"/>
-            <a:ext cx="317500" cy="331632"/>
-          </a:xfrm>
-          <a:prstGeom prst="ellipse">
-            <a:avLst/>
-          </a:prstGeom>
-          <a:solidFill>
-            <a:schemeClr val="bg2">
-              <a:lumMod val="90000"/>
-            </a:schemeClr>
-          </a:solidFill>
-          <a:ln w="28575"/>
-        </p:spPr>
-        <p:style>
-          <a:lnRef idx="2">
-            <a:schemeClr val="accent1">
-              <a:shade val="50000"/>
-            </a:schemeClr>
-          </a:lnRef>
-          <a:fillRef idx="1">
-            <a:schemeClr val="accent1"/>
-          </a:fillRef>
-          <a:effectRef idx="0">
-            <a:schemeClr val="accent1"/>
-          </a:effectRef>
-          <a:fontRef idx="minor">
-            <a:schemeClr val="lt1"/>
-          </a:fontRef>
-        </p:style>
-        <p:txBody>
-          <a:bodyPr rtlCol="0" anchor="ctr"/>
-          <a:lstStyle/>
-          <a:p>
-            <a:pPr algn="ctr"/>
-            <a:endParaRPr lang="en-US"/>
-          </a:p>
-        </p:txBody>
-      </p:sp>
-      <p:cxnSp>
-        <p:nvCxnSpPr>
-          <p:cNvPr id="55" name="Elbow Connector 54"/>
-          <p:cNvCxnSpPr>
-            <a:stCxn id="52" idx="2"/>
-          </p:cNvCxnSpPr>
-          <p:nvPr/>
-        </p:nvCxnSpPr>
-        <p:spPr>
-          <a:xfrm rot="10800000" flipV="1">
-            <a:off x="4276308" y="3407515"/>
-            <a:ext cx="1390729" cy="538859"/>
-          </a:xfrm>
-          <a:prstGeom prst="bentConnector3">
-            <a:avLst>
-              <a:gd name="adj1" fmla="val 50000"/>
-            </a:avLst>
-          </a:prstGeom>
-        </p:spPr>
-        <p:style>
-          <a:lnRef idx="1">
-            <a:schemeClr val="accent1"/>
-          </a:lnRef>
-          <a:fillRef idx="0">
-            <a:schemeClr val="accent1"/>
-          </a:fillRef>
-          <a:effectRef idx="0">
-            <a:schemeClr val="accent1"/>
-          </a:effectRef>
-          <a:fontRef idx="minor">
-            <a:schemeClr val="tx1"/>
-          </a:fontRef>
-        </p:style>
-      </p:cxnSp>
-      <p:cxnSp>
-        <p:nvCxnSpPr>
-          <p:cNvPr id="58" name="Elbow Connector 57"/>
-          <p:cNvCxnSpPr>
-            <a:stCxn id="53" idx="2"/>
-          </p:cNvCxnSpPr>
-          <p:nvPr/>
-        </p:nvCxnSpPr>
-        <p:spPr>
-          <a:xfrm rot="10800000" flipV="1">
-            <a:off x="3936356" y="2934854"/>
-            <a:ext cx="1750445" cy="804294"/>
-          </a:xfrm>
-          <a:prstGeom prst="bentConnector3">
-            <a:avLst>
-              <a:gd name="adj1" fmla="val 57170"/>
-            </a:avLst>
-          </a:prstGeom>
-        </p:spPr>
-        <p:style>
-          <a:lnRef idx="1">
-            <a:schemeClr val="accent1"/>
-          </a:lnRef>
-          <a:fillRef idx="0">
-            <a:schemeClr val="accent1"/>
-          </a:fillRef>
-          <a:effectRef idx="0">
-            <a:schemeClr val="accent1"/>
-          </a:effectRef>
-          <a:fontRef idx="minor">
-            <a:schemeClr val="tx1"/>
-          </a:fontRef>
-        </p:style>
-      </p:cxnSp>
       <p:sp>
         <p:nvSpPr>
           <p:cNvPr id="66" name="弦 5"/>
@@ -4163,13 +4131,13 @@
         </p:nvSpPr>
         <p:spPr>
           <a:xfrm>
-            <a:off x="927115" y="5606138"/>
-            <a:ext cx="3359207" cy="1011834"/>
+            <a:off x="861893" y="5213631"/>
+            <a:ext cx="3949685" cy="1497172"/>
           </a:xfrm>
           <a:prstGeom prst="wedgeRoundRectCallout">
             <a:avLst>
-              <a:gd name="adj1" fmla="val 90340"/>
-              <a:gd name="adj2" fmla="val -305453"/>
+              <a:gd name="adj1" fmla="val -35163"/>
+              <a:gd name="adj2" fmla="val -97402"/>
               <a:gd name="adj3" fmla="val 16667"/>
             </a:avLst>
           </a:prstGeom>
@@ -4209,14 +4177,1114 @@
       </p:sp>
       <p:sp>
         <p:nvSpPr>
+          <p:cNvPr id="33" name="Rounded Rectangular Callout 32"/>
+          <p:cNvSpPr/>
+          <p:nvPr/>
+        </p:nvSpPr>
+        <p:spPr>
+          <a:xfrm>
+            <a:off x="714156" y="1596096"/>
+            <a:ext cx="3359207" cy="1192020"/>
+          </a:xfrm>
+          <a:prstGeom prst="wedgeRoundRectCallout">
+            <a:avLst>
+              <a:gd name="adj1" fmla="val -35089"/>
+              <a:gd name="adj2" fmla="val 91468"/>
+              <a:gd name="adj3" fmla="val 16667"/>
+            </a:avLst>
+          </a:prstGeom>
+          <a:solidFill>
+            <a:schemeClr val="bg1"/>
+          </a:solidFill>
+          <a:ln>
+            <a:solidFill>
+              <a:schemeClr val="tx1"/>
+            </a:solidFill>
+          </a:ln>
+        </p:spPr>
+        <p:style>
+          <a:lnRef idx="2">
+            <a:schemeClr val="accent1">
+              <a:shade val="50000"/>
+            </a:schemeClr>
+          </a:lnRef>
+          <a:fillRef idx="1">
+            <a:schemeClr val="accent1"/>
+          </a:fillRef>
+          <a:effectRef idx="0">
+            <a:schemeClr val="accent1"/>
+          </a:effectRef>
+          <a:fontRef idx="minor">
+            <a:schemeClr val="lt1"/>
+          </a:fontRef>
+        </p:style>
+        <p:txBody>
+          <a:bodyPr rtlCol="0" anchor="ctr"/>
+          <a:lstStyle/>
+          <a:p>
+            <a:pPr algn="ctr"/>
+            <a:endParaRPr lang="en-US"/>
+          </a:p>
+        </p:txBody>
+      </p:sp>
+      <p:sp>
+        <p:nvSpPr>
           <p:cNvPr id="5" name="TextBox 4"/>
           <p:cNvSpPr txBox="1"/>
           <p:nvPr/>
         </p:nvSpPr>
         <p:spPr>
           <a:xfrm>
-            <a:off x="1014466" y="5682612"/>
-            <a:ext cx="3271856" cy="830997"/>
+            <a:off x="761497" y="1572736"/>
+            <a:ext cx="3691826" cy="1200329"/>
+          </a:xfrm>
+          <a:prstGeom prst="rect">
+            <a:avLst/>
+          </a:prstGeom>
+          <a:noFill/>
+        </p:spPr>
+        <p:txBody>
+          <a:bodyPr wrap="square" rtlCol="0">
+            <a:spAutoFit/>
+          </a:bodyPr>
+          <a:lstStyle/>
+          <a:p>
+            <a:r>
+              <a:rPr lang="en-US" sz="2400" b="1" dirty="0"/>
+              <a:t>4</a:t>
+            </a:r>
+            <a:r>
+              <a:rPr lang="en-US" sz="2400" b="1" dirty="0" smtClean="0"/>
+              <a:t>. </a:t>
+            </a:r>
+            <a:endParaRPr lang="en-US" sz="2400" b="1" dirty="0" smtClean="0"/>
+          </a:p>
+          <a:p>
+            <a:r>
+              <a:rPr lang="en-US" sz="2400" b="1" dirty="0" smtClean="0"/>
+              <a:t> Recognize face &amp; judge</a:t>
+            </a:r>
+          </a:p>
+          <a:p>
+            <a:r>
+              <a:rPr lang="en-US" sz="2400" b="1" dirty="0" smtClean="0"/>
+              <a:t> Reply the result </a:t>
+            </a:r>
+          </a:p>
+        </p:txBody>
+      </p:sp>
+      <p:sp>
+        <p:nvSpPr>
+          <p:cNvPr id="37" name="TextBox 36"/>
+          <p:cNvSpPr txBox="1"/>
+          <p:nvPr/>
+        </p:nvSpPr>
+        <p:spPr>
+          <a:xfrm>
+            <a:off x="1123764" y="5132964"/>
+            <a:ext cx="3787584" cy="1569660"/>
+          </a:xfrm>
+          <a:prstGeom prst="rect">
+            <a:avLst/>
+          </a:prstGeom>
+          <a:noFill/>
+        </p:spPr>
+        <p:txBody>
+          <a:bodyPr wrap="square" rtlCol="0">
+            <a:spAutoFit/>
+          </a:bodyPr>
+          <a:lstStyle/>
+          <a:p>
+            <a:r>
+              <a:rPr lang="en-US" sz="2400" b="1" dirty="0"/>
+              <a:t>5</a:t>
+            </a:r>
+            <a:r>
+              <a:rPr lang="en-US" sz="2400" b="1" dirty="0" smtClean="0"/>
+              <a:t>.</a:t>
+            </a:r>
+            <a:endParaRPr lang="en-US" sz="2400" b="1" dirty="0" smtClean="0"/>
+          </a:p>
+          <a:p>
+            <a:r>
+              <a:rPr lang="en-US" sz="2400" b="1" dirty="0" smtClean="0"/>
+              <a:t> If not registrant,</a:t>
+            </a:r>
+          </a:p>
+          <a:p>
+            <a:r>
+              <a:rPr lang="en-US" sz="2400" b="1" dirty="0" smtClean="0"/>
+              <a:t>send </a:t>
+            </a:r>
+            <a:r>
+              <a:rPr lang="en-US" sz="2400" b="1" dirty="0"/>
+              <a:t>e-mail with photo </a:t>
+            </a:r>
+            <a:endParaRPr lang="en-US" sz="2400" b="1" dirty="0" smtClean="0"/>
+          </a:p>
+          <a:p>
+            <a:r>
+              <a:rPr lang="en-US" sz="2400" b="1" dirty="0" smtClean="0"/>
+              <a:t>to </a:t>
+            </a:r>
+            <a:r>
+              <a:rPr lang="en-US" sz="2400" b="1" dirty="0"/>
+              <a:t>registered address</a:t>
+            </a:r>
+          </a:p>
+        </p:txBody>
+      </p:sp>
+      <p:sp>
+        <p:nvSpPr>
+          <p:cNvPr id="38" name="テキスト ボックス 22"/>
+          <p:cNvSpPr txBox="1"/>
+          <p:nvPr/>
+        </p:nvSpPr>
+        <p:spPr>
+          <a:xfrm>
+            <a:off x="6063405" y="2525901"/>
+            <a:ext cx="731290" cy="523220"/>
+          </a:xfrm>
+          <a:prstGeom prst="rect">
+            <a:avLst/>
+          </a:prstGeom>
+          <a:noFill/>
+        </p:spPr>
+        <p:txBody>
+          <a:bodyPr wrap="none" rtlCol="0">
+            <a:spAutoFit/>
+          </a:bodyPr>
+          <a:lstStyle/>
+          <a:p>
+            <a:r>
+              <a:rPr kumimoji="1" lang="en-US" altLang="ja-JP" sz="2800" dirty="0" smtClean="0"/>
+              <a:t>LED</a:t>
+            </a:r>
+            <a:endParaRPr kumimoji="1" lang="ja-JP" altLang="en-US" sz="2800" dirty="0"/>
+          </a:p>
+        </p:txBody>
+      </p:sp>
+      <p:sp>
+        <p:nvSpPr>
+          <p:cNvPr id="7" name="スライド番号プレースホルダー 6"/>
+          <p:cNvSpPr>
+            <a:spLocks noGrp="1"/>
+          </p:cNvSpPr>
+          <p:nvPr>
+            <p:ph type="sldNum" sz="quarter" idx="12"/>
+          </p:nvPr>
+        </p:nvSpPr>
+        <p:spPr/>
+        <p:txBody>
+          <a:bodyPr/>
+          <a:lstStyle/>
+          <a:p>
+            <a:fld id="{C9CA7111-1C24-4C43-B617-79ECA406D799}" type="slidenum">
+              <a:rPr lang="en-US" smtClean="0"/>
+              <a:t>10</a:t>
+            </a:fld>
+            <a:endParaRPr lang="en-US"/>
+          </a:p>
+        </p:txBody>
+      </p:sp>
+      <p:cxnSp>
+        <p:nvCxnSpPr>
+          <p:cNvPr id="31" name="Elbow Connector 57"/>
+          <p:cNvCxnSpPr/>
+          <p:nvPr/>
+        </p:nvCxnSpPr>
+        <p:spPr>
+          <a:xfrm rot="10800000" flipV="1">
+            <a:off x="3872858" y="3147990"/>
+            <a:ext cx="2242903" cy="591157"/>
+          </a:xfrm>
+          <a:prstGeom prst="bentConnector3">
+            <a:avLst>
+              <a:gd name="adj1" fmla="val 60758"/>
+            </a:avLst>
+          </a:prstGeom>
+        </p:spPr>
+        <p:style>
+          <a:lnRef idx="1">
+            <a:schemeClr val="accent1"/>
+          </a:lnRef>
+          <a:fillRef idx="0">
+            <a:schemeClr val="accent1"/>
+          </a:fillRef>
+          <a:effectRef idx="0">
+            <a:schemeClr val="accent1"/>
+          </a:effectRef>
+          <a:fontRef idx="minor">
+            <a:schemeClr val="tx1"/>
+          </a:fontRef>
+        </p:style>
+      </p:cxnSp>
+      <p:sp>
+        <p:nvSpPr>
+          <p:cNvPr id="34" name="Oval 51"/>
+          <p:cNvSpPr/>
+          <p:nvPr/>
+        </p:nvSpPr>
+        <p:spPr>
+          <a:xfrm flipV="1">
+            <a:off x="6115760" y="2982175"/>
+            <a:ext cx="317500" cy="331632"/>
+          </a:xfrm>
+          <a:prstGeom prst="ellipse">
+            <a:avLst/>
+          </a:prstGeom>
+          <a:solidFill>
+            <a:srgbClr val="FF0000"/>
+          </a:solidFill>
+          <a:ln w="28575">
+            <a:solidFill>
+              <a:schemeClr val="tx1"/>
+            </a:solidFill>
+          </a:ln>
+        </p:spPr>
+        <p:style>
+          <a:lnRef idx="2">
+            <a:schemeClr val="accent1">
+              <a:shade val="50000"/>
+            </a:schemeClr>
+          </a:lnRef>
+          <a:fillRef idx="1">
+            <a:schemeClr val="accent1"/>
+          </a:fillRef>
+          <a:effectRef idx="0">
+            <a:schemeClr val="accent1"/>
+          </a:effectRef>
+          <a:fontRef idx="minor">
+            <a:schemeClr val="lt1"/>
+          </a:fontRef>
+        </p:style>
+        <p:txBody>
+          <a:bodyPr rtlCol="0" anchor="ctr"/>
+          <a:lstStyle/>
+          <a:p>
+            <a:pPr algn="ctr"/>
+            <a:endParaRPr lang="en-US"/>
+          </a:p>
+        </p:txBody>
+      </p:sp>
+      <p:sp>
+        <p:nvSpPr>
+          <p:cNvPr id="35" name="Oval 52"/>
+          <p:cNvSpPr/>
+          <p:nvPr/>
+        </p:nvSpPr>
+        <p:spPr>
+          <a:xfrm flipV="1">
+            <a:off x="5606561" y="2988522"/>
+            <a:ext cx="317500" cy="331632"/>
+          </a:xfrm>
+          <a:prstGeom prst="ellipse">
+            <a:avLst/>
+          </a:prstGeom>
+          <a:solidFill>
+            <a:srgbClr val="00B050"/>
+          </a:solidFill>
+          <a:ln w="28575">
+            <a:solidFill>
+              <a:schemeClr val="tx1"/>
+            </a:solidFill>
+          </a:ln>
+        </p:spPr>
+        <p:style>
+          <a:lnRef idx="2">
+            <a:schemeClr val="accent1">
+              <a:shade val="50000"/>
+            </a:schemeClr>
+          </a:lnRef>
+          <a:fillRef idx="1">
+            <a:schemeClr val="accent1"/>
+          </a:fillRef>
+          <a:effectRef idx="0">
+            <a:schemeClr val="accent1"/>
+          </a:effectRef>
+          <a:fontRef idx="minor">
+            <a:schemeClr val="lt1"/>
+          </a:fontRef>
+        </p:style>
+        <p:txBody>
+          <a:bodyPr rtlCol="0" anchor="ctr"/>
+          <a:lstStyle/>
+          <a:p>
+            <a:pPr algn="ctr"/>
+            <a:endParaRPr lang="en-US"/>
+          </a:p>
+        </p:txBody>
+      </p:sp>
+      <p:sp>
+        <p:nvSpPr>
+          <p:cNvPr id="36" name="Oval 36"/>
+          <p:cNvSpPr/>
+          <p:nvPr/>
+        </p:nvSpPr>
+        <p:spPr>
+          <a:xfrm flipV="1">
+            <a:off x="5084155" y="2982375"/>
+            <a:ext cx="317500" cy="331632"/>
+          </a:xfrm>
+          <a:prstGeom prst="ellipse">
+            <a:avLst/>
+          </a:prstGeom>
+          <a:solidFill>
+            <a:srgbClr val="FFFF00"/>
+          </a:solidFill>
+          <a:ln w="28575">
+            <a:solidFill>
+              <a:schemeClr val="tx1"/>
+            </a:solidFill>
+          </a:ln>
+        </p:spPr>
+        <p:style>
+          <a:lnRef idx="2">
+            <a:schemeClr val="accent1">
+              <a:shade val="50000"/>
+            </a:schemeClr>
+          </a:lnRef>
+          <a:fillRef idx="1">
+            <a:schemeClr val="accent1"/>
+          </a:fillRef>
+          <a:effectRef idx="0">
+            <a:schemeClr val="accent1"/>
+          </a:effectRef>
+          <a:fontRef idx="minor">
+            <a:schemeClr val="lt1"/>
+          </a:fontRef>
+        </p:style>
+        <p:txBody>
+          <a:bodyPr rtlCol="0" anchor="ctr"/>
+          <a:lstStyle/>
+          <a:p>
+            <a:pPr algn="ctr"/>
+            <a:endParaRPr lang="en-US"/>
+          </a:p>
+        </p:txBody>
+      </p:sp>
+    </p:spTree>
+    <p:extLst>
+      <p:ext uri="{BB962C8B-B14F-4D97-AF65-F5344CB8AC3E}">
+        <p14:creationId xmlns:p14="http://schemas.microsoft.com/office/powerpoint/2010/main" val="1116134397"/>
+      </p:ext>
+    </p:extLst>
+  </p:cSld>
+  <p:clrMapOvr>
+    <a:masterClrMapping/>
+  </p:clrMapOvr>
+  <p:timing>
+    <p:tnLst>
+      <p:par>
+        <p:cTn id="1" dur="indefinite" restart="never" nodeType="tmRoot"/>
+      </p:par>
+    </p:tnLst>
+  </p:timing>
+</p:sld>
+</file>
+
+<file path=ppt/slides/slide11.xml><?xml version="1.0" encoding="utf-8"?>
+<p:sld xmlns:a="http://schemas.openxmlformats.org/drawingml/2006/main" xmlns:r="http://schemas.openxmlformats.org/officeDocument/2006/relationships" xmlns:p="http://schemas.openxmlformats.org/presentationml/2006/main">
+  <p:cSld>
+    <p:spTree>
+      <p:nvGrpSpPr>
+        <p:cNvPr id="1" name=""/>
+        <p:cNvGrpSpPr/>
+        <p:nvPr/>
+      </p:nvGrpSpPr>
+      <p:grpSpPr>
+        <a:xfrm>
+          <a:off x="0" y="0"/>
+          <a:ext cx="0" cy="0"/>
+          <a:chOff x="0" y="0"/>
+          <a:chExt cx="0" cy="0"/>
+        </a:xfrm>
+      </p:grpSpPr>
+      <p:cxnSp>
+        <p:nvCxnSpPr>
+          <p:cNvPr id="36" name="Elbow Connector 35"/>
+          <p:cNvCxnSpPr/>
+          <p:nvPr/>
+        </p:nvCxnSpPr>
+        <p:spPr>
+          <a:xfrm rot="10800000" flipV="1">
+            <a:off x="3303208" y="1376104"/>
+            <a:ext cx="2228939" cy="1943397"/>
+          </a:xfrm>
+          <a:prstGeom prst="bentConnector2">
+            <a:avLst/>
+          </a:prstGeom>
+        </p:spPr>
+        <p:style>
+          <a:lnRef idx="1">
+            <a:schemeClr val="accent1"/>
+          </a:lnRef>
+          <a:fillRef idx="0">
+            <a:schemeClr val="accent1"/>
+          </a:fillRef>
+          <a:effectRef idx="0">
+            <a:schemeClr val="accent1"/>
+          </a:effectRef>
+          <a:fontRef idx="minor">
+            <a:schemeClr val="tx1"/>
+          </a:fontRef>
+        </p:style>
+      </p:cxnSp>
+      <p:sp>
+        <p:nvSpPr>
+          <p:cNvPr id="2" name="タイトル 1"/>
+          <p:cNvSpPr>
+            <a:spLocks noGrp="1"/>
+          </p:cNvSpPr>
+          <p:nvPr>
+            <p:ph type="title"/>
+          </p:nvPr>
+        </p:nvSpPr>
+        <p:spPr/>
+        <p:txBody>
+          <a:bodyPr/>
+          <a:lstStyle/>
+          <a:p>
+            <a:r>
+              <a:rPr kumimoji="1" lang="en-US" altLang="ja-JP" dirty="0"/>
+              <a:t>System Overview</a:t>
+            </a:r>
+            <a:endParaRPr kumimoji="1" lang="ja-JP" altLang="en-US" dirty="0"/>
+          </a:p>
+        </p:txBody>
+      </p:sp>
+      <p:sp>
+        <p:nvSpPr>
+          <p:cNvPr id="4" name="正方形/長方形 3"/>
+          <p:cNvSpPr/>
+          <p:nvPr/>
+        </p:nvSpPr>
+        <p:spPr>
+          <a:xfrm>
+            <a:off x="5310689" y="3964740"/>
+            <a:ext cx="1073454" cy="2202405"/>
+          </a:xfrm>
+          <a:prstGeom prst="rect">
+            <a:avLst/>
+          </a:prstGeom>
+          <a:ln w="57150"/>
+        </p:spPr>
+        <p:style>
+          <a:lnRef idx="2">
+            <a:schemeClr val="dk1"/>
+          </a:lnRef>
+          <a:fillRef idx="1">
+            <a:schemeClr val="lt1"/>
+          </a:fillRef>
+          <a:effectRef idx="0">
+            <a:schemeClr val="dk1"/>
+          </a:effectRef>
+          <a:fontRef idx="minor">
+            <a:schemeClr val="dk1"/>
+          </a:fontRef>
+        </p:style>
+        <p:txBody>
+          <a:bodyPr rtlCol="0" anchor="ctr"/>
+          <a:lstStyle/>
+          <a:p>
+            <a:pPr algn="ctr"/>
+            <a:r>
+              <a:rPr lang="en-US" altLang="ja-JP" sz="3200" b="1" dirty="0" smtClean="0"/>
+              <a:t>Door</a:t>
+            </a:r>
+            <a:endParaRPr kumimoji="1" lang="ja-JP" altLang="en-US" sz="3200" b="1" dirty="0"/>
+          </a:p>
+        </p:txBody>
+      </p:sp>
+      <p:sp>
+        <p:nvSpPr>
+          <p:cNvPr id="6" name="弦 5"/>
+          <p:cNvSpPr/>
+          <p:nvPr/>
+        </p:nvSpPr>
+        <p:spPr>
+          <a:xfrm rot="17570032">
+            <a:off x="7620912" y="1966160"/>
+            <a:ext cx="692331" cy="692331"/>
+          </a:xfrm>
+          <a:prstGeom prst="chord">
+            <a:avLst/>
+          </a:prstGeom>
+          <a:ln w="57150">
+            <a:solidFill>
+              <a:schemeClr val="accent6"/>
+            </a:solidFill>
+          </a:ln>
+        </p:spPr>
+        <p:style>
+          <a:lnRef idx="2">
+            <a:schemeClr val="accent6"/>
+          </a:lnRef>
+          <a:fillRef idx="1">
+            <a:schemeClr val="lt1"/>
+          </a:fillRef>
+          <a:effectRef idx="0">
+            <a:schemeClr val="accent6"/>
+          </a:effectRef>
+          <a:fontRef idx="minor">
+            <a:schemeClr val="dk1"/>
+          </a:fontRef>
+        </p:style>
+        <p:txBody>
+          <a:bodyPr rtlCol="0" anchor="ctr"/>
+          <a:lstStyle/>
+          <a:p>
+            <a:pPr algn="ctr"/>
+            <a:endParaRPr kumimoji="1" lang="ja-JP" altLang="en-US"/>
+          </a:p>
+        </p:txBody>
+      </p:sp>
+      <p:grpSp>
+        <p:nvGrpSpPr>
+          <p:cNvPr id="11" name="図形グループ 10"/>
+          <p:cNvGrpSpPr/>
+          <p:nvPr/>
+        </p:nvGrpSpPr>
+        <p:grpSpPr>
+          <a:xfrm>
+            <a:off x="7462022" y="3739148"/>
+            <a:ext cx="1120731" cy="2377766"/>
+            <a:chOff x="6075895" y="2755629"/>
+            <a:chExt cx="1434211" cy="3618731"/>
+          </a:xfrm>
+        </p:grpSpPr>
+        <p:sp>
+          <p:nvSpPr>
+            <p:cNvPr id="10" name="台形 9"/>
+            <p:cNvSpPr/>
+            <p:nvPr/>
+          </p:nvSpPr>
+          <p:spPr>
+            <a:xfrm>
+              <a:off x="6075895" y="3624941"/>
+              <a:ext cx="1434211" cy="2749419"/>
+            </a:xfrm>
+            <a:prstGeom prst="trapezoid">
+              <a:avLst/>
+            </a:prstGeom>
+          </p:spPr>
+          <p:style>
+            <a:lnRef idx="1">
+              <a:schemeClr val="accent2"/>
+            </a:lnRef>
+            <a:fillRef idx="2">
+              <a:schemeClr val="accent2"/>
+            </a:fillRef>
+            <a:effectRef idx="1">
+              <a:schemeClr val="accent2"/>
+            </a:effectRef>
+            <a:fontRef idx="minor">
+              <a:schemeClr val="dk1"/>
+            </a:fontRef>
+          </p:style>
+          <p:txBody>
+            <a:bodyPr rtlCol="0" anchor="ctr"/>
+            <a:lstStyle/>
+            <a:p>
+              <a:pPr algn="ctr"/>
+              <a:endParaRPr kumimoji="1" lang="ja-JP" altLang="en-US"/>
+            </a:p>
+          </p:txBody>
+        </p:sp>
+        <p:sp>
+          <p:nvSpPr>
+            <p:cNvPr id="9" name="円/楕円 8"/>
+            <p:cNvSpPr/>
+            <p:nvPr/>
+          </p:nvSpPr>
+          <p:spPr>
+            <a:xfrm>
+              <a:off x="6270171" y="2755629"/>
+              <a:ext cx="1045661" cy="1045661"/>
+            </a:xfrm>
+            <a:prstGeom prst="ellipse">
+              <a:avLst/>
+            </a:prstGeom>
+          </p:spPr>
+          <p:style>
+            <a:lnRef idx="1">
+              <a:schemeClr val="accent2"/>
+            </a:lnRef>
+            <a:fillRef idx="2">
+              <a:schemeClr val="accent2"/>
+            </a:fillRef>
+            <a:effectRef idx="1">
+              <a:schemeClr val="accent2"/>
+            </a:effectRef>
+            <a:fontRef idx="minor">
+              <a:schemeClr val="dk1"/>
+            </a:fontRef>
+          </p:style>
+          <p:txBody>
+            <a:bodyPr rtlCol="0" anchor="ctr"/>
+            <a:lstStyle/>
+            <a:p>
+              <a:pPr algn="ctr"/>
+              <a:endParaRPr kumimoji="1" lang="ja-JP" altLang="en-US"/>
+            </a:p>
+          </p:txBody>
+        </p:sp>
+      </p:grpSp>
+      <p:sp>
+        <p:nvSpPr>
+          <p:cNvPr id="23" name="テキスト ボックス 22"/>
+          <p:cNvSpPr txBox="1"/>
+          <p:nvPr/>
+        </p:nvSpPr>
+        <p:spPr>
+          <a:xfrm>
+            <a:off x="6647027" y="1547002"/>
+            <a:ext cx="2350323" cy="523220"/>
+          </a:xfrm>
+          <a:prstGeom prst="rect">
+            <a:avLst/>
+          </a:prstGeom>
+          <a:noFill/>
+        </p:spPr>
+        <p:txBody>
+          <a:bodyPr wrap="none" rtlCol="0">
+            <a:spAutoFit/>
+          </a:bodyPr>
+          <a:lstStyle/>
+          <a:p>
+            <a:r>
+              <a:rPr lang="en-US" altLang="ja-JP" sz="2800" dirty="0" smtClean="0"/>
+              <a:t>Motion sensor</a:t>
+            </a:r>
+            <a:endParaRPr kumimoji="1" lang="ja-JP" altLang="en-US" sz="2800" dirty="0"/>
+          </a:p>
+        </p:txBody>
+      </p:sp>
+      <p:pic>
+        <p:nvPicPr>
+          <p:cNvPr id="3" name="Picture 2"/>
+          <p:cNvPicPr>
+            <a:picLocks noChangeAspect="1"/>
+          </p:cNvPicPr>
+          <p:nvPr/>
+        </p:nvPicPr>
+        <p:blipFill>
+          <a:blip r:embed="rId2">
+            <a:extLst>
+              <a:ext uri="{28A0092B-C50C-407E-A947-70E740481C1C}">
+                <a14:useLocalDpi xmlns:a14="http://schemas.microsoft.com/office/drawing/2010/main" val="0"/>
+              </a:ext>
+            </a:extLst>
+          </a:blip>
+          <a:stretch>
+            <a:fillRect/>
+          </a:stretch>
+        </p:blipFill>
+        <p:spPr>
+          <a:xfrm>
+            <a:off x="5532144" y="3407516"/>
+            <a:ext cx="1490853" cy="1638300"/>
+          </a:xfrm>
+          <a:prstGeom prst="rect">
+            <a:avLst/>
+          </a:prstGeom>
+        </p:spPr>
+      </p:pic>
+      <p:pic>
+        <p:nvPicPr>
+          <p:cNvPr id="24" name="Picture 23"/>
+          <p:cNvPicPr>
+            <a:picLocks noChangeAspect="1"/>
+          </p:cNvPicPr>
+          <p:nvPr/>
+        </p:nvPicPr>
+        <p:blipFill>
+          <a:blip r:embed="rId3">
+            <a:extLst>
+              <a:ext uri="{28A0092B-C50C-407E-A947-70E740481C1C}">
+                <a14:useLocalDpi xmlns:a14="http://schemas.microsoft.com/office/drawing/2010/main" val="0"/>
+              </a:ext>
+            </a:extLst>
+          </a:blip>
+          <a:stretch>
+            <a:fillRect/>
+          </a:stretch>
+        </p:blipFill>
+        <p:spPr>
+          <a:xfrm>
+            <a:off x="2052694" y="3319502"/>
+            <a:ext cx="2501025" cy="1379471"/>
+          </a:xfrm>
+          <a:prstGeom prst="rect">
+            <a:avLst/>
+          </a:prstGeom>
+        </p:spPr>
+      </p:pic>
+      <p:pic>
+        <p:nvPicPr>
+          <p:cNvPr id="29" name="Picture 28"/>
+          <p:cNvPicPr>
+            <a:picLocks noChangeAspect="1"/>
+          </p:cNvPicPr>
+          <p:nvPr/>
+        </p:nvPicPr>
+        <p:blipFill>
+          <a:blip r:embed="rId4">
+            <a:extLst>
+              <a:ext uri="{28A0092B-C50C-407E-A947-70E740481C1C}">
+                <a14:useLocalDpi xmlns:a14="http://schemas.microsoft.com/office/drawing/2010/main" val="0"/>
+              </a:ext>
+            </a:extLst>
+          </a:blip>
+          <a:stretch>
+            <a:fillRect/>
+          </a:stretch>
+        </p:blipFill>
+        <p:spPr>
+          <a:xfrm>
+            <a:off x="281682" y="3228477"/>
+            <a:ext cx="1803400" cy="1429195"/>
+          </a:xfrm>
+          <a:prstGeom prst="rect">
+            <a:avLst/>
+          </a:prstGeom>
+        </p:spPr>
+      </p:pic>
+      <p:cxnSp>
+        <p:nvCxnSpPr>
+          <p:cNvPr id="32" name="Elbow Connector 31"/>
+          <p:cNvCxnSpPr/>
+          <p:nvPr/>
+        </p:nvCxnSpPr>
+        <p:spPr>
+          <a:xfrm rot="10800000" flipV="1">
+            <a:off x="3782058" y="4226667"/>
+            <a:ext cx="1971542" cy="284736"/>
+          </a:xfrm>
+          <a:prstGeom prst="bentConnector3">
+            <a:avLst>
+              <a:gd name="adj1" fmla="val 50000"/>
+            </a:avLst>
+          </a:prstGeom>
+        </p:spPr>
+        <p:style>
+          <a:lnRef idx="1">
+            <a:schemeClr val="accent1"/>
+          </a:lnRef>
+          <a:fillRef idx="0">
+            <a:schemeClr val="accent1"/>
+          </a:fillRef>
+          <a:effectRef idx="0">
+            <a:schemeClr val="accent1"/>
+          </a:effectRef>
+          <a:fontRef idx="minor">
+            <a:schemeClr val="tx1"/>
+          </a:fontRef>
+        </p:style>
+      </p:cxnSp>
+      <p:cxnSp>
+        <p:nvCxnSpPr>
+          <p:cNvPr id="39" name="Elbow Connector 38"/>
+          <p:cNvCxnSpPr/>
+          <p:nvPr/>
+        </p:nvCxnSpPr>
+        <p:spPr>
+          <a:xfrm rot="10800000" flipV="1">
+            <a:off x="3918031" y="2310695"/>
+            <a:ext cx="3695806" cy="1343764"/>
+          </a:xfrm>
+          <a:prstGeom prst="bentConnector3">
+            <a:avLst>
+              <a:gd name="adj1" fmla="val 99483"/>
+            </a:avLst>
+          </a:prstGeom>
+        </p:spPr>
+        <p:style>
+          <a:lnRef idx="1">
+            <a:schemeClr val="accent1"/>
+          </a:lnRef>
+          <a:fillRef idx="0">
+            <a:schemeClr val="accent1"/>
+          </a:fillRef>
+          <a:effectRef idx="0">
+            <a:schemeClr val="accent1"/>
+          </a:effectRef>
+          <a:fontRef idx="minor">
+            <a:schemeClr val="tx1"/>
+          </a:fontRef>
+        </p:style>
+      </p:cxnSp>
+      <p:cxnSp>
+        <p:nvCxnSpPr>
+          <p:cNvPr id="42" name="Elbow Connector 41"/>
+          <p:cNvCxnSpPr/>
+          <p:nvPr/>
+        </p:nvCxnSpPr>
+        <p:spPr>
+          <a:xfrm flipV="1">
+            <a:off x="1387230" y="3745124"/>
+            <a:ext cx="1219489" cy="197950"/>
+          </a:xfrm>
+          <a:prstGeom prst="bentConnector3">
+            <a:avLst>
+              <a:gd name="adj1" fmla="val 50000"/>
+            </a:avLst>
+          </a:prstGeom>
+          <a:ln w="38100">
+            <a:solidFill>
+              <a:schemeClr val="tx1"/>
+            </a:solidFill>
+          </a:ln>
+        </p:spPr>
+        <p:style>
+          <a:lnRef idx="1">
+            <a:schemeClr val="accent1"/>
+          </a:lnRef>
+          <a:fillRef idx="0">
+            <a:schemeClr val="accent1"/>
+          </a:fillRef>
+          <a:effectRef idx="0">
+            <a:schemeClr val="accent1"/>
+          </a:effectRef>
+          <a:fontRef idx="minor">
+            <a:schemeClr val="tx1"/>
+          </a:fontRef>
+        </p:style>
+      </p:cxnSp>
+      <p:sp>
+        <p:nvSpPr>
+          <p:cNvPr id="49" name="TextBox 48"/>
+          <p:cNvSpPr txBox="1"/>
+          <p:nvPr/>
+        </p:nvSpPr>
+        <p:spPr>
+          <a:xfrm>
+            <a:off x="1637956" y="3088669"/>
+            <a:ext cx="825611" cy="461665"/>
+          </a:xfrm>
+          <a:prstGeom prst="rect">
+            <a:avLst/>
+          </a:prstGeom>
+          <a:noFill/>
+        </p:spPr>
+        <p:txBody>
+          <a:bodyPr wrap="none" rtlCol="0">
+            <a:spAutoFit/>
+          </a:bodyPr>
+          <a:lstStyle/>
+          <a:p>
+            <a:r>
+              <a:rPr lang="en-US" sz="2400" dirty="0" smtClean="0"/>
+              <a:t>https</a:t>
+            </a:r>
+            <a:endParaRPr lang="en-US" sz="2400" dirty="0"/>
+          </a:p>
+        </p:txBody>
+      </p:sp>
+      <p:sp>
+        <p:nvSpPr>
+          <p:cNvPr id="50" name="TextBox 49"/>
+          <p:cNvSpPr txBox="1"/>
+          <p:nvPr/>
+        </p:nvSpPr>
+        <p:spPr>
+          <a:xfrm>
+            <a:off x="671174" y="4698973"/>
+            <a:ext cx="987771" cy="461665"/>
+          </a:xfrm>
+          <a:prstGeom prst="rect">
+            <a:avLst/>
+          </a:prstGeom>
+          <a:noFill/>
+        </p:spPr>
+        <p:txBody>
+          <a:bodyPr wrap="none" rtlCol="0">
+            <a:spAutoFit/>
+          </a:bodyPr>
+          <a:lstStyle/>
+          <a:p>
+            <a:r>
+              <a:rPr lang="en-US" altLang="ja-JP" sz="2400" dirty="0"/>
+              <a:t>S</a:t>
+            </a:r>
+            <a:r>
+              <a:rPr lang="en-US" altLang="ja-JP" sz="2400" dirty="0" smtClean="0"/>
+              <a:t>erver</a:t>
+            </a:r>
+            <a:endParaRPr lang="en-US" sz="2400" dirty="0"/>
+          </a:p>
+        </p:txBody>
+      </p:sp>
+      <p:sp>
+        <p:nvSpPr>
+          <p:cNvPr id="51" name="TextBox 50"/>
+          <p:cNvSpPr txBox="1"/>
+          <p:nvPr/>
+        </p:nvSpPr>
+        <p:spPr>
+          <a:xfrm>
+            <a:off x="2761590" y="4685723"/>
+            <a:ext cx="1750416" cy="461665"/>
+          </a:xfrm>
+          <a:prstGeom prst="rect">
+            <a:avLst/>
+          </a:prstGeom>
+          <a:noFill/>
+        </p:spPr>
+        <p:txBody>
+          <a:bodyPr wrap="none" rtlCol="0">
+            <a:spAutoFit/>
+          </a:bodyPr>
+          <a:lstStyle/>
+          <a:p>
+            <a:r>
+              <a:rPr lang="en-US" sz="2400" dirty="0" smtClean="0"/>
+              <a:t>Raspberry Pi</a:t>
+            </a:r>
+            <a:endParaRPr lang="en-US" sz="2400" dirty="0"/>
+          </a:p>
+        </p:txBody>
+      </p:sp>
+      <p:sp>
+        <p:nvSpPr>
+          <p:cNvPr id="66" name="弦 5"/>
+          <p:cNvSpPr/>
+          <p:nvPr/>
+        </p:nvSpPr>
+        <p:spPr>
+          <a:xfrm rot="17570032">
+            <a:off x="5499384" y="917641"/>
+            <a:ext cx="692331" cy="692331"/>
+          </a:xfrm>
+          <a:prstGeom prst="chord">
+            <a:avLst/>
+          </a:prstGeom>
+          <a:noFill/>
+          <a:ln w="57150">
+            <a:solidFill>
+              <a:srgbClr val="FFC000"/>
+            </a:solidFill>
+          </a:ln>
+        </p:spPr>
+        <p:style>
+          <a:lnRef idx="2">
+            <a:schemeClr val="accent6"/>
+          </a:lnRef>
+          <a:fillRef idx="1">
+            <a:schemeClr val="lt1"/>
+          </a:fillRef>
+          <a:effectRef idx="0">
+            <a:schemeClr val="accent6"/>
+          </a:effectRef>
+          <a:fontRef idx="minor">
+            <a:schemeClr val="dk1"/>
+          </a:fontRef>
+        </p:style>
+        <p:txBody>
+          <a:bodyPr rtlCol="0" anchor="ctr"/>
+          <a:lstStyle/>
+          <a:p>
+            <a:pPr algn="ctr"/>
+            <a:endParaRPr kumimoji="1" lang="ja-JP" altLang="en-US"/>
+          </a:p>
+        </p:txBody>
+      </p:sp>
+      <p:sp>
+        <p:nvSpPr>
+          <p:cNvPr id="85" name="テキスト ボックス 22"/>
+          <p:cNvSpPr txBox="1"/>
+          <p:nvPr/>
+        </p:nvSpPr>
+        <p:spPr>
+          <a:xfrm>
+            <a:off x="5182312" y="479070"/>
+            <a:ext cx="1167243" cy="523220"/>
+          </a:xfrm>
+          <a:prstGeom prst="rect">
+            <a:avLst/>
+          </a:prstGeom>
+          <a:noFill/>
+        </p:spPr>
+        <p:txBody>
+          <a:bodyPr wrap="none" rtlCol="0">
+            <a:spAutoFit/>
+          </a:bodyPr>
+          <a:lstStyle/>
+          <a:p>
+            <a:r>
+              <a:rPr lang="en-US" altLang="ja-JP" sz="2800" dirty="0"/>
+              <a:t>B</a:t>
+            </a:r>
+            <a:r>
+              <a:rPr lang="en-US" altLang="ja-JP" sz="2800" dirty="0" smtClean="0"/>
+              <a:t>uzzer</a:t>
+            </a:r>
+            <a:endParaRPr kumimoji="1" lang="ja-JP" altLang="en-US" sz="2800" dirty="0"/>
+          </a:p>
+        </p:txBody>
+      </p:sp>
+      <p:sp>
+        <p:nvSpPr>
+          <p:cNvPr id="8" name="Rounded Rectangular Callout 7"/>
+          <p:cNvSpPr/>
+          <p:nvPr/>
+        </p:nvSpPr>
+        <p:spPr>
+          <a:xfrm>
+            <a:off x="927115" y="5606138"/>
+            <a:ext cx="3359207" cy="1011834"/>
+          </a:xfrm>
+          <a:prstGeom prst="wedgeRoundRectCallout">
+            <a:avLst>
+              <a:gd name="adj1" fmla="val 91474"/>
+              <a:gd name="adj2" fmla="val -270309"/>
+              <a:gd name="adj3" fmla="val 16667"/>
+            </a:avLst>
+          </a:prstGeom>
+          <a:solidFill>
+            <a:schemeClr val="bg1"/>
+          </a:solidFill>
+          <a:ln>
+            <a:solidFill>
+              <a:schemeClr val="tx1"/>
+            </a:solidFill>
+          </a:ln>
+        </p:spPr>
+        <p:style>
+          <a:lnRef idx="2">
+            <a:schemeClr val="accent1">
+              <a:shade val="50000"/>
+            </a:schemeClr>
+          </a:lnRef>
+          <a:fillRef idx="1">
+            <a:schemeClr val="accent1"/>
+          </a:fillRef>
+          <a:effectRef idx="0">
+            <a:schemeClr val="accent1"/>
+          </a:effectRef>
+          <a:fontRef idx="minor">
+            <a:schemeClr val="lt1"/>
+          </a:fontRef>
+        </p:style>
+        <p:txBody>
+          <a:bodyPr rtlCol="0" anchor="ctr"/>
+          <a:lstStyle/>
+          <a:p>
+            <a:pPr algn="ctr"/>
+            <a:endParaRPr lang="en-US"/>
+          </a:p>
+        </p:txBody>
+      </p:sp>
+      <p:sp>
+        <p:nvSpPr>
+          <p:cNvPr id="5" name="TextBox 4"/>
+          <p:cNvSpPr txBox="1"/>
+          <p:nvPr/>
+        </p:nvSpPr>
+        <p:spPr>
+          <a:xfrm>
+            <a:off x="971296" y="5693605"/>
+            <a:ext cx="3379734" cy="830997"/>
           </a:xfrm>
           <a:prstGeom prst="rect">
             <a:avLst/>
@@ -4256,14 +5324,22 @@
             <a:r>
               <a:rPr lang="en-US" altLang="ja-JP" sz="2400" b="1" dirty="0" smtClean="0">
                 <a:solidFill>
-                  <a:srgbClr val="003EFF"/>
+                  <a:srgbClr val="00B050"/>
                 </a:solidFill>
               </a:rPr>
-              <a:t>blue LED</a:t>
+              <a:t>green </a:t>
+            </a:r>
+            <a:r>
+              <a:rPr lang="en-US" altLang="ja-JP" sz="2400" b="1" dirty="0" smtClean="0">
+                <a:solidFill>
+                  <a:srgbClr val="00B050"/>
+                </a:solidFill>
+              </a:rPr>
+              <a:t>LED</a:t>
             </a:r>
             <a:endParaRPr lang="en-US" altLang="ja-JP" sz="2400" b="1" dirty="0">
               <a:solidFill>
-                <a:srgbClr val="003EFF"/>
+                <a:srgbClr val="00B050"/>
               </a:solidFill>
             </a:endParaRPr>
           </a:p>
@@ -4276,9 +5352,9 @@
           <p:nvPr/>
         </p:nvSpPr>
         <p:spPr>
-          <a:xfrm rot="1489292">
-            <a:off x="3808687" y="2592424"/>
-            <a:ext cx="2051337" cy="410387"/>
+          <a:xfrm rot="330141">
+            <a:off x="3858933" y="2458893"/>
+            <a:ext cx="2319552" cy="410387"/>
           </a:xfrm>
           <a:prstGeom prst="rtTriangle">
             <a:avLst/>
@@ -4567,6 +5643,205 @@
               <a:t>LED</a:t>
             </a:r>
             <a:endParaRPr kumimoji="1" lang="ja-JP" altLang="en-US" sz="2800" dirty="0"/>
+          </a:p>
+        </p:txBody>
+      </p:sp>
+      <p:sp>
+        <p:nvSpPr>
+          <p:cNvPr id="12" name="スライド番号プレースホルダー 11"/>
+          <p:cNvSpPr>
+            <a:spLocks noGrp="1"/>
+          </p:cNvSpPr>
+          <p:nvPr>
+            <p:ph type="sldNum" sz="quarter" idx="12"/>
+          </p:nvPr>
+        </p:nvSpPr>
+        <p:spPr/>
+        <p:txBody>
+          <a:bodyPr/>
+          <a:lstStyle/>
+          <a:p>
+            <a:fld id="{C9CA7111-1C24-4C43-B617-79ECA406D799}" type="slidenum">
+              <a:rPr lang="en-US" smtClean="0"/>
+              <a:t>11</a:t>
+            </a:fld>
+            <a:endParaRPr lang="en-US"/>
+          </a:p>
+        </p:txBody>
+      </p:sp>
+      <p:cxnSp>
+        <p:nvCxnSpPr>
+          <p:cNvPr id="35" name="Elbow Connector 57"/>
+          <p:cNvCxnSpPr/>
+          <p:nvPr/>
+        </p:nvCxnSpPr>
+        <p:spPr>
+          <a:xfrm rot="10800000" flipV="1">
+            <a:off x="3872858" y="3147990"/>
+            <a:ext cx="2242903" cy="591157"/>
+          </a:xfrm>
+          <a:prstGeom prst="bentConnector3">
+            <a:avLst>
+              <a:gd name="adj1" fmla="val 60758"/>
+            </a:avLst>
+          </a:prstGeom>
+        </p:spPr>
+        <p:style>
+          <a:lnRef idx="1">
+            <a:schemeClr val="accent1"/>
+          </a:lnRef>
+          <a:fillRef idx="0">
+            <a:schemeClr val="accent1"/>
+          </a:fillRef>
+          <a:effectRef idx="0">
+            <a:schemeClr val="accent1"/>
+          </a:effectRef>
+          <a:fontRef idx="minor">
+            <a:schemeClr val="tx1"/>
+          </a:fontRef>
+        </p:style>
+      </p:cxnSp>
+      <p:sp>
+        <p:nvSpPr>
+          <p:cNvPr id="38" name="Oval 51"/>
+          <p:cNvSpPr/>
+          <p:nvPr/>
+        </p:nvSpPr>
+        <p:spPr>
+          <a:xfrm flipV="1">
+            <a:off x="6115760" y="2982175"/>
+            <a:ext cx="317500" cy="331632"/>
+          </a:xfrm>
+          <a:prstGeom prst="ellipse">
+            <a:avLst/>
+          </a:prstGeom>
+          <a:solidFill>
+            <a:srgbClr val="FF0000"/>
+          </a:solidFill>
+          <a:ln w="28575">
+            <a:solidFill>
+              <a:schemeClr val="tx1"/>
+            </a:solidFill>
+          </a:ln>
+        </p:spPr>
+        <p:style>
+          <a:lnRef idx="2">
+            <a:schemeClr val="accent1">
+              <a:shade val="50000"/>
+            </a:schemeClr>
+          </a:lnRef>
+          <a:fillRef idx="1">
+            <a:schemeClr val="accent1"/>
+          </a:fillRef>
+          <a:effectRef idx="0">
+            <a:schemeClr val="accent1"/>
+          </a:effectRef>
+          <a:fontRef idx="minor">
+            <a:schemeClr val="lt1"/>
+          </a:fontRef>
+        </p:style>
+        <p:txBody>
+          <a:bodyPr rtlCol="0" anchor="ctr"/>
+          <a:lstStyle/>
+          <a:p>
+            <a:pPr algn="ctr"/>
+            <a:endParaRPr lang="en-US"/>
+          </a:p>
+        </p:txBody>
+      </p:sp>
+      <p:sp>
+        <p:nvSpPr>
+          <p:cNvPr id="40" name="Oval 52"/>
+          <p:cNvSpPr/>
+          <p:nvPr/>
+        </p:nvSpPr>
+        <p:spPr>
+          <a:xfrm flipV="1">
+            <a:off x="5606561" y="2988522"/>
+            <a:ext cx="317500" cy="331632"/>
+          </a:xfrm>
+          <a:prstGeom prst="ellipse">
+            <a:avLst/>
+          </a:prstGeom>
+          <a:solidFill>
+            <a:srgbClr val="00B050"/>
+          </a:solidFill>
+          <a:ln w="28575">
+            <a:solidFill>
+              <a:schemeClr val="tx1"/>
+            </a:solidFill>
+          </a:ln>
+        </p:spPr>
+        <p:style>
+          <a:lnRef idx="2">
+            <a:schemeClr val="accent1">
+              <a:shade val="50000"/>
+            </a:schemeClr>
+          </a:lnRef>
+          <a:fillRef idx="1">
+            <a:schemeClr val="accent1"/>
+          </a:fillRef>
+          <a:effectRef idx="0">
+            <a:schemeClr val="accent1"/>
+          </a:effectRef>
+          <a:fontRef idx="minor">
+            <a:schemeClr val="lt1"/>
+          </a:fontRef>
+        </p:style>
+        <p:txBody>
+          <a:bodyPr rtlCol="0" anchor="ctr"/>
+          <a:lstStyle/>
+          <a:p>
+            <a:pPr algn="ctr"/>
+            <a:endParaRPr lang="en-US"/>
+          </a:p>
+        </p:txBody>
+      </p:sp>
+      <p:sp>
+        <p:nvSpPr>
+          <p:cNvPr id="41" name="Oval 36"/>
+          <p:cNvSpPr/>
+          <p:nvPr/>
+        </p:nvSpPr>
+        <p:spPr>
+          <a:xfrm flipV="1">
+            <a:off x="5084155" y="2982375"/>
+            <a:ext cx="317500" cy="331632"/>
+          </a:xfrm>
+          <a:prstGeom prst="ellipse">
+            <a:avLst/>
+          </a:prstGeom>
+          <a:solidFill>
+            <a:srgbClr val="FFFF00"/>
+          </a:solidFill>
+          <a:ln w="28575">
+            <a:solidFill>
+              <a:schemeClr val="tx1"/>
+            </a:solidFill>
+          </a:ln>
+        </p:spPr>
+        <p:style>
+          <a:lnRef idx="2">
+            <a:schemeClr val="accent1">
+              <a:shade val="50000"/>
+            </a:schemeClr>
+          </a:lnRef>
+          <a:fillRef idx="1">
+            <a:schemeClr val="accent1"/>
+          </a:fillRef>
+          <a:effectRef idx="0">
+            <a:schemeClr val="accent1"/>
+          </a:effectRef>
+          <a:fontRef idx="minor">
+            <a:schemeClr val="lt1"/>
+          </a:fontRef>
+        </p:style>
+        <p:txBody>
+          <a:bodyPr rtlCol="0" anchor="ctr"/>
+          <a:lstStyle/>
+          <a:p>
+            <a:pPr algn="ctr"/>
+            <a:endParaRPr lang="en-US"/>
           </a:p>
         </p:txBody>
       </p:sp>
@@ -4590,7 +5865,7 @@
 </p:sld>
 </file>
 
-<file path=ppt/slides/slide11.xml><?xml version="1.0" encoding="utf-8"?>
+<file path=ppt/slides/slide12.xml><?xml version="1.0" encoding="utf-8"?>
 <p:sld xmlns:a="http://schemas.openxmlformats.org/drawingml/2006/main" xmlns:r="http://schemas.openxmlformats.org/officeDocument/2006/relationships" xmlns:p="http://schemas.openxmlformats.org/presentationml/2006/main" show="0">
   <p:cSld>
     <p:spTree>
@@ -5736,6 +7011,29 @@
           </a:fontRef>
         </p:style>
       </p:cxnSp>
+      <p:sp>
+        <p:nvSpPr>
+          <p:cNvPr id="5" name="スライド番号プレースホルダー 4"/>
+          <p:cNvSpPr>
+            <a:spLocks noGrp="1"/>
+          </p:cNvSpPr>
+          <p:nvPr>
+            <p:ph type="sldNum" sz="quarter" idx="12"/>
+          </p:nvPr>
+        </p:nvSpPr>
+        <p:spPr/>
+        <p:txBody>
+          <a:bodyPr/>
+          <a:lstStyle/>
+          <a:p>
+            <a:fld id="{C9CA7111-1C24-4C43-B617-79ECA406D799}" type="slidenum">
+              <a:rPr lang="en-US" smtClean="0"/>
+              <a:t>12</a:t>
+            </a:fld>
+            <a:endParaRPr lang="en-US"/>
+          </a:p>
+        </p:txBody>
+      </p:sp>
     </p:spTree>
     <p:extLst>
       <p:ext uri="{BB962C8B-B14F-4D97-AF65-F5344CB8AC3E}">
@@ -5764,7 +7062,7 @@
 </p:sld>
 </file>
 
-<file path=ppt/slides/slide12.xml><?xml version="1.0" encoding="utf-8"?>
+<file path=ppt/slides/slide13.xml><?xml version="1.0" encoding="utf-8"?>
 <p:sld xmlns:a="http://schemas.openxmlformats.org/drawingml/2006/main" xmlns:r="http://schemas.openxmlformats.org/officeDocument/2006/relationships" xmlns:p="http://schemas.openxmlformats.org/presentationml/2006/main" show="0">
   <p:cSld>
     <p:spTree>
@@ -6910,6 +8208,29 @@
           </a:p>
         </p:txBody>
       </p:sp>
+      <p:sp>
+        <p:nvSpPr>
+          <p:cNvPr id="5" name="スライド番号プレースホルダー 4"/>
+          <p:cNvSpPr>
+            <a:spLocks noGrp="1"/>
+          </p:cNvSpPr>
+          <p:nvPr>
+            <p:ph type="sldNum" sz="quarter" idx="12"/>
+          </p:nvPr>
+        </p:nvSpPr>
+        <p:spPr/>
+        <p:txBody>
+          <a:bodyPr/>
+          <a:lstStyle/>
+          <a:p>
+            <a:fld id="{C9CA7111-1C24-4C43-B617-79ECA406D799}" type="slidenum">
+              <a:rPr lang="en-US" smtClean="0"/>
+              <a:t>13</a:t>
+            </a:fld>
+            <a:endParaRPr lang="en-US"/>
+          </a:p>
+        </p:txBody>
+      </p:sp>
     </p:spTree>
     <p:extLst>
       <p:ext uri="{BB962C8B-B14F-4D97-AF65-F5344CB8AC3E}">
@@ -6938,8 +8259,8 @@
 </p:sld>
 </file>
 
-<file path=ppt/slides/slide13.xml><?xml version="1.0" encoding="utf-8"?>
-<p:sld xmlns:a="http://schemas.openxmlformats.org/drawingml/2006/main" xmlns:r="http://schemas.openxmlformats.org/officeDocument/2006/relationships" xmlns:p="http://schemas.openxmlformats.org/presentationml/2006/main">
+<file path=ppt/slides/slide14.xml><?xml version="1.0" encoding="utf-8"?>
+<p:sld xmlns:a="http://schemas.openxmlformats.org/drawingml/2006/main" xmlns:r="http://schemas.openxmlformats.org/officeDocument/2006/relationships" xmlns:p="http://schemas.openxmlformats.org/presentationml/2006/main" show="0">
   <p:cSld>
     <p:spTree>
       <p:nvGrpSpPr>
@@ -7585,7 +8906,7 @@
         <p:spPr>
           <a:xfrm>
             <a:off x="671174" y="4698973"/>
-            <a:ext cx="966931" cy="461665"/>
+            <a:ext cx="987771" cy="461665"/>
           </a:xfrm>
           <a:prstGeom prst="rect">
             <a:avLst/>
@@ -7599,8 +8920,12 @@
           <a:lstStyle/>
           <a:p>
             <a:r>
-              <a:rPr lang="en-US" sz="2400" smtClean="0"/>
-              <a:t>server</a:t>
+              <a:rPr lang="en-US" sz="2400" dirty="0"/>
+              <a:t>S</a:t>
+            </a:r>
+            <a:r>
+              <a:rPr lang="en-US" sz="2400" dirty="0" smtClean="0"/>
+              <a:t>erver</a:t>
             </a:r>
             <a:endParaRPr lang="en-US" sz="2400" dirty="0"/>
           </a:p>
@@ -8076,6 +9401,29 @@
           </a:p>
         </p:txBody>
       </p:sp>
+      <p:sp>
+        <p:nvSpPr>
+          <p:cNvPr id="5" name="スライド番号プレースホルダー 4"/>
+          <p:cNvSpPr>
+            <a:spLocks noGrp="1"/>
+          </p:cNvSpPr>
+          <p:nvPr>
+            <p:ph type="sldNum" sz="quarter" idx="12"/>
+          </p:nvPr>
+        </p:nvSpPr>
+        <p:spPr/>
+        <p:txBody>
+          <a:bodyPr/>
+          <a:lstStyle/>
+          <a:p>
+            <a:fld id="{C9CA7111-1C24-4C43-B617-79ECA406D799}" type="slidenum">
+              <a:rPr lang="en-US" smtClean="0"/>
+              <a:t>14</a:t>
+            </a:fld>
+            <a:endParaRPr lang="en-US"/>
+          </a:p>
+        </p:txBody>
+      </p:sp>
     </p:spTree>
     <p:extLst>
       <p:ext uri="{BB962C8B-B14F-4D97-AF65-F5344CB8AC3E}">
@@ -8086,11 +9434,11 @@
   <p:clrMapOvr>
     <a:masterClrMapping/>
   </p:clrMapOvr>
-  <mc:AlternateContent xmlns:mc="http://schemas.openxmlformats.org/markup-compatibility/2006" xmlns:p14="http://schemas.microsoft.com/office/powerpoint/2010/main">
-    <mc:Choice Requires="p14">
+  <mc:AlternateContent xmlns:mc="http://schemas.openxmlformats.org/markup-compatibility/2006">
+    <mc:Choice xmlns:p14="http://schemas.microsoft.com/office/powerpoint/2010/main" Requires="p14">
       <p:transition spd="slow" p14:dur="2000"/>
     </mc:Choice>
-    <mc:Fallback xmlns="">
+    <mc:Fallback>
       <p:transition spd="slow"/>
     </mc:Fallback>
   </mc:AlternateContent>
@@ -8104,7 +9452,7 @@
 </p:sld>
 </file>
 
-<file path=ppt/slides/slide14.xml><?xml version="1.0" encoding="utf-8"?>
+<file path=ppt/slides/slide15.xml><?xml version="1.0" encoding="utf-8"?>
 <p:sld xmlns:a="http://schemas.openxmlformats.org/drawingml/2006/main" xmlns:r="http://schemas.openxmlformats.org/officeDocument/2006/relationships" xmlns:p="http://schemas.openxmlformats.org/presentationml/2006/main">
   <p:cSld>
     <p:spTree>
@@ -8136,6 +9484,14 @@
           <a:bodyPr/>
           <a:lstStyle/>
           <a:p>
+            <a:r>
+              <a:rPr kumimoji="1" lang="en-US" altLang="ja-JP" dirty="0" err="1" smtClean="0"/>
+              <a:t>RaspberryPi</a:t>
+            </a:r>
+            <a:r>
+              <a:rPr kumimoji="1" lang="en-US" altLang="ja-JP" dirty="0" smtClean="0"/>
+              <a:t> to Server</a:t>
+            </a:r>
             <a:endParaRPr kumimoji="1" lang="ja-JP" altLang="en-US" dirty="0"/>
           </a:p>
         </p:txBody>
@@ -8162,7 +9518,7 @@
         </p:blipFill>
         <p:spPr>
           <a:xfrm>
-            <a:off x="3997417" y="3731917"/>
+            <a:off x="5165817" y="3924548"/>
             <a:ext cx="2501025" cy="1379471"/>
           </a:xfrm>
           <a:prstGeom prst="rect">
@@ -8192,7 +9548,7 @@
         </p:blipFill>
         <p:spPr>
           <a:xfrm>
-            <a:off x="239158" y="3640892"/>
+            <a:off x="1407558" y="3833523"/>
             <a:ext cx="1803400" cy="1429195"/>
           </a:xfrm>
           <a:prstGeom prst="rect">
@@ -8208,8 +9564,8 @@
         </p:nvSpPr>
         <p:spPr>
           <a:xfrm>
-            <a:off x="628650" y="5111388"/>
-            <a:ext cx="966931" cy="461665"/>
+            <a:off x="1797050" y="5304019"/>
+            <a:ext cx="987771" cy="461665"/>
           </a:xfrm>
           <a:prstGeom prst="rect">
             <a:avLst/>
@@ -8223,8 +9579,12 @@
           <a:lstStyle/>
           <a:p>
             <a:r>
-              <a:rPr lang="en-US" sz="2400" smtClean="0"/>
-              <a:t>server</a:t>
+              <a:rPr lang="en-US" sz="2400" dirty="0"/>
+              <a:t>S</a:t>
+            </a:r>
+            <a:r>
+              <a:rPr lang="en-US" sz="2400" dirty="0" smtClean="0"/>
+              <a:t>erver</a:t>
             </a:r>
             <a:endParaRPr lang="en-US" sz="2400" dirty="0"/>
           </a:p>
@@ -8238,7 +9598,7 @@
         </p:nvSpPr>
         <p:spPr>
           <a:xfrm>
-            <a:off x="4706313" y="5098138"/>
+            <a:off x="5874713" y="5290769"/>
             <a:ext cx="1750416" cy="461665"/>
           </a:xfrm>
           <a:prstGeom prst="rect">
@@ -8262,39 +9622,13 @@
       </p:sp>
       <p:sp>
         <p:nvSpPr>
-          <p:cNvPr id="12" name="TextBox 11"/>
-          <p:cNvSpPr txBox="1"/>
-          <p:nvPr/>
-        </p:nvSpPr>
-        <p:spPr>
-          <a:xfrm>
-            <a:off x="255919" y="5679997"/>
-            <a:ext cx="1794842" cy="707886"/>
-          </a:xfrm>
-          <a:prstGeom prst="rect">
-            <a:avLst/>
-          </a:prstGeom>
-          <a:noFill/>
-        </p:spPr>
-        <p:txBody>
-          <a:bodyPr wrap="square" rtlCol="0">
-            <a:spAutoFit/>
-          </a:bodyPr>
-          <a:lstStyle/>
-          <a:p>
-            <a:endParaRPr lang="en-US" sz="4000" dirty="0"/>
-          </a:p>
-        </p:txBody>
-      </p:sp>
-      <p:sp>
-        <p:nvSpPr>
           <p:cNvPr id="5" name="U-Turn Arrow 4"/>
           <p:cNvSpPr/>
           <p:nvPr/>
         </p:nvSpPr>
         <p:spPr>
           <a:xfrm flipH="1">
-            <a:off x="628650" y="2708108"/>
+            <a:off x="1797050" y="2900739"/>
             <a:ext cx="5092700" cy="876300"/>
           </a:xfrm>
           <a:prstGeom prst="uturnArrow">
@@ -8338,63 +9672,13 @@
       </p:sp>
       <p:sp>
         <p:nvSpPr>
-          <p:cNvPr id="36" name="U-Turn Arrow 35"/>
-          <p:cNvSpPr/>
-          <p:nvPr/>
-        </p:nvSpPr>
-        <p:spPr>
-          <a:xfrm rot="10800000" flipH="1">
-            <a:off x="628650" y="5718921"/>
-            <a:ext cx="5092700" cy="876300"/>
-          </a:xfrm>
-          <a:prstGeom prst="uturnArrow">
-            <a:avLst>
-              <a:gd name="adj1" fmla="val 25000"/>
-              <a:gd name="adj2" fmla="val 25000"/>
-              <a:gd name="adj3" fmla="val 25000"/>
-              <a:gd name="adj4" fmla="val 43750"/>
-              <a:gd name="adj5" fmla="val 100000"/>
-            </a:avLst>
-          </a:prstGeom>
-        </p:spPr>
-        <p:style>
-          <a:lnRef idx="2">
-            <a:schemeClr val="accent1">
-              <a:shade val="50000"/>
-            </a:schemeClr>
-          </a:lnRef>
-          <a:fillRef idx="1">
-            <a:schemeClr val="accent1"/>
-          </a:fillRef>
-          <a:effectRef idx="0">
-            <a:schemeClr val="accent1"/>
-          </a:effectRef>
-          <a:fontRef idx="minor">
-            <a:schemeClr val="lt1"/>
-          </a:fontRef>
-        </p:style>
-        <p:txBody>
-          <a:bodyPr rtlCol="0" anchor="ctr"/>
-          <a:lstStyle/>
-          <a:p>
-            <a:pPr algn="ctr"/>
-            <a:endParaRPr lang="en-US">
-              <a:solidFill>
-                <a:schemeClr val="tx1"/>
-              </a:solidFill>
-            </a:endParaRPr>
-          </a:p>
-        </p:txBody>
-      </p:sp>
-      <p:sp>
-        <p:nvSpPr>
           <p:cNvPr id="7" name="TextBox 6"/>
           <p:cNvSpPr txBox="1"/>
           <p:nvPr/>
         </p:nvSpPr>
         <p:spPr>
           <a:xfrm rot="21023880">
-            <a:off x="267045" y="3895853"/>
+            <a:off x="1435445" y="4088484"/>
             <a:ext cx="1156086" cy="461665"/>
           </a:xfrm>
           <a:prstGeom prst="rect">
@@ -8424,6 +9708,88 @@
           </a:p>
         </p:txBody>
       </p:sp>
+      <p:sp>
+        <p:nvSpPr>
+          <p:cNvPr id="3" name="スライド番号プレースホルダー 2"/>
+          <p:cNvSpPr>
+            <a:spLocks noGrp="1"/>
+          </p:cNvSpPr>
+          <p:nvPr>
+            <p:ph type="sldNum" sz="quarter" idx="12"/>
+          </p:nvPr>
+        </p:nvSpPr>
+        <p:spPr/>
+        <p:txBody>
+          <a:bodyPr/>
+          <a:lstStyle/>
+          <a:p>
+            <a:fld id="{C9CA7111-1C24-4C43-B617-79ECA406D799}" type="slidenum">
+              <a:rPr lang="en-US" smtClean="0"/>
+              <a:t>15</a:t>
+            </a:fld>
+            <a:endParaRPr lang="en-US"/>
+          </a:p>
+        </p:txBody>
+      </p:sp>
+      <p:sp>
+        <p:nvSpPr>
+          <p:cNvPr id="4" name="テキスト ボックス 3"/>
+          <p:cNvSpPr txBox="1"/>
+          <p:nvPr/>
+        </p:nvSpPr>
+        <p:spPr>
+          <a:xfrm>
+            <a:off x="2044625" y="2281356"/>
+            <a:ext cx="4971617" cy="523220"/>
+          </a:xfrm>
+          <a:prstGeom prst="rect">
+            <a:avLst/>
+          </a:prstGeom>
+          <a:noFill/>
+        </p:spPr>
+        <p:txBody>
+          <a:bodyPr wrap="none" rtlCol="0">
+            <a:spAutoFit/>
+          </a:bodyPr>
+          <a:lstStyle/>
+          <a:p>
+            <a:r>
+              <a:rPr kumimoji="1" lang="en-US" altLang="ja-JP" sz="2800" dirty="0" smtClean="0"/>
+              <a:t>Send a POST request with photo.</a:t>
+            </a:r>
+          </a:p>
+        </p:txBody>
+      </p:sp>
+      <p:pic>
+        <p:nvPicPr>
+          <p:cNvPr id="14" name="図 13"/>
+          <p:cNvPicPr>
+            <a:picLocks noChangeAspect="1"/>
+          </p:cNvPicPr>
+          <p:nvPr/>
+        </p:nvPicPr>
+        <p:blipFill>
+          <a:blip r:embed="rId4">
+            <a:extLst>
+              <a:ext uri="{28A0092B-C50C-407E-A947-70E740481C1C}">
+                <a14:useLocalDpi xmlns:a14="http://schemas.microsoft.com/office/drawing/2010/main" val="0"/>
+              </a:ext>
+            </a:extLst>
+          </a:blip>
+          <a:stretch>
+            <a:fillRect/>
+          </a:stretch>
+        </p:blipFill>
+        <p:spPr>
+          <a:xfrm>
+            <a:off x="3754181" y="3223608"/>
+            <a:ext cx="1248752" cy="799912"/>
+          </a:xfrm>
+          <a:prstGeom prst="rect">
+            <a:avLst/>
+          </a:prstGeom>
+        </p:spPr>
+      </p:pic>
     </p:spTree>
     <p:extLst>
       <p:ext uri="{BB962C8B-B14F-4D97-AF65-F5344CB8AC3E}">
@@ -8452,7 +9818,1014 @@
 </p:sld>
 </file>
 
-<file path=ppt/slides/slide15.xml><?xml version="1.0" encoding="utf-8"?>
+<file path=ppt/slides/slide16.xml><?xml version="1.0" encoding="utf-8"?>
+<p:sld xmlns:a="http://schemas.openxmlformats.org/drawingml/2006/main" xmlns:r="http://schemas.openxmlformats.org/officeDocument/2006/relationships" xmlns:p="http://schemas.openxmlformats.org/presentationml/2006/main">
+  <p:cSld>
+    <p:spTree>
+      <p:nvGrpSpPr>
+        <p:cNvPr id="1" name=""/>
+        <p:cNvGrpSpPr/>
+        <p:nvPr/>
+      </p:nvGrpSpPr>
+      <p:grpSpPr>
+        <a:xfrm>
+          <a:off x="0" y="0"/>
+          <a:ext cx="0" cy="0"/>
+          <a:chOff x="0" y="0"/>
+          <a:chExt cx="0" cy="0"/>
+        </a:xfrm>
+      </p:grpSpPr>
+      <p:sp>
+        <p:nvSpPr>
+          <p:cNvPr id="15" name="正方形/長方形 14"/>
+          <p:cNvSpPr/>
+          <p:nvPr/>
+        </p:nvSpPr>
+        <p:spPr>
+          <a:xfrm>
+            <a:off x="6547921" y="1690689"/>
+            <a:ext cx="2057400" cy="4371976"/>
+          </a:xfrm>
+          <a:prstGeom prst="rect">
+            <a:avLst/>
+          </a:prstGeom>
+        </p:spPr>
+        <p:style>
+          <a:lnRef idx="2">
+            <a:schemeClr val="accent1"/>
+          </a:lnRef>
+          <a:fillRef idx="1">
+            <a:schemeClr val="lt1"/>
+          </a:fillRef>
+          <a:effectRef idx="0">
+            <a:schemeClr val="accent1"/>
+          </a:effectRef>
+          <a:fontRef idx="minor">
+            <a:schemeClr val="dk1"/>
+          </a:fontRef>
+        </p:style>
+        <p:txBody>
+          <a:bodyPr rtlCol="0" anchor="ctr"/>
+          <a:lstStyle/>
+          <a:p>
+            <a:pPr algn="ctr"/>
+            <a:endParaRPr kumimoji="1" lang="ja-JP" altLang="en-US"/>
+          </a:p>
+        </p:txBody>
+      </p:sp>
+      <p:sp>
+        <p:nvSpPr>
+          <p:cNvPr id="2" name="タイトル 1"/>
+          <p:cNvSpPr>
+            <a:spLocks noGrp="1"/>
+          </p:cNvSpPr>
+          <p:nvPr>
+            <p:ph type="title"/>
+          </p:nvPr>
+        </p:nvSpPr>
+        <p:spPr/>
+        <p:txBody>
+          <a:bodyPr/>
+          <a:lstStyle/>
+          <a:p>
+            <a:r>
+              <a:rPr kumimoji="1" lang="en-US" altLang="ja-JP" dirty="0" smtClean="0"/>
+              <a:t>Face recognition on Server</a:t>
+            </a:r>
+            <a:endParaRPr kumimoji="1" lang="ja-JP" altLang="en-US" dirty="0"/>
+          </a:p>
+        </p:txBody>
+      </p:sp>
+      <p:pic>
+        <p:nvPicPr>
+          <p:cNvPr id="29" name="Picture 28"/>
+          <p:cNvPicPr>
+            <a:picLocks noChangeAspect="1"/>
+          </p:cNvPicPr>
+          <p:nvPr/>
+        </p:nvPicPr>
+        <p:blipFill>
+          <a:blip r:embed="rId2">
+            <a:extLst>
+              <a:ext uri="{28A0092B-C50C-407E-A947-70E740481C1C}">
+                <a14:useLocalDpi xmlns:a14="http://schemas.microsoft.com/office/drawing/2010/main" val="0"/>
+              </a:ext>
+            </a:extLst>
+          </a:blip>
+          <a:stretch>
+            <a:fillRect/>
+          </a:stretch>
+        </p:blipFill>
+        <p:spPr>
+          <a:xfrm>
+            <a:off x="1407558" y="3833523"/>
+            <a:ext cx="1803400" cy="1429195"/>
+          </a:xfrm>
+          <a:prstGeom prst="rect">
+            <a:avLst/>
+          </a:prstGeom>
+        </p:spPr>
+      </p:pic>
+      <p:sp>
+        <p:nvSpPr>
+          <p:cNvPr id="50" name="TextBox 49"/>
+          <p:cNvSpPr txBox="1"/>
+          <p:nvPr/>
+        </p:nvSpPr>
+        <p:spPr>
+          <a:xfrm>
+            <a:off x="1797050" y="5304019"/>
+            <a:ext cx="987771" cy="461665"/>
+          </a:xfrm>
+          <a:prstGeom prst="rect">
+            <a:avLst/>
+          </a:prstGeom>
+          <a:noFill/>
+        </p:spPr>
+        <p:txBody>
+          <a:bodyPr wrap="none" rtlCol="0">
+            <a:spAutoFit/>
+          </a:bodyPr>
+          <a:lstStyle/>
+          <a:p>
+            <a:r>
+              <a:rPr lang="en-US" sz="2400" dirty="0"/>
+              <a:t>S</a:t>
+            </a:r>
+            <a:r>
+              <a:rPr lang="en-US" sz="2400" dirty="0" smtClean="0"/>
+              <a:t>erver</a:t>
+            </a:r>
+            <a:endParaRPr lang="en-US" sz="2400" dirty="0"/>
+          </a:p>
+        </p:txBody>
+      </p:sp>
+      <p:sp>
+        <p:nvSpPr>
+          <p:cNvPr id="7" name="TextBox 6"/>
+          <p:cNvSpPr txBox="1"/>
+          <p:nvPr/>
+        </p:nvSpPr>
+        <p:spPr>
+          <a:xfrm rot="21023880">
+            <a:off x="1435445" y="4088484"/>
+            <a:ext cx="1156086" cy="461665"/>
+          </a:xfrm>
+          <a:prstGeom prst="rect">
+            <a:avLst/>
+          </a:prstGeom>
+          <a:noFill/>
+        </p:spPr>
+        <p:txBody>
+          <a:bodyPr wrap="none" rtlCol="0">
+            <a:spAutoFit/>
+          </a:bodyPr>
+          <a:lstStyle/>
+          <a:p>
+            <a:r>
+              <a:rPr lang="en-US" sz="2400" b="1" dirty="0" err="1" smtClean="0">
+                <a:solidFill>
+                  <a:schemeClr val="bg1"/>
+                </a:solidFill>
+              </a:rPr>
+              <a:t>Node.js</a:t>
+            </a:r>
+            <a:endParaRPr lang="en-US" sz="2400" b="1" dirty="0">
+              <a:solidFill>
+                <a:schemeClr val="bg1"/>
+              </a:solidFill>
+            </a:endParaRPr>
+          </a:p>
+        </p:txBody>
+      </p:sp>
+      <p:sp>
+        <p:nvSpPr>
+          <p:cNvPr id="3" name="スライド番号プレースホルダー 2"/>
+          <p:cNvSpPr>
+            <a:spLocks noGrp="1"/>
+          </p:cNvSpPr>
+          <p:nvPr>
+            <p:ph type="sldNum" sz="quarter" idx="12"/>
+          </p:nvPr>
+        </p:nvSpPr>
+        <p:spPr/>
+        <p:txBody>
+          <a:bodyPr/>
+          <a:lstStyle/>
+          <a:p>
+            <a:fld id="{C9CA7111-1C24-4C43-B617-79ECA406D799}" type="slidenum">
+              <a:rPr lang="en-US" smtClean="0"/>
+              <a:t>16</a:t>
+            </a:fld>
+            <a:endParaRPr lang="en-US"/>
+          </a:p>
+        </p:txBody>
+      </p:sp>
+      <p:sp>
+        <p:nvSpPr>
+          <p:cNvPr id="6" name="U ターン矢印 5"/>
+          <p:cNvSpPr/>
+          <p:nvPr/>
+        </p:nvSpPr>
+        <p:spPr>
+          <a:xfrm rot="5400000">
+            <a:off x="3378200" y="3980018"/>
+            <a:ext cx="1295400" cy="1270000"/>
+          </a:xfrm>
+          <a:prstGeom prst="uturnArrow">
+            <a:avLst>
+              <a:gd name="adj1" fmla="val 19118"/>
+              <a:gd name="adj2" fmla="val 23039"/>
+              <a:gd name="adj3" fmla="val 25000"/>
+              <a:gd name="adj4" fmla="val 43750"/>
+              <a:gd name="adj5" fmla="val 100000"/>
+            </a:avLst>
+          </a:prstGeom>
+        </p:spPr>
+        <p:style>
+          <a:lnRef idx="2">
+            <a:schemeClr val="accent1">
+              <a:shade val="50000"/>
+            </a:schemeClr>
+          </a:lnRef>
+          <a:fillRef idx="1">
+            <a:schemeClr val="accent1"/>
+          </a:fillRef>
+          <a:effectRef idx="0">
+            <a:schemeClr val="accent1"/>
+          </a:effectRef>
+          <a:fontRef idx="minor">
+            <a:schemeClr val="lt1"/>
+          </a:fontRef>
+        </p:style>
+        <p:txBody>
+          <a:bodyPr rtlCol="0" anchor="ctr"/>
+          <a:lstStyle/>
+          <a:p>
+            <a:pPr algn="ctr"/>
+            <a:endParaRPr kumimoji="1" lang="ja-JP" altLang="en-US">
+              <a:solidFill>
+                <a:schemeClr val="tx1"/>
+              </a:solidFill>
+            </a:endParaRPr>
+          </a:p>
+        </p:txBody>
+      </p:sp>
+      <p:pic>
+        <p:nvPicPr>
+          <p:cNvPr id="13" name="図 12"/>
+          <p:cNvPicPr>
+            <a:picLocks noChangeAspect="1"/>
+          </p:cNvPicPr>
+          <p:nvPr/>
+        </p:nvPicPr>
+        <p:blipFill>
+          <a:blip r:embed="rId3">
+            <a:extLst>
+              <a:ext uri="{28A0092B-C50C-407E-A947-70E740481C1C}">
+                <a14:useLocalDpi xmlns:a14="http://schemas.microsoft.com/office/drawing/2010/main" val="0"/>
+              </a:ext>
+            </a:extLst>
+          </a:blip>
+          <a:stretch>
+            <a:fillRect/>
+          </a:stretch>
+        </p:blipFill>
+        <p:spPr>
+          <a:xfrm>
+            <a:off x="4840842" y="4148164"/>
+            <a:ext cx="1248752" cy="799912"/>
+          </a:xfrm>
+          <a:prstGeom prst="rect">
+            <a:avLst/>
+          </a:prstGeom>
+        </p:spPr>
+      </p:pic>
+      <p:sp>
+        <p:nvSpPr>
+          <p:cNvPr id="9" name="テキスト ボックス 8"/>
+          <p:cNvSpPr txBox="1"/>
+          <p:nvPr/>
+        </p:nvSpPr>
+        <p:spPr>
+          <a:xfrm>
+            <a:off x="6847639" y="1798950"/>
+            <a:ext cx="1457963" cy="461665"/>
+          </a:xfrm>
+          <a:prstGeom prst="rect">
+            <a:avLst/>
+          </a:prstGeom>
+          <a:noFill/>
+        </p:spPr>
+        <p:txBody>
+          <a:bodyPr wrap="none" rtlCol="0">
+            <a:spAutoFit/>
+          </a:bodyPr>
+          <a:lstStyle/>
+          <a:p>
+            <a:r>
+              <a:rPr kumimoji="1" lang="en-US" altLang="ja-JP" sz="2400" dirty="0" smtClean="0"/>
+              <a:t>known list</a:t>
+            </a:r>
+            <a:endParaRPr kumimoji="1" lang="ja-JP" altLang="en-US" sz="2400" dirty="0"/>
+          </a:p>
+        </p:txBody>
+      </p:sp>
+      <p:pic>
+        <p:nvPicPr>
+          <p:cNvPr id="10" name="図 9"/>
+          <p:cNvPicPr>
+            <a:picLocks noChangeAspect="1"/>
+          </p:cNvPicPr>
+          <p:nvPr/>
+        </p:nvPicPr>
+        <p:blipFill>
+          <a:blip r:embed="rId4">
+            <a:extLst>
+              <a:ext uri="{28A0092B-C50C-407E-A947-70E740481C1C}">
+                <a14:useLocalDpi xmlns:a14="http://schemas.microsoft.com/office/drawing/2010/main" val="0"/>
+              </a:ext>
+            </a:extLst>
+          </a:blip>
+          <a:stretch>
+            <a:fillRect/>
+          </a:stretch>
+        </p:blipFill>
+        <p:spPr>
+          <a:xfrm>
+            <a:off x="7033351" y="4709577"/>
+            <a:ext cx="874158" cy="1170525"/>
+          </a:xfrm>
+          <a:prstGeom prst="rect">
+            <a:avLst/>
+          </a:prstGeom>
+        </p:spPr>
+      </p:pic>
+      <p:pic>
+        <p:nvPicPr>
+          <p:cNvPr id="12" name="図 11"/>
+          <p:cNvPicPr>
+            <a:picLocks noChangeAspect="1"/>
+          </p:cNvPicPr>
+          <p:nvPr/>
+        </p:nvPicPr>
+        <p:blipFill>
+          <a:blip r:embed="rId5">
+            <a:extLst>
+              <a:ext uri="{28A0092B-C50C-407E-A947-70E740481C1C}">
+                <a14:useLocalDpi xmlns:a14="http://schemas.microsoft.com/office/drawing/2010/main" val="0"/>
+              </a:ext>
+            </a:extLst>
+          </a:blip>
+          <a:stretch>
+            <a:fillRect/>
+          </a:stretch>
+        </p:blipFill>
+        <p:spPr>
+          <a:xfrm>
+            <a:off x="7033351" y="2620511"/>
+            <a:ext cx="1086537" cy="800606"/>
+          </a:xfrm>
+          <a:prstGeom prst="rect">
+            <a:avLst/>
+          </a:prstGeom>
+        </p:spPr>
+      </p:pic>
+      <p:pic>
+        <p:nvPicPr>
+          <p:cNvPr id="14" name="図 13"/>
+          <p:cNvPicPr>
+            <a:picLocks noChangeAspect="1"/>
+          </p:cNvPicPr>
+          <p:nvPr/>
+        </p:nvPicPr>
+        <p:blipFill>
+          <a:blip r:embed="rId6">
+            <a:extLst>
+              <a:ext uri="{28A0092B-C50C-407E-A947-70E740481C1C}">
+                <a14:useLocalDpi xmlns:a14="http://schemas.microsoft.com/office/drawing/2010/main" val="0"/>
+              </a:ext>
+            </a:extLst>
+          </a:blip>
+          <a:stretch>
+            <a:fillRect/>
+          </a:stretch>
+        </p:blipFill>
+        <p:spPr>
+          <a:xfrm>
+            <a:off x="6762550" y="3684896"/>
+            <a:ext cx="1612900" cy="874432"/>
+          </a:xfrm>
+          <a:prstGeom prst="rect">
+            <a:avLst/>
+          </a:prstGeom>
+        </p:spPr>
+      </p:pic>
+      <p:sp>
+        <p:nvSpPr>
+          <p:cNvPr id="16" name="テキスト ボックス 15"/>
+          <p:cNvSpPr txBox="1"/>
+          <p:nvPr/>
+        </p:nvSpPr>
+        <p:spPr>
+          <a:xfrm>
+            <a:off x="1720035" y="2636287"/>
+            <a:ext cx="4513567" cy="1815882"/>
+          </a:xfrm>
+          <a:prstGeom prst="rect">
+            <a:avLst/>
+          </a:prstGeom>
+          <a:noFill/>
+        </p:spPr>
+        <p:txBody>
+          <a:bodyPr wrap="square" rtlCol="0">
+            <a:spAutoFit/>
+          </a:bodyPr>
+          <a:lstStyle/>
+          <a:p>
+            <a:pPr marL="457200" indent="-457200">
+              <a:buFont typeface="+mj-lt"/>
+              <a:buAutoNum type="arabicPeriod"/>
+            </a:pPr>
+            <a:r>
+              <a:rPr kumimoji="1" lang="en-US" altLang="ja-JP" sz="2800" dirty="0" smtClean="0"/>
+              <a:t>Recognize and compare.</a:t>
+            </a:r>
+          </a:p>
+          <a:p>
+            <a:pPr marL="457200" indent="-457200">
+              <a:buFont typeface="+mj-lt"/>
+              <a:buAutoNum type="arabicPeriod"/>
+            </a:pPr>
+            <a:r>
+              <a:rPr kumimoji="1" lang="en-US" altLang="ja-JP" sz="2800" dirty="0" smtClean="0"/>
+              <a:t>Judge the result.</a:t>
+            </a:r>
+          </a:p>
+          <a:p>
+            <a:endParaRPr kumimoji="1" lang="en-US" altLang="ja-JP" sz="2800" dirty="0" smtClean="0"/>
+          </a:p>
+          <a:p>
+            <a:endParaRPr kumimoji="1" lang="ja-JP" altLang="en-US" sz="2800" dirty="0"/>
+          </a:p>
+        </p:txBody>
+      </p:sp>
+    </p:spTree>
+    <p:extLst>
+      <p:ext uri="{BB962C8B-B14F-4D97-AF65-F5344CB8AC3E}">
+        <p14:creationId xmlns:p14="http://schemas.microsoft.com/office/powerpoint/2010/main" val="1631857286"/>
+      </p:ext>
+    </p:extLst>
+  </p:cSld>
+  <p:clrMapOvr>
+    <a:masterClrMapping/>
+  </p:clrMapOvr>
+  <mc:AlternateContent xmlns:mc="http://schemas.openxmlformats.org/markup-compatibility/2006" xmlns:p14="http://schemas.microsoft.com/office/powerpoint/2010/main">
+    <mc:Choice Requires="p14">
+      <p:transition spd="slow" p14:dur="2000"/>
+    </mc:Choice>
+    <mc:Fallback xmlns="">
+      <p:transition spd="slow"/>
+    </mc:Fallback>
+  </mc:AlternateContent>
+  <p:timing>
+    <p:tnLst>
+      <p:par>
+        <p:cTn id="1" dur="indefinite" restart="never" nodeType="tmRoot"/>
+      </p:par>
+    </p:tnLst>
+  </p:timing>
+</p:sld>
+</file>
+
+<file path=ppt/slides/slide17.xml><?xml version="1.0" encoding="utf-8"?>
+<p:sld xmlns:a="http://schemas.openxmlformats.org/drawingml/2006/main" xmlns:r="http://schemas.openxmlformats.org/officeDocument/2006/relationships" xmlns:p="http://schemas.openxmlformats.org/presentationml/2006/main">
+  <p:cSld>
+    <p:spTree>
+      <p:nvGrpSpPr>
+        <p:cNvPr id="1" name=""/>
+        <p:cNvGrpSpPr/>
+        <p:nvPr/>
+      </p:nvGrpSpPr>
+      <p:grpSpPr>
+        <a:xfrm>
+          <a:off x="0" y="0"/>
+          <a:ext cx="0" cy="0"/>
+          <a:chOff x="0" y="0"/>
+          <a:chExt cx="0" cy="0"/>
+        </a:xfrm>
+      </p:grpSpPr>
+      <p:sp>
+        <p:nvSpPr>
+          <p:cNvPr id="2" name="タイトル 1"/>
+          <p:cNvSpPr>
+            <a:spLocks noGrp="1"/>
+          </p:cNvSpPr>
+          <p:nvPr>
+            <p:ph type="title"/>
+          </p:nvPr>
+        </p:nvSpPr>
+        <p:spPr/>
+        <p:txBody>
+          <a:bodyPr/>
+          <a:lstStyle/>
+          <a:p>
+            <a:r>
+              <a:rPr kumimoji="1" lang="en-US" altLang="ja-JP" dirty="0" smtClean="0"/>
+              <a:t>Server to </a:t>
+            </a:r>
+            <a:r>
+              <a:rPr kumimoji="1" lang="en-US" altLang="ja-JP" dirty="0" err="1" smtClean="0"/>
+              <a:t>RaspberryPi</a:t>
+            </a:r>
+            <a:endParaRPr kumimoji="1" lang="ja-JP" altLang="en-US" dirty="0"/>
+          </a:p>
+        </p:txBody>
+      </p:sp>
+      <p:pic>
+        <p:nvPicPr>
+          <p:cNvPr id="24" name="Picture 23"/>
+          <p:cNvPicPr>
+            <a:picLocks noChangeAspect="1"/>
+          </p:cNvPicPr>
+          <p:nvPr/>
+        </p:nvPicPr>
+        <p:blipFill>
+          <a:blip r:embed="rId2">
+            <a:extLst>
+              <a:ext uri="{28A0092B-C50C-407E-A947-70E740481C1C}">
+                <a14:useLocalDpi xmlns:a14="http://schemas.microsoft.com/office/drawing/2010/main" val="0"/>
+              </a:ext>
+            </a:extLst>
+          </a:blip>
+          <a:stretch>
+            <a:fillRect/>
+          </a:stretch>
+        </p:blipFill>
+        <p:spPr>
+          <a:xfrm>
+            <a:off x="5165817" y="3924548"/>
+            <a:ext cx="2501025" cy="1379471"/>
+          </a:xfrm>
+          <a:prstGeom prst="rect">
+            <a:avLst/>
+          </a:prstGeom>
+        </p:spPr>
+      </p:pic>
+      <p:pic>
+        <p:nvPicPr>
+          <p:cNvPr id="29" name="Picture 28"/>
+          <p:cNvPicPr>
+            <a:picLocks noChangeAspect="1"/>
+          </p:cNvPicPr>
+          <p:nvPr/>
+        </p:nvPicPr>
+        <p:blipFill>
+          <a:blip r:embed="rId3">
+            <a:extLst>
+              <a:ext uri="{28A0092B-C50C-407E-A947-70E740481C1C}">
+                <a14:useLocalDpi xmlns:a14="http://schemas.microsoft.com/office/drawing/2010/main" val="0"/>
+              </a:ext>
+            </a:extLst>
+          </a:blip>
+          <a:stretch>
+            <a:fillRect/>
+          </a:stretch>
+        </p:blipFill>
+        <p:spPr>
+          <a:xfrm>
+            <a:off x="1407558" y="3833523"/>
+            <a:ext cx="1803400" cy="1429195"/>
+          </a:xfrm>
+          <a:prstGeom prst="rect">
+            <a:avLst/>
+          </a:prstGeom>
+        </p:spPr>
+      </p:pic>
+      <p:sp>
+        <p:nvSpPr>
+          <p:cNvPr id="50" name="TextBox 49"/>
+          <p:cNvSpPr txBox="1"/>
+          <p:nvPr/>
+        </p:nvSpPr>
+        <p:spPr>
+          <a:xfrm>
+            <a:off x="1797050" y="5304019"/>
+            <a:ext cx="987771" cy="461665"/>
+          </a:xfrm>
+          <a:prstGeom prst="rect">
+            <a:avLst/>
+          </a:prstGeom>
+          <a:noFill/>
+        </p:spPr>
+        <p:txBody>
+          <a:bodyPr wrap="none" rtlCol="0">
+            <a:spAutoFit/>
+          </a:bodyPr>
+          <a:lstStyle/>
+          <a:p>
+            <a:r>
+              <a:rPr lang="en-US" sz="2400" dirty="0"/>
+              <a:t>S</a:t>
+            </a:r>
+            <a:r>
+              <a:rPr lang="en-US" sz="2400" dirty="0" smtClean="0"/>
+              <a:t>erver</a:t>
+            </a:r>
+            <a:endParaRPr lang="en-US" sz="2400" dirty="0"/>
+          </a:p>
+        </p:txBody>
+      </p:sp>
+      <p:sp>
+        <p:nvSpPr>
+          <p:cNvPr id="51" name="TextBox 50"/>
+          <p:cNvSpPr txBox="1"/>
+          <p:nvPr/>
+        </p:nvSpPr>
+        <p:spPr>
+          <a:xfrm>
+            <a:off x="5874713" y="5290769"/>
+            <a:ext cx="1750416" cy="461665"/>
+          </a:xfrm>
+          <a:prstGeom prst="rect">
+            <a:avLst/>
+          </a:prstGeom>
+          <a:noFill/>
+        </p:spPr>
+        <p:txBody>
+          <a:bodyPr wrap="none" rtlCol="0">
+            <a:spAutoFit/>
+          </a:bodyPr>
+          <a:lstStyle/>
+          <a:p>
+            <a:r>
+              <a:rPr lang="en-US" sz="2400" dirty="0" smtClean="0"/>
+              <a:t>Raspberry Pi</a:t>
+            </a:r>
+            <a:endParaRPr lang="en-US" sz="2400" dirty="0"/>
+          </a:p>
+        </p:txBody>
+      </p:sp>
+      <p:sp>
+        <p:nvSpPr>
+          <p:cNvPr id="5" name="U-Turn Arrow 4"/>
+          <p:cNvSpPr/>
+          <p:nvPr/>
+        </p:nvSpPr>
+        <p:spPr>
+          <a:xfrm flipH="1">
+            <a:off x="1923542" y="2915922"/>
+            <a:ext cx="5092700" cy="876300"/>
+          </a:xfrm>
+          <a:prstGeom prst="uturnArrow">
+            <a:avLst>
+              <a:gd name="adj1" fmla="val 25000"/>
+              <a:gd name="adj2" fmla="val 25000"/>
+              <a:gd name="adj3" fmla="val 25000"/>
+              <a:gd name="adj4" fmla="val 43750"/>
+              <a:gd name="adj5" fmla="val 100000"/>
+            </a:avLst>
+          </a:prstGeom>
+          <a:scene3d>
+            <a:camera prst="orthographicFront">
+              <a:rot lat="0" lon="10800000" rev="0"/>
+            </a:camera>
+            <a:lightRig rig="threePt" dir="t"/>
+          </a:scene3d>
+        </p:spPr>
+        <p:style>
+          <a:lnRef idx="2">
+            <a:schemeClr val="accent1">
+              <a:shade val="50000"/>
+            </a:schemeClr>
+          </a:lnRef>
+          <a:fillRef idx="1">
+            <a:schemeClr val="accent1"/>
+          </a:fillRef>
+          <a:effectRef idx="0">
+            <a:schemeClr val="accent1"/>
+          </a:effectRef>
+          <a:fontRef idx="minor">
+            <a:schemeClr val="lt1"/>
+          </a:fontRef>
+        </p:style>
+        <p:txBody>
+          <a:bodyPr rtlCol="0" anchor="ctr"/>
+          <a:lstStyle/>
+          <a:p>
+            <a:pPr algn="ctr"/>
+            <a:endParaRPr lang="en-US">
+              <a:solidFill>
+                <a:schemeClr val="tx1"/>
+              </a:solidFill>
+            </a:endParaRPr>
+          </a:p>
+        </p:txBody>
+      </p:sp>
+      <p:sp>
+        <p:nvSpPr>
+          <p:cNvPr id="7" name="TextBox 6"/>
+          <p:cNvSpPr txBox="1"/>
+          <p:nvPr/>
+        </p:nvSpPr>
+        <p:spPr>
+          <a:xfrm rot="21023880">
+            <a:off x="1435445" y="4088484"/>
+            <a:ext cx="1156086" cy="461665"/>
+          </a:xfrm>
+          <a:prstGeom prst="rect">
+            <a:avLst/>
+          </a:prstGeom>
+          <a:noFill/>
+        </p:spPr>
+        <p:txBody>
+          <a:bodyPr wrap="none" rtlCol="0">
+            <a:spAutoFit/>
+          </a:bodyPr>
+          <a:lstStyle/>
+          <a:p>
+            <a:r>
+              <a:rPr lang="en-US" sz="2400" b="1" dirty="0" err="1" smtClean="0">
+                <a:solidFill>
+                  <a:schemeClr val="bg1"/>
+                </a:solidFill>
+              </a:rPr>
+              <a:t>Node.js</a:t>
+            </a:r>
+            <a:endParaRPr lang="en-US" sz="2400" b="1" dirty="0">
+              <a:solidFill>
+                <a:schemeClr val="bg1"/>
+              </a:solidFill>
+            </a:endParaRPr>
+          </a:p>
+        </p:txBody>
+      </p:sp>
+      <p:sp>
+        <p:nvSpPr>
+          <p:cNvPr id="3" name="スライド番号プレースホルダー 2"/>
+          <p:cNvSpPr>
+            <a:spLocks noGrp="1"/>
+          </p:cNvSpPr>
+          <p:nvPr>
+            <p:ph type="sldNum" sz="quarter" idx="12"/>
+          </p:nvPr>
+        </p:nvSpPr>
+        <p:spPr/>
+        <p:txBody>
+          <a:bodyPr/>
+          <a:lstStyle/>
+          <a:p>
+            <a:fld id="{C9CA7111-1C24-4C43-B617-79ECA406D799}" type="slidenum">
+              <a:rPr lang="en-US" smtClean="0"/>
+              <a:t>17</a:t>
+            </a:fld>
+            <a:endParaRPr lang="en-US"/>
+          </a:p>
+        </p:txBody>
+      </p:sp>
+      <p:sp>
+        <p:nvSpPr>
+          <p:cNvPr id="4" name="テキスト ボックス 3"/>
+          <p:cNvSpPr txBox="1"/>
+          <p:nvPr/>
+        </p:nvSpPr>
+        <p:spPr>
+          <a:xfrm>
+            <a:off x="2044625" y="2281356"/>
+            <a:ext cx="4971617" cy="523220"/>
+          </a:xfrm>
+          <a:prstGeom prst="rect">
+            <a:avLst/>
+          </a:prstGeom>
+          <a:noFill/>
+        </p:spPr>
+        <p:txBody>
+          <a:bodyPr wrap="none" rtlCol="0">
+            <a:spAutoFit/>
+          </a:bodyPr>
+          <a:lstStyle/>
+          <a:p>
+            <a:r>
+              <a:rPr kumimoji="1" lang="en-US" altLang="ja-JP" sz="2800" dirty="0" smtClean="0"/>
+              <a:t>Send a POST request with photo.</a:t>
+            </a:r>
+          </a:p>
+        </p:txBody>
+      </p:sp>
+    </p:spTree>
+    <p:extLst>
+      <p:ext uri="{BB962C8B-B14F-4D97-AF65-F5344CB8AC3E}">
+        <p14:creationId xmlns:p14="http://schemas.microsoft.com/office/powerpoint/2010/main" val="1423448911"/>
+      </p:ext>
+    </p:extLst>
+  </p:cSld>
+  <p:clrMapOvr>
+    <a:masterClrMapping/>
+  </p:clrMapOvr>
+  <mc:AlternateContent xmlns:mc="http://schemas.openxmlformats.org/markup-compatibility/2006" xmlns:p14="http://schemas.microsoft.com/office/powerpoint/2010/main">
+    <mc:Choice Requires="p14">
+      <p:transition spd="slow" p14:dur="2000"/>
+    </mc:Choice>
+    <mc:Fallback xmlns="">
+      <p:transition spd="slow"/>
+    </mc:Fallback>
+  </mc:AlternateContent>
+  <p:timing>
+    <p:tnLst>
+      <p:par>
+        <p:cTn id="1" dur="indefinite" restart="never" nodeType="tmRoot"/>
+      </p:par>
+    </p:tnLst>
+  </p:timing>
+</p:sld>
+</file>
+
+<file path=ppt/slides/slide18.xml><?xml version="1.0" encoding="utf-8"?>
+<p:sld xmlns:a="http://schemas.openxmlformats.org/drawingml/2006/main" xmlns:r="http://schemas.openxmlformats.org/officeDocument/2006/relationships" xmlns:p="http://schemas.openxmlformats.org/presentationml/2006/main">
+  <p:cSld>
+    <p:spTree>
+      <p:nvGrpSpPr>
+        <p:cNvPr id="1" name=""/>
+        <p:cNvGrpSpPr/>
+        <p:nvPr/>
+      </p:nvGrpSpPr>
+      <p:grpSpPr>
+        <a:xfrm>
+          <a:off x="0" y="0"/>
+          <a:ext cx="0" cy="0"/>
+          <a:chOff x="0" y="0"/>
+          <a:chExt cx="0" cy="0"/>
+        </a:xfrm>
+      </p:grpSpPr>
+      <p:sp>
+        <p:nvSpPr>
+          <p:cNvPr id="2" name="タイトル 1"/>
+          <p:cNvSpPr>
+            <a:spLocks noGrp="1"/>
+          </p:cNvSpPr>
+          <p:nvPr>
+            <p:ph type="title"/>
+          </p:nvPr>
+        </p:nvSpPr>
+        <p:spPr/>
+        <p:txBody>
+          <a:bodyPr/>
+          <a:lstStyle/>
+          <a:p>
+            <a:endParaRPr kumimoji="1" lang="ja-JP" altLang="en-US" dirty="0"/>
+          </a:p>
+        </p:txBody>
+      </p:sp>
+      <p:pic>
+        <p:nvPicPr>
+          <p:cNvPr id="29" name="Picture 28"/>
+          <p:cNvPicPr>
+            <a:picLocks noChangeAspect="1"/>
+          </p:cNvPicPr>
+          <p:nvPr/>
+        </p:nvPicPr>
+        <p:blipFill>
+          <a:blip r:embed="rId2">
+            <a:extLst>
+              <a:ext uri="{28A0092B-C50C-407E-A947-70E740481C1C}">
+                <a14:useLocalDpi xmlns:a14="http://schemas.microsoft.com/office/drawing/2010/main" val="0"/>
+              </a:ext>
+            </a:extLst>
+          </a:blip>
+          <a:stretch>
+            <a:fillRect/>
+          </a:stretch>
+        </p:blipFill>
+        <p:spPr>
+          <a:xfrm>
+            <a:off x="2360058" y="3057439"/>
+            <a:ext cx="1803400" cy="1429195"/>
+          </a:xfrm>
+          <a:prstGeom prst="rect">
+            <a:avLst/>
+          </a:prstGeom>
+        </p:spPr>
+      </p:pic>
+      <p:sp>
+        <p:nvSpPr>
+          <p:cNvPr id="50" name="TextBox 49"/>
+          <p:cNvSpPr txBox="1"/>
+          <p:nvPr/>
+        </p:nvSpPr>
+        <p:spPr>
+          <a:xfrm>
+            <a:off x="2749550" y="4527935"/>
+            <a:ext cx="966931" cy="461665"/>
+          </a:xfrm>
+          <a:prstGeom prst="rect">
+            <a:avLst/>
+          </a:prstGeom>
+          <a:noFill/>
+        </p:spPr>
+        <p:txBody>
+          <a:bodyPr wrap="none" rtlCol="0">
+            <a:spAutoFit/>
+          </a:bodyPr>
+          <a:lstStyle/>
+          <a:p>
+            <a:r>
+              <a:rPr lang="en-US" sz="2400" smtClean="0"/>
+              <a:t>server</a:t>
+            </a:r>
+            <a:endParaRPr lang="en-US" sz="2400" dirty="0"/>
+          </a:p>
+        </p:txBody>
+      </p:sp>
+      <p:sp>
+        <p:nvSpPr>
+          <p:cNvPr id="7" name="TextBox 6"/>
+          <p:cNvSpPr txBox="1"/>
+          <p:nvPr/>
+        </p:nvSpPr>
+        <p:spPr>
+          <a:xfrm rot="21023880">
+            <a:off x="2387945" y="3312400"/>
+            <a:ext cx="1156086" cy="461665"/>
+          </a:xfrm>
+          <a:prstGeom prst="rect">
+            <a:avLst/>
+          </a:prstGeom>
+          <a:noFill/>
+        </p:spPr>
+        <p:txBody>
+          <a:bodyPr wrap="none" rtlCol="0">
+            <a:spAutoFit/>
+          </a:bodyPr>
+          <a:lstStyle/>
+          <a:p>
+            <a:r>
+              <a:rPr lang="en-US" sz="2400" b="1" dirty="0" err="1" smtClean="0">
+                <a:solidFill>
+                  <a:schemeClr val="bg1"/>
+                </a:solidFill>
+              </a:rPr>
+              <a:t>Node.js</a:t>
+            </a:r>
+            <a:endParaRPr lang="en-US" sz="2400" b="1" dirty="0">
+              <a:solidFill>
+                <a:schemeClr val="bg1"/>
+              </a:solidFill>
+            </a:endParaRPr>
+          </a:p>
+        </p:txBody>
+      </p:sp>
+      <p:sp>
+        <p:nvSpPr>
+          <p:cNvPr id="3" name="スライド番号プレースホルダー 2"/>
+          <p:cNvSpPr>
+            <a:spLocks noGrp="1"/>
+          </p:cNvSpPr>
+          <p:nvPr>
+            <p:ph type="sldNum" sz="quarter" idx="12"/>
+          </p:nvPr>
+        </p:nvSpPr>
+        <p:spPr/>
+        <p:txBody>
+          <a:bodyPr/>
+          <a:lstStyle/>
+          <a:p>
+            <a:fld id="{C9CA7111-1C24-4C43-B617-79ECA406D799}" type="slidenum">
+              <a:rPr lang="en-US" smtClean="0"/>
+              <a:t>18</a:t>
+            </a:fld>
+            <a:endParaRPr lang="en-US"/>
+          </a:p>
+        </p:txBody>
+      </p:sp>
+    </p:spTree>
+    <p:extLst>
+      <p:ext uri="{BB962C8B-B14F-4D97-AF65-F5344CB8AC3E}">
+        <p14:creationId xmlns:p14="http://schemas.microsoft.com/office/powerpoint/2010/main" val="383332431"/>
+      </p:ext>
+    </p:extLst>
+  </p:cSld>
+  <p:clrMapOvr>
+    <a:masterClrMapping/>
+  </p:clrMapOvr>
+  <mc:AlternateContent xmlns:mc="http://schemas.openxmlformats.org/markup-compatibility/2006" xmlns:p14="http://schemas.microsoft.com/office/powerpoint/2010/main">
+    <mc:Choice Requires="p14">
+      <p:transition spd="slow" p14:dur="2000"/>
+    </mc:Choice>
+    <mc:Fallback xmlns="">
+      <p:transition spd="slow"/>
+    </mc:Fallback>
+  </mc:AlternateContent>
+  <p:timing>
+    <p:tnLst>
+      <p:par>
+        <p:cTn id="1" dur="indefinite" restart="never" nodeType="tmRoot"/>
+      </p:par>
+    </p:tnLst>
+  </p:timing>
+</p:sld>
+</file>
+
+<file path=ppt/slides/slide19.xml><?xml version="1.0" encoding="utf-8"?>
 <p:sld xmlns:a="http://schemas.openxmlformats.org/drawingml/2006/main" xmlns:r="http://schemas.openxmlformats.org/officeDocument/2006/relationships" xmlns:p="http://schemas.openxmlformats.org/presentationml/2006/main">
   <p:cSld>
     <p:spTree>
@@ -9258,6 +11631,29 @@
           </a:p>
         </p:txBody>
       </p:sp>
+      <p:sp>
+        <p:nvSpPr>
+          <p:cNvPr id="2" name="スライド番号プレースホルダー 1"/>
+          <p:cNvSpPr>
+            <a:spLocks noGrp="1"/>
+          </p:cNvSpPr>
+          <p:nvPr>
+            <p:ph type="sldNum" sz="quarter" idx="12"/>
+          </p:nvPr>
+        </p:nvSpPr>
+        <p:spPr/>
+        <p:txBody>
+          <a:bodyPr/>
+          <a:lstStyle/>
+          <a:p>
+            <a:fld id="{C9CA7111-1C24-4C43-B617-79ECA406D799}" type="slidenum">
+              <a:rPr lang="en-US" smtClean="0"/>
+              <a:t>19</a:t>
+            </a:fld>
+            <a:endParaRPr lang="en-US"/>
+          </a:p>
+        </p:txBody>
+      </p:sp>
     </p:spTree>
     <p:extLst>
       <p:ext uri="{BB962C8B-B14F-4D97-AF65-F5344CB8AC3E}">
@@ -9286,7 +11682,7 @@
 </p:sld>
 </file>
 
-<file path=ppt/slides/slide16.xml><?xml version="1.0" encoding="utf-8"?>
+<file path=ppt/slides/slide2.xml><?xml version="1.0" encoding="utf-8"?>
 <p:sld xmlns:a="http://schemas.openxmlformats.org/drawingml/2006/main" xmlns:r="http://schemas.openxmlformats.org/officeDocument/2006/relationships" xmlns:p="http://schemas.openxmlformats.org/presentationml/2006/main">
   <p:cSld>
     <p:spTree>
@@ -9305,6 +11701,483 @@
       </p:grpSpPr>
       <p:sp>
         <p:nvSpPr>
+          <p:cNvPr id="2" name="タイトル 1"/>
+          <p:cNvSpPr>
+            <a:spLocks noGrp="1"/>
+          </p:cNvSpPr>
+          <p:nvPr>
+            <p:ph type="title"/>
+          </p:nvPr>
+        </p:nvSpPr>
+        <p:spPr/>
+        <p:txBody>
+          <a:bodyPr>
+            <a:normAutofit/>
+          </a:bodyPr>
+          <a:lstStyle/>
+          <a:p>
+            <a:r>
+              <a:rPr lang="en-US" altLang="ja-JP" sz="4000" dirty="0" smtClean="0"/>
+              <a:t>Internal key unlocking system by Face recognition</a:t>
+            </a:r>
+            <a:endParaRPr kumimoji="1" lang="ja-JP" altLang="en-US" sz="4000" dirty="0"/>
+          </a:p>
+        </p:txBody>
+      </p:sp>
+      <p:sp>
+        <p:nvSpPr>
+          <p:cNvPr id="3" name="コンテンツ プレースホルダー 2"/>
+          <p:cNvSpPr>
+            <a:spLocks noGrp="1"/>
+          </p:cNvSpPr>
+          <p:nvPr>
+            <p:ph idx="1"/>
+          </p:nvPr>
+        </p:nvSpPr>
+        <p:spPr>
+          <a:xfrm>
+            <a:off x="314325" y="1803590"/>
+            <a:ext cx="8515350" cy="4552761"/>
+          </a:xfrm>
+        </p:spPr>
+        <p:txBody>
+          <a:bodyPr>
+            <a:normAutofit/>
+          </a:bodyPr>
+          <a:lstStyle/>
+          <a:p>
+            <a:r>
+              <a:rPr lang="en-US" altLang="ja-JP" dirty="0" smtClean="0"/>
+              <a:t>judge </a:t>
+            </a:r>
+            <a:r>
+              <a:rPr lang="en-US" altLang="ja-JP" dirty="0"/>
+              <a:t>whether visitor was </a:t>
+            </a:r>
+            <a:r>
+              <a:rPr lang="en-US" altLang="ja-JP" dirty="0" smtClean="0"/>
+              <a:t>registered by face </a:t>
+            </a:r>
+            <a:r>
+              <a:rPr lang="en-US" altLang="ja-JP" dirty="0" smtClean="0"/>
+              <a:t>recognition</a:t>
+            </a:r>
+            <a:endParaRPr lang="en-US" altLang="ja-JP" dirty="0"/>
+          </a:p>
+        </p:txBody>
+      </p:sp>
+      <p:sp>
+        <p:nvSpPr>
+          <p:cNvPr id="6" name="スライド番号プレースホルダー 5"/>
+          <p:cNvSpPr>
+            <a:spLocks noGrp="1"/>
+          </p:cNvSpPr>
+          <p:nvPr>
+            <p:ph type="sldNum" sz="quarter" idx="12"/>
+          </p:nvPr>
+        </p:nvSpPr>
+        <p:spPr/>
+        <p:txBody>
+          <a:bodyPr/>
+          <a:lstStyle/>
+          <a:p>
+            <a:fld id="{C9CA7111-1C24-4C43-B617-79ECA406D799}" type="slidenum">
+              <a:rPr lang="en-US" smtClean="0"/>
+              <a:t>2</a:t>
+            </a:fld>
+            <a:endParaRPr lang="en-US"/>
+          </a:p>
+        </p:txBody>
+      </p:sp>
+      <p:sp>
+        <p:nvSpPr>
+          <p:cNvPr id="7" name="正方形/長方形 6"/>
+          <p:cNvSpPr/>
+          <p:nvPr/>
+        </p:nvSpPr>
+        <p:spPr>
+          <a:xfrm>
+            <a:off x="3899032" y="2946400"/>
+            <a:ext cx="1316711" cy="2941345"/>
+          </a:xfrm>
+          <a:prstGeom prst="rect">
+            <a:avLst/>
+          </a:prstGeom>
+          <a:ln w="57150"/>
+        </p:spPr>
+        <p:style>
+          <a:lnRef idx="2">
+            <a:schemeClr val="dk1"/>
+          </a:lnRef>
+          <a:fillRef idx="1">
+            <a:schemeClr val="lt1"/>
+          </a:fillRef>
+          <a:effectRef idx="0">
+            <a:schemeClr val="dk1"/>
+          </a:effectRef>
+          <a:fontRef idx="minor">
+            <a:schemeClr val="dk1"/>
+          </a:fontRef>
+        </p:style>
+        <p:txBody>
+          <a:bodyPr rtlCol="0" anchor="ctr"/>
+          <a:lstStyle/>
+          <a:p>
+            <a:pPr algn="ctr"/>
+            <a:endParaRPr lang="en-US" altLang="ja-JP" sz="3200" b="1" dirty="0" smtClean="0"/>
+          </a:p>
+          <a:p>
+            <a:pPr algn="ctr"/>
+            <a:endParaRPr kumimoji="1" lang="en-US" altLang="ja-JP" sz="3200" b="1" dirty="0"/>
+          </a:p>
+          <a:p>
+            <a:pPr algn="ctr"/>
+            <a:r>
+              <a:rPr kumimoji="1" lang="en-US" altLang="ja-JP" sz="3200" b="1" dirty="0" smtClean="0"/>
+              <a:t>Door</a:t>
+            </a:r>
+            <a:endParaRPr kumimoji="1" lang="ja-JP" altLang="en-US" sz="3200" b="1" dirty="0"/>
+          </a:p>
+        </p:txBody>
+      </p:sp>
+      <p:grpSp>
+        <p:nvGrpSpPr>
+          <p:cNvPr id="8" name="図形グループ 7"/>
+          <p:cNvGrpSpPr/>
+          <p:nvPr/>
+        </p:nvGrpSpPr>
+        <p:grpSpPr>
+          <a:xfrm>
+            <a:off x="6039652" y="3048554"/>
+            <a:ext cx="1374701" cy="2788960"/>
+            <a:chOff x="6075895" y="2755629"/>
+            <a:chExt cx="1434211" cy="3618731"/>
+          </a:xfrm>
+        </p:grpSpPr>
+        <p:sp>
+          <p:nvSpPr>
+            <p:cNvPr id="9" name="台形 8"/>
+            <p:cNvSpPr/>
+            <p:nvPr/>
+          </p:nvSpPr>
+          <p:spPr>
+            <a:xfrm>
+              <a:off x="6075895" y="3624941"/>
+              <a:ext cx="1434211" cy="2749419"/>
+            </a:xfrm>
+            <a:prstGeom prst="trapezoid">
+              <a:avLst/>
+            </a:prstGeom>
+          </p:spPr>
+          <p:style>
+            <a:lnRef idx="1">
+              <a:schemeClr val="accent2"/>
+            </a:lnRef>
+            <a:fillRef idx="2">
+              <a:schemeClr val="accent2"/>
+            </a:fillRef>
+            <a:effectRef idx="1">
+              <a:schemeClr val="accent2"/>
+            </a:effectRef>
+            <a:fontRef idx="minor">
+              <a:schemeClr val="dk1"/>
+            </a:fontRef>
+          </p:style>
+          <p:txBody>
+            <a:bodyPr rtlCol="0" anchor="ctr"/>
+            <a:lstStyle/>
+            <a:p>
+              <a:pPr algn="ctr"/>
+              <a:endParaRPr kumimoji="1" lang="ja-JP" altLang="en-US"/>
+            </a:p>
+          </p:txBody>
+        </p:sp>
+        <p:sp>
+          <p:nvSpPr>
+            <p:cNvPr id="10" name="円/楕円 9"/>
+            <p:cNvSpPr/>
+            <p:nvPr/>
+          </p:nvSpPr>
+          <p:spPr>
+            <a:xfrm>
+              <a:off x="6270171" y="2755629"/>
+              <a:ext cx="1045661" cy="1045661"/>
+            </a:xfrm>
+            <a:prstGeom prst="ellipse">
+              <a:avLst/>
+            </a:prstGeom>
+          </p:spPr>
+          <p:style>
+            <a:lnRef idx="1">
+              <a:schemeClr val="accent2"/>
+            </a:lnRef>
+            <a:fillRef idx="2">
+              <a:schemeClr val="accent2"/>
+            </a:fillRef>
+            <a:effectRef idx="1">
+              <a:schemeClr val="accent2"/>
+            </a:effectRef>
+            <a:fontRef idx="minor">
+              <a:schemeClr val="dk1"/>
+            </a:fontRef>
+          </p:style>
+          <p:txBody>
+            <a:bodyPr rtlCol="0" anchor="ctr"/>
+            <a:lstStyle/>
+            <a:p>
+              <a:pPr algn="ctr"/>
+              <a:endParaRPr kumimoji="1" lang="ja-JP" altLang="en-US"/>
+            </a:p>
+          </p:txBody>
+        </p:sp>
+      </p:grpSp>
+      <p:pic>
+        <p:nvPicPr>
+          <p:cNvPr id="11" name="Picture 2"/>
+          <p:cNvPicPr>
+            <a:picLocks noChangeAspect="1"/>
+          </p:cNvPicPr>
+          <p:nvPr/>
+        </p:nvPicPr>
+        <p:blipFill>
+          <a:blip r:embed="rId3">
+            <a:extLst>
+              <a:ext uri="{28A0092B-C50C-407E-A947-70E740481C1C}">
+                <a14:useLocalDpi xmlns:a14="http://schemas.microsoft.com/office/drawing/2010/main" val="0"/>
+              </a:ext>
+            </a:extLst>
+          </a:blip>
+          <a:stretch>
+            <a:fillRect/>
+          </a:stretch>
+        </p:blipFill>
+        <p:spPr>
+          <a:xfrm>
+            <a:off x="4024742" y="2768467"/>
+            <a:ext cx="1828697" cy="2009557"/>
+          </a:xfrm>
+          <a:prstGeom prst="rect">
+            <a:avLst/>
+          </a:prstGeom>
+        </p:spPr>
+      </p:pic>
+      <p:cxnSp>
+        <p:nvCxnSpPr>
+          <p:cNvPr id="12" name="直線コネクタ 11"/>
+          <p:cNvCxnSpPr/>
+          <p:nvPr/>
+        </p:nvCxnSpPr>
+        <p:spPr>
+          <a:xfrm flipV="1">
+            <a:off x="5480181" y="2891473"/>
+            <a:ext cx="1934172" cy="110238"/>
+          </a:xfrm>
+          <a:prstGeom prst="line">
+            <a:avLst/>
+          </a:prstGeom>
+          <a:ln w="57150">
+            <a:solidFill>
+              <a:schemeClr val="accent1"/>
+            </a:solidFill>
+            <a:prstDash val="sysDash"/>
+          </a:ln>
+        </p:spPr>
+        <p:style>
+          <a:lnRef idx="1">
+            <a:schemeClr val="accent1"/>
+          </a:lnRef>
+          <a:fillRef idx="0">
+            <a:schemeClr val="accent1"/>
+          </a:fillRef>
+          <a:effectRef idx="0">
+            <a:schemeClr val="accent1"/>
+          </a:effectRef>
+          <a:fontRef idx="minor">
+            <a:schemeClr val="tx1"/>
+          </a:fontRef>
+        </p:style>
+      </p:cxnSp>
+      <p:cxnSp>
+        <p:nvCxnSpPr>
+          <p:cNvPr id="13" name="直線コネクタ 12"/>
+          <p:cNvCxnSpPr/>
+          <p:nvPr/>
+        </p:nvCxnSpPr>
+        <p:spPr>
+          <a:xfrm>
+            <a:off x="5480181" y="3769041"/>
+            <a:ext cx="1955537" cy="367956"/>
+          </a:xfrm>
+          <a:prstGeom prst="line">
+            <a:avLst/>
+          </a:prstGeom>
+          <a:ln w="57150">
+            <a:solidFill>
+              <a:schemeClr val="accent1"/>
+            </a:solidFill>
+            <a:prstDash val="sysDash"/>
+          </a:ln>
+        </p:spPr>
+        <p:style>
+          <a:lnRef idx="1">
+            <a:schemeClr val="accent1"/>
+          </a:lnRef>
+          <a:fillRef idx="0">
+            <a:schemeClr val="accent1"/>
+          </a:fillRef>
+          <a:effectRef idx="0">
+            <a:schemeClr val="accent1"/>
+          </a:effectRef>
+          <a:fontRef idx="minor">
+            <a:schemeClr val="tx1"/>
+          </a:fontRef>
+        </p:style>
+      </p:cxnSp>
+    </p:spTree>
+    <p:extLst>
+      <p:ext uri="{BB962C8B-B14F-4D97-AF65-F5344CB8AC3E}">
+        <p14:creationId xmlns:p14="http://schemas.microsoft.com/office/powerpoint/2010/main" val="1477847888"/>
+      </p:ext>
+    </p:extLst>
+  </p:cSld>
+  <p:clrMapOvr>
+    <a:masterClrMapping/>
+  </p:clrMapOvr>
+  <p:timing>
+    <p:tnLst>
+      <p:par>
+        <p:cTn id="1" dur="indefinite" restart="never" nodeType="tmRoot"/>
+      </p:par>
+    </p:tnLst>
+  </p:timing>
+</p:sld>
+</file>
+
+<file path=ppt/slides/slide20.xml><?xml version="1.0" encoding="utf-8"?>
+<p:sld xmlns:a="http://schemas.openxmlformats.org/drawingml/2006/main" xmlns:r="http://schemas.openxmlformats.org/officeDocument/2006/relationships" xmlns:p="http://schemas.openxmlformats.org/presentationml/2006/main">
+  <p:cSld>
+    <p:spTree>
+      <p:nvGrpSpPr>
+        <p:cNvPr id="1" name=""/>
+        <p:cNvGrpSpPr/>
+        <p:nvPr/>
+      </p:nvGrpSpPr>
+      <p:grpSpPr>
+        <a:xfrm>
+          <a:off x="0" y="0"/>
+          <a:ext cx="0" cy="0"/>
+          <a:chOff x="0" y="0"/>
+          <a:chExt cx="0" cy="0"/>
+        </a:xfrm>
+      </p:grpSpPr>
+      <p:sp>
+        <p:nvSpPr>
+          <p:cNvPr id="2" name="タイトル 1"/>
+          <p:cNvSpPr>
+            <a:spLocks noGrp="1"/>
+          </p:cNvSpPr>
+          <p:nvPr>
+            <p:ph type="title"/>
+          </p:nvPr>
+        </p:nvSpPr>
+        <p:spPr/>
+        <p:txBody>
+          <a:bodyPr/>
+          <a:lstStyle/>
+          <a:p>
+            <a:r>
+              <a:rPr kumimoji="1" lang="en-US" altLang="ja-JP" dirty="0"/>
+              <a:t>D</a:t>
+            </a:r>
+            <a:r>
+              <a:rPr kumimoji="1" lang="en-US" altLang="ja-JP" dirty="0" smtClean="0"/>
+              <a:t>emo</a:t>
+            </a:r>
+            <a:endParaRPr kumimoji="1" lang="ja-JP" altLang="en-US" dirty="0"/>
+          </a:p>
+        </p:txBody>
+      </p:sp>
+      <p:sp>
+        <p:nvSpPr>
+          <p:cNvPr id="3" name="コンテンツ プレースホルダー 2"/>
+          <p:cNvSpPr>
+            <a:spLocks noGrp="1"/>
+          </p:cNvSpPr>
+          <p:nvPr>
+            <p:ph idx="1"/>
+          </p:nvPr>
+        </p:nvSpPr>
+        <p:spPr/>
+        <p:txBody>
+          <a:bodyPr/>
+          <a:lstStyle/>
+          <a:p>
+            <a:endParaRPr kumimoji="1" lang="ja-JP" altLang="en-US"/>
+          </a:p>
+        </p:txBody>
+      </p:sp>
+      <p:sp>
+        <p:nvSpPr>
+          <p:cNvPr id="4" name="スライド番号プレースホルダー 3"/>
+          <p:cNvSpPr>
+            <a:spLocks noGrp="1"/>
+          </p:cNvSpPr>
+          <p:nvPr>
+            <p:ph type="sldNum" sz="quarter" idx="12"/>
+          </p:nvPr>
+        </p:nvSpPr>
+        <p:spPr/>
+        <p:txBody>
+          <a:bodyPr/>
+          <a:lstStyle/>
+          <a:p>
+            <a:fld id="{C9CA7111-1C24-4C43-B617-79ECA406D799}" type="slidenum">
+              <a:rPr lang="en-US" smtClean="0"/>
+              <a:t>20</a:t>
+            </a:fld>
+            <a:endParaRPr lang="en-US"/>
+          </a:p>
+        </p:txBody>
+      </p:sp>
+    </p:spTree>
+    <p:extLst>
+      <p:ext uri="{BB962C8B-B14F-4D97-AF65-F5344CB8AC3E}">
+        <p14:creationId xmlns:p14="http://schemas.microsoft.com/office/powerpoint/2010/main" val="1170603029"/>
+      </p:ext>
+    </p:extLst>
+  </p:cSld>
+  <p:clrMapOvr>
+    <a:masterClrMapping/>
+  </p:clrMapOvr>
+  <p:timing>
+    <p:tnLst>
+      <p:par>
+        <p:cTn id="1" dur="indefinite" restart="never" nodeType="tmRoot"/>
+      </p:par>
+    </p:tnLst>
+  </p:timing>
+</p:sld>
+</file>
+
+<file path=ppt/slides/slide21.xml><?xml version="1.0" encoding="utf-8"?>
+<p:sld xmlns:a="http://schemas.openxmlformats.org/drawingml/2006/main" xmlns:r="http://schemas.openxmlformats.org/officeDocument/2006/relationships" xmlns:p="http://schemas.openxmlformats.org/presentationml/2006/main">
+  <p:cSld>
+    <p:spTree>
+      <p:nvGrpSpPr>
+        <p:cNvPr id="1" name=""/>
+        <p:cNvGrpSpPr/>
+        <p:nvPr/>
+      </p:nvGrpSpPr>
+      <p:grpSpPr>
+        <a:xfrm>
+          <a:off x="0" y="0"/>
+          <a:ext cx="0" cy="0"/>
+          <a:chOff x="0" y="0"/>
+          <a:chExt cx="0" cy="0"/>
+        </a:xfrm>
+      </p:grpSpPr>
+      <p:sp>
+        <p:nvSpPr>
           <p:cNvPr id="2" name="Title 1"/>
           <p:cNvSpPr>
             <a:spLocks noGrp="1"/>
@@ -9399,6 +12272,29 @@
           </a:p>
           <a:p>
             <a:endParaRPr lang="en-US" altLang="ja-JP" dirty="0" smtClean="0"/>
+          </a:p>
+        </p:txBody>
+      </p:sp>
+      <p:sp>
+        <p:nvSpPr>
+          <p:cNvPr id="4" name="スライド番号プレースホルダー 3"/>
+          <p:cNvSpPr>
+            <a:spLocks noGrp="1"/>
+          </p:cNvSpPr>
+          <p:nvPr>
+            <p:ph type="sldNum" sz="quarter" idx="12"/>
+          </p:nvPr>
+        </p:nvSpPr>
+        <p:spPr/>
+        <p:txBody>
+          <a:bodyPr/>
+          <a:lstStyle/>
+          <a:p>
+            <a:fld id="{C9CA7111-1C24-4C43-B617-79ECA406D799}" type="slidenum">
+              <a:rPr lang="en-US" smtClean="0"/>
+              <a:t>21</a:t>
+            </a:fld>
+            <a:endParaRPr lang="en-US"/>
           </a:p>
         </p:txBody>
       </p:sp>
@@ -9422,7 +12318,7 @@
 </p:sld>
 </file>
 
-<file path=ppt/slides/slide17.xml><?xml version="1.0" encoding="utf-8"?>
+<file path=ppt/slides/slide22.xml><?xml version="1.0" encoding="utf-8"?>
 <p:sld xmlns:a="http://schemas.openxmlformats.org/drawingml/2006/main" xmlns:r="http://schemas.openxmlformats.org/officeDocument/2006/relationships" xmlns:p="http://schemas.openxmlformats.org/presentationml/2006/main">
   <p:cSld>
     <p:spTree>
@@ -9545,289 +12441,33 @@
           </a:p>
         </p:txBody>
       </p:sp>
+      <p:sp>
+        <p:nvSpPr>
+          <p:cNvPr id="4" name="スライド番号プレースホルダー 3"/>
+          <p:cNvSpPr>
+            <a:spLocks noGrp="1"/>
+          </p:cNvSpPr>
+          <p:nvPr>
+            <p:ph type="sldNum" sz="quarter" idx="12"/>
+          </p:nvPr>
+        </p:nvSpPr>
+        <p:spPr/>
+        <p:txBody>
+          <a:bodyPr/>
+          <a:lstStyle/>
+          <a:p>
+            <a:fld id="{C9CA7111-1C24-4C43-B617-79ECA406D799}" type="slidenum">
+              <a:rPr lang="en-US" smtClean="0"/>
+              <a:t>22</a:t>
+            </a:fld>
+            <a:endParaRPr lang="en-US"/>
+          </a:p>
+        </p:txBody>
+      </p:sp>
     </p:spTree>
     <p:extLst>
       <p:ext uri="{BB962C8B-B14F-4D97-AF65-F5344CB8AC3E}">
         <p14:creationId xmlns:p14="http://schemas.microsoft.com/office/powerpoint/2010/main" val="2106696506"/>
-      </p:ext>
-    </p:extLst>
-  </p:cSld>
-  <p:clrMapOvr>
-    <a:masterClrMapping/>
-  </p:clrMapOvr>
-  <p:timing>
-    <p:tnLst>
-      <p:par>
-        <p:cTn id="1" dur="indefinite" restart="never" nodeType="tmRoot"/>
-      </p:par>
-    </p:tnLst>
-  </p:timing>
-</p:sld>
-</file>
-
-<file path=ppt/slides/slide2.xml><?xml version="1.0" encoding="utf-8"?>
-<p:sld xmlns:a="http://schemas.openxmlformats.org/drawingml/2006/main" xmlns:r="http://schemas.openxmlformats.org/officeDocument/2006/relationships" xmlns:p="http://schemas.openxmlformats.org/presentationml/2006/main">
-  <p:cSld>
-    <p:spTree>
-      <p:nvGrpSpPr>
-        <p:cNvPr id="1" name=""/>
-        <p:cNvGrpSpPr/>
-        <p:nvPr/>
-      </p:nvGrpSpPr>
-      <p:grpSpPr>
-        <a:xfrm>
-          <a:off x="0" y="0"/>
-          <a:ext cx="0" cy="0"/>
-          <a:chOff x="0" y="0"/>
-          <a:chExt cx="0" cy="0"/>
-        </a:xfrm>
-      </p:grpSpPr>
-      <p:sp>
-        <p:nvSpPr>
-          <p:cNvPr id="2" name="タイトル 1"/>
-          <p:cNvSpPr>
-            <a:spLocks noGrp="1"/>
-          </p:cNvSpPr>
-          <p:nvPr>
-            <p:ph type="title"/>
-          </p:nvPr>
-        </p:nvSpPr>
-        <p:spPr/>
-        <p:txBody>
-          <a:bodyPr>
-            <a:normAutofit/>
-          </a:bodyPr>
-          <a:lstStyle/>
-          <a:p>
-            <a:r>
-              <a:rPr lang="en-US" altLang="ja-JP" sz="4000" dirty="0" smtClean="0"/>
-              <a:t>Internal key unlocking system by Face recognition</a:t>
-            </a:r>
-            <a:endParaRPr kumimoji="1" lang="ja-JP" altLang="en-US" sz="4000" dirty="0"/>
-          </a:p>
-        </p:txBody>
-      </p:sp>
-      <p:sp>
-        <p:nvSpPr>
-          <p:cNvPr id="3" name="コンテンツ プレースホルダー 2"/>
-          <p:cNvSpPr>
-            <a:spLocks noGrp="1"/>
-          </p:cNvSpPr>
-          <p:nvPr>
-            <p:ph idx="1"/>
-          </p:nvPr>
-        </p:nvSpPr>
-        <p:spPr>
-          <a:xfrm>
-            <a:off x="314325" y="1803590"/>
-            <a:ext cx="8515350" cy="4635034"/>
-          </a:xfrm>
-        </p:spPr>
-        <p:txBody>
-          <a:bodyPr>
-            <a:normAutofit/>
-          </a:bodyPr>
-          <a:lstStyle/>
-          <a:p>
-            <a:pPr>
-              <a:buFont typeface="Wingdings" charset="2"/>
-              <a:buChar char="Ø"/>
-            </a:pPr>
-            <a:r>
-              <a:rPr lang="en-US" altLang="ja-JP" dirty="0" smtClean="0"/>
-              <a:t> System </a:t>
-            </a:r>
-            <a:r>
-              <a:rPr lang="en-US" altLang="ja-JP" dirty="0"/>
-              <a:t>function</a:t>
-            </a:r>
-          </a:p>
-          <a:p>
-            <a:pPr lvl="1"/>
-            <a:r>
-              <a:rPr lang="en-US" altLang="ja-JP" dirty="0" smtClean="0"/>
-              <a:t>judge </a:t>
-            </a:r>
-            <a:r>
-              <a:rPr lang="en-US" altLang="ja-JP" dirty="0"/>
-              <a:t>whether visitor was </a:t>
-            </a:r>
-            <a:r>
-              <a:rPr lang="en-US" altLang="ja-JP" dirty="0" smtClean="0"/>
-              <a:t>registered by face </a:t>
-            </a:r>
-            <a:r>
-              <a:rPr lang="en-US" altLang="ja-JP" dirty="0" err="1" smtClean="0"/>
-              <a:t>recognision</a:t>
-            </a:r>
-            <a:endParaRPr lang="en-US" altLang="ja-JP" dirty="0" smtClean="0"/>
-          </a:p>
-          <a:p>
-            <a:pPr marL="457200" lvl="1" indent="0">
-              <a:buNone/>
-            </a:pPr>
-            <a:r>
-              <a:rPr lang="en-US" altLang="ja-JP" sz="2000" dirty="0" smtClean="0"/>
-              <a:t>	</a:t>
-            </a:r>
-            <a:r>
-              <a:rPr lang="ja-JP" altLang="en-US" sz="2000" dirty="0" smtClean="0"/>
-              <a:t>ー</a:t>
-            </a:r>
-            <a:r>
-              <a:rPr lang="en-US" altLang="ja-JP" sz="2000" dirty="0" smtClean="0"/>
-              <a:t>Not registered </a:t>
-            </a:r>
-            <a:r>
-              <a:rPr lang="ja-JP" altLang="en-US" sz="2000" dirty="0" smtClean="0"/>
-              <a:t>→</a:t>
-            </a:r>
-            <a:r>
-              <a:rPr lang="en-US" altLang="ja-JP" sz="2000" dirty="0" smtClean="0"/>
-              <a:t> raise a buzzer &amp; send e-mail with photo </a:t>
-            </a:r>
-          </a:p>
-          <a:p>
-            <a:pPr lvl="1"/>
-            <a:endParaRPr lang="en-US" altLang="ja-JP" dirty="0" smtClean="0"/>
-          </a:p>
-          <a:p>
-            <a:pPr>
-              <a:buFont typeface="Wingdings" charset="2"/>
-              <a:buChar char="Ø"/>
-            </a:pPr>
-            <a:r>
-              <a:rPr lang="en-US" altLang="ja-JP" dirty="0" smtClean="0"/>
-              <a:t> equipment used</a:t>
-            </a:r>
-          </a:p>
-          <a:p>
-            <a:pPr lvl="1"/>
-            <a:r>
-              <a:rPr lang="en-US" altLang="ja-JP" dirty="0" err="1" smtClean="0"/>
-              <a:t>RaspberryPi</a:t>
-            </a:r>
-            <a:endParaRPr kumimoji="1" lang="en-US" altLang="ja-JP" dirty="0" smtClean="0"/>
-          </a:p>
-          <a:p>
-            <a:pPr lvl="1"/>
-            <a:r>
-              <a:rPr lang="en-US" altLang="ja-JP" dirty="0" smtClean="0"/>
-              <a:t>Motion sensor</a:t>
-            </a:r>
-          </a:p>
-          <a:p>
-            <a:pPr lvl="1"/>
-            <a:r>
-              <a:rPr kumimoji="1" lang="en-US" altLang="ja-JP" dirty="0" smtClean="0"/>
-              <a:t>Buzzer</a:t>
-            </a:r>
-          </a:p>
-          <a:p>
-            <a:pPr lvl="1"/>
-            <a:r>
-              <a:rPr kumimoji="1" lang="en-US" altLang="ja-JP" dirty="0" smtClean="0"/>
-              <a:t>LED light</a:t>
-            </a:r>
-          </a:p>
-          <a:p>
-            <a:pPr lvl="1"/>
-            <a:r>
-              <a:rPr kumimoji="1" lang="en-US" altLang="ja-JP" dirty="0"/>
-              <a:t>Web camera</a:t>
-            </a:r>
-            <a:r>
-              <a:rPr kumimoji="1" lang="ja-JP" altLang="en-US" dirty="0"/>
-              <a:t>（</a:t>
-            </a:r>
-            <a:r>
-              <a:rPr kumimoji="1" lang="en-US" altLang="ja-JP" dirty="0" err="1"/>
-              <a:t>Logicool</a:t>
-            </a:r>
-            <a:r>
-              <a:rPr kumimoji="1" lang="en-US" altLang="ja-JP" dirty="0"/>
-              <a:t> HD Pro Webcam C920r</a:t>
-            </a:r>
-            <a:r>
-              <a:rPr kumimoji="1" lang="ja-JP" altLang="en-US" dirty="0" smtClean="0"/>
-              <a:t>）</a:t>
-            </a:r>
-            <a:endParaRPr kumimoji="1" lang="en-US" altLang="ja-JP" dirty="0"/>
-          </a:p>
-        </p:txBody>
-      </p:sp>
-      <p:sp>
-        <p:nvSpPr>
-          <p:cNvPr id="4" name="右中かっこ 3"/>
-          <p:cNvSpPr/>
-          <p:nvPr/>
-        </p:nvSpPr>
-        <p:spPr>
-          <a:xfrm>
-            <a:off x="2946400" y="4025899"/>
-            <a:ext cx="431800" cy="1397000"/>
-          </a:xfrm>
-          <a:prstGeom prst="rightBrace">
-            <a:avLst/>
-          </a:prstGeom>
-        </p:spPr>
-        <p:style>
-          <a:lnRef idx="1">
-            <a:schemeClr val="accent1"/>
-          </a:lnRef>
-          <a:fillRef idx="0">
-            <a:schemeClr val="accent1"/>
-          </a:fillRef>
-          <a:effectRef idx="0">
-            <a:schemeClr val="accent1"/>
-          </a:effectRef>
-          <a:fontRef idx="minor">
-            <a:schemeClr val="tx1"/>
-          </a:fontRef>
-        </p:style>
-        <p:txBody>
-          <a:bodyPr rtlCol="0" anchor="ctr"/>
-          <a:lstStyle/>
-          <a:p>
-            <a:pPr algn="ctr"/>
-            <a:endParaRPr kumimoji="1" lang="ja-JP" altLang="en-US"/>
-          </a:p>
-        </p:txBody>
-      </p:sp>
-      <p:sp>
-        <p:nvSpPr>
-          <p:cNvPr id="5" name="テキスト ボックス 4"/>
-          <p:cNvSpPr txBox="1"/>
-          <p:nvPr/>
-        </p:nvSpPr>
-        <p:spPr>
-          <a:xfrm>
-            <a:off x="3517900" y="4493567"/>
-            <a:ext cx="2425700" cy="461665"/>
-          </a:xfrm>
-          <a:prstGeom prst="rect">
-            <a:avLst/>
-          </a:prstGeom>
-          <a:noFill/>
-        </p:spPr>
-        <p:txBody>
-          <a:bodyPr wrap="square" rtlCol="0">
-            <a:spAutoFit/>
-          </a:bodyPr>
-          <a:lstStyle/>
-          <a:p>
-            <a:r>
-              <a:rPr kumimoji="1" lang="en-US" altLang="ja-JP" sz="2400" smtClean="0"/>
-              <a:t>(Starter kit)</a:t>
-            </a:r>
-            <a:endParaRPr kumimoji="1" lang="ja-JP" altLang="en-US" sz="2400" dirty="0"/>
-          </a:p>
-        </p:txBody>
-      </p:sp>
-    </p:spTree>
-    <p:extLst>
-      <p:ext uri="{BB962C8B-B14F-4D97-AF65-F5344CB8AC3E}">
-        <p14:creationId xmlns:p14="http://schemas.microsoft.com/office/powerpoint/2010/main" val="1477847888"/>
       </p:ext>
     </p:extLst>
   </p:cSld>
@@ -10632,6 +13272,29 @@
           </a:p>
         </p:txBody>
       </p:sp>
+      <p:sp>
+        <p:nvSpPr>
+          <p:cNvPr id="12" name="スライド番号プレースホルダー 11"/>
+          <p:cNvSpPr>
+            <a:spLocks noGrp="1"/>
+          </p:cNvSpPr>
+          <p:nvPr>
+            <p:ph type="sldNum" sz="quarter" idx="12"/>
+          </p:nvPr>
+        </p:nvSpPr>
+        <p:spPr/>
+        <p:txBody>
+          <a:bodyPr/>
+          <a:lstStyle/>
+          <a:p>
+            <a:fld id="{C9CA7111-1C24-4C43-B617-79ECA406D799}" type="slidenum">
+              <a:rPr lang="en-US" smtClean="0"/>
+              <a:t>3</a:t>
+            </a:fld>
+            <a:endParaRPr lang="en-US"/>
+          </a:p>
+        </p:txBody>
+      </p:sp>
     </p:spTree>
     <p:extLst>
       <p:ext uri="{BB962C8B-B14F-4D97-AF65-F5344CB8AC3E}">
@@ -11596,6 +14259,29 @@
           </a:p>
         </p:txBody>
       </p:sp>
+      <p:sp>
+        <p:nvSpPr>
+          <p:cNvPr id="12" name="スライド番号プレースホルダー 11"/>
+          <p:cNvSpPr>
+            <a:spLocks noGrp="1"/>
+          </p:cNvSpPr>
+          <p:nvPr>
+            <p:ph type="sldNum" sz="quarter" idx="12"/>
+          </p:nvPr>
+        </p:nvSpPr>
+        <p:spPr/>
+        <p:txBody>
+          <a:bodyPr/>
+          <a:lstStyle/>
+          <a:p>
+            <a:fld id="{C9CA7111-1C24-4C43-B617-79ECA406D799}" type="slidenum">
+              <a:rPr lang="en-US" smtClean="0"/>
+              <a:t>4</a:t>
+            </a:fld>
+            <a:endParaRPr lang="en-US"/>
+          </a:p>
+        </p:txBody>
+      </p:sp>
     </p:spTree>
     <p:extLst>
       <p:ext uri="{BB962C8B-B14F-4D97-AF65-F5344CB8AC3E}">
@@ -11625,7 +14311,7 @@
 </file>
 
 <file path=ppt/slides/slide5.xml><?xml version="1.0" encoding="utf-8"?>
-<p:sld xmlns:a="http://schemas.openxmlformats.org/drawingml/2006/main" xmlns:r="http://schemas.openxmlformats.org/officeDocument/2006/relationships" xmlns:p="http://schemas.openxmlformats.org/presentationml/2006/main">
+<p:sld xmlns:a="http://schemas.openxmlformats.org/drawingml/2006/main" xmlns:r="http://schemas.openxmlformats.org/officeDocument/2006/relationships" xmlns:p="http://schemas.openxmlformats.org/presentationml/2006/main" show="0">
   <p:cSld>
     <p:spTree>
       <p:nvGrpSpPr>
@@ -11735,6 +14421,29 @@
           </a:p>
         </p:txBody>
       </p:sp>
+      <p:sp>
+        <p:nvSpPr>
+          <p:cNvPr id="4" name="スライド番号プレースホルダー 3"/>
+          <p:cNvSpPr>
+            <a:spLocks noGrp="1"/>
+          </p:cNvSpPr>
+          <p:nvPr>
+            <p:ph type="sldNum" sz="quarter" idx="12"/>
+          </p:nvPr>
+        </p:nvSpPr>
+        <p:spPr/>
+        <p:txBody>
+          <a:bodyPr/>
+          <a:lstStyle/>
+          <a:p>
+            <a:fld id="{C9CA7111-1C24-4C43-B617-79ECA406D799}" type="slidenum">
+              <a:rPr lang="en-US" smtClean="0"/>
+              <a:t>5</a:t>
+            </a:fld>
+            <a:endParaRPr lang="en-US"/>
+          </a:p>
+        </p:txBody>
+      </p:sp>
     </p:spTree>
     <p:extLst>
       <p:ext uri="{BB962C8B-B14F-4D97-AF65-F5344CB8AC3E}">
@@ -11745,6 +14454,14 @@
   <p:clrMapOvr>
     <a:masterClrMapping/>
   </p:clrMapOvr>
+  <mc:AlternateContent xmlns:mc="http://schemas.openxmlformats.org/markup-compatibility/2006">
+    <mc:Choice xmlns:p14="http://schemas.microsoft.com/office/powerpoint/2010/main" Requires="p14">
+      <p:transition spd="slow" p14:dur="2000"/>
+    </mc:Choice>
+    <mc:Fallback>
+      <p:transition spd="slow"/>
+    </mc:Fallback>
+  </mc:AlternateContent>
   <p:timing>
     <p:tnLst>
       <p:par>
@@ -11756,7 +14473,7 @@
 </file>
 
 <file path=ppt/slides/slide6.xml><?xml version="1.0" encoding="utf-8"?>
-<p:sld xmlns:a="http://schemas.openxmlformats.org/drawingml/2006/main" xmlns:r="http://schemas.openxmlformats.org/officeDocument/2006/relationships" xmlns:p="http://schemas.openxmlformats.org/presentationml/2006/main">
+<p:sld xmlns:a="http://schemas.openxmlformats.org/drawingml/2006/main" xmlns:r="http://schemas.openxmlformats.org/officeDocument/2006/relationships" xmlns:p="http://schemas.openxmlformats.org/presentationml/2006/main" show="0">
   <p:cSld>
     <p:spTree>
       <p:nvGrpSpPr>
@@ -11821,7 +14538,7 @@
               <a:buNone/>
             </a:pPr>
             <a:r>
-              <a:rPr lang="ja-JP" altLang="en-US" sz="2000" dirty="0" smtClean="0"/>
+              <a:rPr lang="ja-JP" altLang="en-US" dirty="0" smtClean="0"/>
               <a:t>→</a:t>
             </a:r>
             <a:r>
@@ -11829,7 +14546,7 @@
               <a:t> </a:t>
             </a:r>
             <a:r>
-              <a:rPr lang="en-US" altLang="ja-JP" sz="2000" dirty="0"/>
+              <a:rPr lang="en-US" altLang="ja-JP" dirty="0"/>
               <a:t>raise a buzzer &amp; send e-mail with photo </a:t>
             </a:r>
           </a:p>
@@ -11859,6 +14576,29 @@
           </a:p>
           <a:p>
             <a:endParaRPr lang="en-US" altLang="ja-JP" dirty="0" smtClean="0"/>
+          </a:p>
+        </p:txBody>
+      </p:sp>
+      <p:sp>
+        <p:nvSpPr>
+          <p:cNvPr id="4" name="スライド番号プレースホルダー 3"/>
+          <p:cNvSpPr>
+            <a:spLocks noGrp="1"/>
+          </p:cNvSpPr>
+          <p:nvPr>
+            <p:ph type="sldNum" sz="quarter" idx="12"/>
+          </p:nvPr>
+        </p:nvSpPr>
+        <p:spPr/>
+        <p:txBody>
+          <a:bodyPr/>
+          <a:lstStyle/>
+          <a:p>
+            <a:fld id="{C9CA7111-1C24-4C43-B617-79ECA406D799}" type="slidenum">
+              <a:rPr lang="en-US" smtClean="0"/>
+              <a:t>6</a:t>
+            </a:fld>
+            <a:endParaRPr lang="en-US"/>
           </a:p>
         </p:txBody>
       </p:sp>
@@ -11872,6 +14612,14 @@
   <p:clrMapOvr>
     <a:masterClrMapping/>
   </p:clrMapOvr>
+  <mc:AlternateContent xmlns:mc="http://schemas.openxmlformats.org/markup-compatibility/2006">
+    <mc:Choice xmlns:p14="http://schemas.microsoft.com/office/powerpoint/2010/main" Requires="p14">
+      <p:transition spd="slow" p14:dur="2000"/>
+    </mc:Choice>
+    <mc:Fallback>
+      <p:transition spd="slow"/>
+    </mc:Fallback>
+  </mc:AlternateContent>
   <p:timing>
     <p:tnLst>
       <p:par>
@@ -12488,7 +15236,11 @@
           <a:p>
             <a:r>
               <a:rPr lang="en-US" sz="2400" dirty="0" smtClean="0"/>
-              <a:t>https</a:t>
+              <a:t>h</a:t>
+            </a:r>
+            <a:r>
+              <a:rPr lang="en-US" sz="2400" dirty="0" smtClean="0"/>
+              <a:t>ttps</a:t>
             </a:r>
             <a:endParaRPr lang="en-US" sz="2400" dirty="0"/>
           </a:p>
@@ -12503,7 +15255,7 @@
         <p:spPr>
           <a:xfrm>
             <a:off x="671174" y="4698973"/>
-            <a:ext cx="1107996" cy="461665"/>
+            <a:ext cx="987771" cy="461665"/>
           </a:xfrm>
           <a:prstGeom prst="rect">
             <a:avLst/>
@@ -12517,8 +15269,12 @@
           <a:lstStyle/>
           <a:p>
             <a:r>
-              <a:rPr lang="ja-JP" altLang="en-US" sz="2400" smtClean="0"/>
-              <a:t>サーバ</a:t>
+              <a:rPr lang="en-US" sz="2400" dirty="0"/>
+              <a:t>S</a:t>
+            </a:r>
+            <a:r>
+              <a:rPr lang="en-US" sz="2400" dirty="0" smtClean="0"/>
+              <a:t>erver</a:t>
             </a:r>
             <a:endParaRPr lang="en-US" sz="2400" dirty="0"/>
           </a:p>
@@ -12554,152 +15310,22 @@
           </a:p>
         </p:txBody>
       </p:sp>
-      <p:sp>
-        <p:nvSpPr>
-          <p:cNvPr id="52" name="Oval 51"/>
-          <p:cNvSpPr/>
-          <p:nvPr/>
-        </p:nvSpPr>
-        <p:spPr>
-          <a:xfrm flipV="1">
-            <a:off x="5667036" y="3241700"/>
-            <a:ext cx="317500" cy="331632"/>
-          </a:xfrm>
-          <a:prstGeom prst="ellipse">
-            <a:avLst/>
-          </a:prstGeom>
-          <a:solidFill>
-            <a:schemeClr val="bg2">
-              <a:lumMod val="90000"/>
-            </a:schemeClr>
-          </a:solidFill>
-          <a:ln w="28575">
-            <a:solidFill>
-              <a:srgbClr val="FF0000"/>
-            </a:solidFill>
-          </a:ln>
-        </p:spPr>
-        <p:style>
-          <a:lnRef idx="2">
-            <a:schemeClr val="accent1">
-              <a:shade val="50000"/>
-            </a:schemeClr>
-          </a:lnRef>
-          <a:fillRef idx="1">
-            <a:schemeClr val="accent1"/>
-          </a:fillRef>
-          <a:effectRef idx="0">
-            <a:schemeClr val="accent1"/>
-          </a:effectRef>
-          <a:fontRef idx="minor">
-            <a:schemeClr val="lt1"/>
-          </a:fontRef>
-        </p:style>
-        <p:txBody>
-          <a:bodyPr rtlCol="0" anchor="ctr"/>
-          <a:lstStyle/>
-          <a:p>
-            <a:pPr algn="ctr"/>
-            <a:endParaRPr lang="en-US"/>
-          </a:p>
-        </p:txBody>
-      </p:sp>
-      <p:sp>
-        <p:nvSpPr>
-          <p:cNvPr id="53" name="Oval 52"/>
-          <p:cNvSpPr/>
-          <p:nvPr/>
-        </p:nvSpPr>
-        <p:spPr>
-          <a:xfrm flipV="1">
-            <a:off x="5686800" y="2769038"/>
-            <a:ext cx="317500" cy="331632"/>
-          </a:xfrm>
-          <a:prstGeom prst="ellipse">
-            <a:avLst/>
-          </a:prstGeom>
-          <a:solidFill>
-            <a:schemeClr val="bg2">
-              <a:lumMod val="90000"/>
-            </a:schemeClr>
-          </a:solidFill>
-          <a:ln w="28575"/>
-        </p:spPr>
-        <p:style>
-          <a:lnRef idx="2">
-            <a:schemeClr val="accent1">
-              <a:shade val="50000"/>
-            </a:schemeClr>
-          </a:lnRef>
-          <a:fillRef idx="1">
-            <a:schemeClr val="accent1"/>
-          </a:fillRef>
-          <a:effectRef idx="0">
-            <a:schemeClr val="accent1"/>
-          </a:effectRef>
-          <a:fontRef idx="minor">
-            <a:schemeClr val="lt1"/>
-          </a:fontRef>
-        </p:style>
-        <p:txBody>
-          <a:bodyPr rtlCol="0" anchor="ctr"/>
-          <a:lstStyle/>
-          <a:p>
-            <a:pPr algn="ctr"/>
-            <a:endParaRPr lang="en-US"/>
-          </a:p>
-        </p:txBody>
-      </p:sp>
-      <p:cxnSp>
-        <p:nvCxnSpPr>
-          <p:cNvPr id="55" name="Elbow Connector 54"/>
-          <p:cNvCxnSpPr>
-            <a:stCxn id="52" idx="2"/>
-          </p:cNvCxnSpPr>
-          <p:nvPr/>
-        </p:nvCxnSpPr>
-        <p:spPr>
-          <a:xfrm rot="10800000" flipV="1">
-            <a:off x="4276308" y="3407515"/>
-            <a:ext cx="1390729" cy="538859"/>
-          </a:xfrm>
-          <a:prstGeom prst="bentConnector3">
-            <a:avLst>
-              <a:gd name="adj1" fmla="val 50000"/>
-            </a:avLst>
-          </a:prstGeom>
-        </p:spPr>
-        <p:style>
-          <a:lnRef idx="1">
-            <a:schemeClr val="accent1"/>
-          </a:lnRef>
-          <a:fillRef idx="0">
-            <a:schemeClr val="accent1"/>
-          </a:fillRef>
-          <a:effectRef idx="0">
-            <a:schemeClr val="accent1"/>
-          </a:effectRef>
-          <a:fontRef idx="minor">
-            <a:schemeClr val="tx1"/>
-          </a:fontRef>
-        </p:style>
-      </p:cxnSp>
       <p:cxnSp>
         <p:nvCxnSpPr>
           <p:cNvPr id="58" name="Elbow Connector 57"/>
           <p:cNvCxnSpPr>
-            <a:stCxn id="53" idx="2"/>
+            <a:stCxn id="33" idx="2"/>
           </p:cNvCxnSpPr>
           <p:nvPr/>
         </p:nvCxnSpPr>
         <p:spPr>
           <a:xfrm rot="10800000" flipV="1">
-            <a:off x="3936356" y="2934854"/>
-            <a:ext cx="1750445" cy="804294"/>
+            <a:off x="3872858" y="3147990"/>
+            <a:ext cx="2242903" cy="591157"/>
           </a:xfrm>
           <a:prstGeom prst="bentConnector3">
             <a:avLst>
-              <a:gd name="adj1" fmla="val 57170"/>
+              <a:gd name="adj1" fmla="val 60758"/>
             </a:avLst>
           </a:prstGeom>
         </p:spPr>
@@ -12954,6 +15580,173 @@
           </a:fontRef>
         </p:style>
       </p:cxnSp>
+      <p:sp>
+        <p:nvSpPr>
+          <p:cNvPr id="5" name="スライド番号プレースホルダー 4"/>
+          <p:cNvSpPr>
+            <a:spLocks noGrp="1"/>
+          </p:cNvSpPr>
+          <p:nvPr>
+            <p:ph type="sldNum" sz="quarter" idx="12"/>
+          </p:nvPr>
+        </p:nvSpPr>
+        <p:spPr/>
+        <p:txBody>
+          <a:bodyPr/>
+          <a:lstStyle/>
+          <a:p>
+            <a:fld id="{C9CA7111-1C24-4C43-B617-79ECA406D799}" type="slidenum">
+              <a:rPr lang="en-US" smtClean="0"/>
+              <a:t>7</a:t>
+            </a:fld>
+            <a:endParaRPr lang="en-US"/>
+          </a:p>
+        </p:txBody>
+      </p:sp>
+      <p:sp>
+        <p:nvSpPr>
+          <p:cNvPr id="33" name="Oval 51"/>
+          <p:cNvSpPr/>
+          <p:nvPr/>
+        </p:nvSpPr>
+        <p:spPr>
+          <a:xfrm flipV="1">
+            <a:off x="6115760" y="2982175"/>
+            <a:ext cx="317500" cy="331632"/>
+          </a:xfrm>
+          <a:prstGeom prst="ellipse">
+            <a:avLst/>
+          </a:prstGeom>
+          <a:solidFill>
+            <a:srgbClr val="FF0000"/>
+          </a:solidFill>
+          <a:ln w="28575">
+            <a:solidFill>
+              <a:schemeClr val="tx1"/>
+            </a:solidFill>
+          </a:ln>
+        </p:spPr>
+        <p:style>
+          <a:lnRef idx="2">
+            <a:schemeClr val="accent1">
+              <a:shade val="50000"/>
+            </a:schemeClr>
+          </a:lnRef>
+          <a:fillRef idx="1">
+            <a:schemeClr val="accent1"/>
+          </a:fillRef>
+          <a:effectRef idx="0">
+            <a:schemeClr val="accent1"/>
+          </a:effectRef>
+          <a:fontRef idx="minor">
+            <a:schemeClr val="lt1"/>
+          </a:fontRef>
+        </p:style>
+        <p:txBody>
+          <a:bodyPr rtlCol="0" anchor="ctr"/>
+          <a:lstStyle/>
+          <a:p>
+            <a:pPr algn="ctr"/>
+            <a:endParaRPr lang="en-US"/>
+          </a:p>
+        </p:txBody>
+      </p:sp>
+      <p:sp>
+        <p:nvSpPr>
+          <p:cNvPr id="34" name="Oval 52"/>
+          <p:cNvSpPr/>
+          <p:nvPr/>
+        </p:nvSpPr>
+        <p:spPr>
+          <a:xfrm flipV="1">
+            <a:off x="5606561" y="2988522"/>
+            <a:ext cx="317500" cy="331632"/>
+          </a:xfrm>
+          <a:prstGeom prst="ellipse">
+            <a:avLst/>
+          </a:prstGeom>
+          <a:solidFill>
+            <a:srgbClr val="00B050"/>
+          </a:solidFill>
+          <a:ln w="28575">
+            <a:solidFill>
+              <a:schemeClr val="tx1"/>
+            </a:solidFill>
+          </a:ln>
+        </p:spPr>
+        <p:style>
+          <a:lnRef idx="2">
+            <a:schemeClr val="accent1">
+              <a:shade val="50000"/>
+            </a:schemeClr>
+          </a:lnRef>
+          <a:fillRef idx="1">
+            <a:schemeClr val="accent1"/>
+          </a:fillRef>
+          <a:effectRef idx="0">
+            <a:schemeClr val="accent1"/>
+          </a:effectRef>
+          <a:fontRef idx="minor">
+            <a:schemeClr val="lt1"/>
+          </a:fontRef>
+        </p:style>
+        <p:txBody>
+          <a:bodyPr rtlCol="0" anchor="ctr"/>
+          <a:lstStyle/>
+          <a:p>
+            <a:pPr algn="ctr"/>
+            <a:endParaRPr lang="en-US"/>
+          </a:p>
+        </p:txBody>
+      </p:sp>
+      <p:sp>
+        <p:nvSpPr>
+          <p:cNvPr id="35" name="Oval 36"/>
+          <p:cNvSpPr/>
+          <p:nvPr/>
+        </p:nvSpPr>
+        <p:spPr>
+          <a:xfrm flipV="1">
+            <a:off x="5084155" y="2982375"/>
+            <a:ext cx="317500" cy="331632"/>
+          </a:xfrm>
+          <a:prstGeom prst="ellipse">
+            <a:avLst/>
+          </a:prstGeom>
+          <a:solidFill>
+            <a:srgbClr val="FFFF00"/>
+          </a:solidFill>
+          <a:ln w="28575">
+            <a:solidFill>
+              <a:schemeClr val="tx1"/>
+            </a:solidFill>
+          </a:ln>
+        </p:spPr>
+        <p:style>
+          <a:lnRef idx="2">
+            <a:schemeClr val="accent1">
+              <a:shade val="50000"/>
+            </a:schemeClr>
+          </a:lnRef>
+          <a:fillRef idx="1">
+            <a:schemeClr val="accent1"/>
+          </a:fillRef>
+          <a:effectRef idx="0">
+            <a:schemeClr val="accent1"/>
+          </a:effectRef>
+          <a:fontRef idx="minor">
+            <a:schemeClr val="lt1"/>
+          </a:fontRef>
+        </p:style>
+        <p:txBody>
+          <a:bodyPr rtlCol="0" anchor="ctr"/>
+          <a:lstStyle/>
+          <a:p>
+            <a:pPr algn="ctr"/>
+            <a:endParaRPr lang="en-US"/>
+          </a:p>
+        </p:txBody>
+      </p:sp>
     </p:spTree>
     <p:extLst>
       <p:ext uri="{BB962C8B-B14F-4D97-AF65-F5344CB8AC3E}">
@@ -13481,7 +16274,7 @@
         <p:spPr>
           <a:xfrm>
             <a:off x="671174" y="4698973"/>
-            <a:ext cx="966931" cy="461665"/>
+            <a:ext cx="987771" cy="461665"/>
           </a:xfrm>
           <a:prstGeom prst="rect">
             <a:avLst/>
@@ -13495,8 +16288,12 @@
           <a:lstStyle/>
           <a:p>
             <a:r>
+              <a:rPr lang="en-US" sz="2400" dirty="0"/>
+              <a:t>S</a:t>
+            </a:r>
+            <a:r>
               <a:rPr lang="en-US" sz="2400" dirty="0" smtClean="0"/>
-              <a:t>server</a:t>
+              <a:t>erver</a:t>
             </a:r>
             <a:endParaRPr lang="en-US" sz="2400" dirty="0"/>
           </a:p>
@@ -13532,170 +16329,6 @@
           </a:p>
         </p:txBody>
       </p:sp>
-      <p:sp>
-        <p:nvSpPr>
-          <p:cNvPr id="52" name="Oval 51"/>
-          <p:cNvSpPr/>
-          <p:nvPr/>
-        </p:nvSpPr>
-        <p:spPr>
-          <a:xfrm flipV="1">
-            <a:off x="5667036" y="3241700"/>
-            <a:ext cx="317500" cy="331632"/>
-          </a:xfrm>
-          <a:prstGeom prst="ellipse">
-            <a:avLst/>
-          </a:prstGeom>
-          <a:solidFill>
-            <a:schemeClr val="bg2">
-              <a:lumMod val="90000"/>
-            </a:schemeClr>
-          </a:solidFill>
-          <a:ln w="28575">
-            <a:solidFill>
-              <a:srgbClr val="FF0000"/>
-            </a:solidFill>
-          </a:ln>
-        </p:spPr>
-        <p:style>
-          <a:lnRef idx="2">
-            <a:schemeClr val="accent1">
-              <a:shade val="50000"/>
-            </a:schemeClr>
-          </a:lnRef>
-          <a:fillRef idx="1">
-            <a:schemeClr val="accent1"/>
-          </a:fillRef>
-          <a:effectRef idx="0">
-            <a:schemeClr val="accent1"/>
-          </a:effectRef>
-          <a:fontRef idx="minor">
-            <a:schemeClr val="lt1"/>
-          </a:fontRef>
-        </p:style>
-        <p:txBody>
-          <a:bodyPr rtlCol="0" anchor="ctr"/>
-          <a:lstStyle/>
-          <a:p>
-            <a:pPr algn="ctr"/>
-            <a:endParaRPr lang="en-US"/>
-          </a:p>
-        </p:txBody>
-      </p:sp>
-      <p:sp>
-        <p:nvSpPr>
-          <p:cNvPr id="53" name="Oval 52"/>
-          <p:cNvSpPr/>
-          <p:nvPr/>
-        </p:nvSpPr>
-        <p:spPr>
-          <a:xfrm flipV="1">
-            <a:off x="5686800" y="2769038"/>
-            <a:ext cx="317500" cy="331632"/>
-          </a:xfrm>
-          <a:prstGeom prst="ellipse">
-            <a:avLst/>
-          </a:prstGeom>
-          <a:solidFill>
-            <a:schemeClr val="bg2">
-              <a:lumMod val="90000"/>
-            </a:schemeClr>
-          </a:solidFill>
-          <a:ln w="28575"/>
-        </p:spPr>
-        <p:style>
-          <a:lnRef idx="2">
-            <a:schemeClr val="accent1">
-              <a:shade val="50000"/>
-            </a:schemeClr>
-          </a:lnRef>
-          <a:fillRef idx="1">
-            <a:schemeClr val="accent1"/>
-          </a:fillRef>
-          <a:effectRef idx="0">
-            <a:schemeClr val="accent1"/>
-          </a:effectRef>
-          <a:fontRef idx="minor">
-            <a:schemeClr val="lt1"/>
-          </a:fontRef>
-        </p:style>
-        <p:txBody>
-          <a:bodyPr rtlCol="0" anchor="ctr"/>
-          <a:lstStyle/>
-          <a:p>
-            <a:pPr algn="ctr"/>
-            <a:endParaRPr lang="en-US"/>
-          </a:p>
-        </p:txBody>
-      </p:sp>
-      <p:cxnSp>
-        <p:nvCxnSpPr>
-          <p:cNvPr id="55" name="Elbow Connector 54"/>
-          <p:cNvCxnSpPr>
-            <a:stCxn id="52" idx="2"/>
-          </p:cNvCxnSpPr>
-          <p:nvPr/>
-        </p:nvCxnSpPr>
-        <p:spPr>
-          <a:xfrm rot="10800000" flipV="1">
-            <a:off x="4276308" y="3407515"/>
-            <a:ext cx="1390729" cy="538859"/>
-          </a:xfrm>
-          <a:prstGeom prst="bentConnector3">
-            <a:avLst>
-              <a:gd name="adj1" fmla="val 50000"/>
-            </a:avLst>
-          </a:prstGeom>
-        </p:spPr>
-        <p:style>
-          <a:lnRef idx="1">
-            <a:schemeClr val="accent1"/>
-          </a:lnRef>
-          <a:fillRef idx="0">
-            <a:schemeClr val="accent1"/>
-          </a:fillRef>
-          <a:effectRef idx="0">
-            <a:schemeClr val="accent1"/>
-          </a:effectRef>
-          <a:fontRef idx="minor">
-            <a:schemeClr val="tx1"/>
-          </a:fontRef>
-        </p:style>
-      </p:cxnSp>
-      <p:cxnSp>
-        <p:nvCxnSpPr>
-          <p:cNvPr id="58" name="Elbow Connector 57"/>
-          <p:cNvCxnSpPr>
-            <a:stCxn id="53" idx="2"/>
-          </p:cNvCxnSpPr>
-          <p:nvPr/>
-        </p:nvCxnSpPr>
-        <p:spPr>
-          <a:xfrm rot="10800000" flipV="1">
-            <a:off x="3936356" y="2934854"/>
-            <a:ext cx="1750445" cy="804294"/>
-          </a:xfrm>
-          <a:prstGeom prst="bentConnector3">
-            <a:avLst>
-              <a:gd name="adj1" fmla="val 57170"/>
-            </a:avLst>
-          </a:prstGeom>
-        </p:spPr>
-        <p:style>
-          <a:lnRef idx="1">
-            <a:schemeClr val="accent1"/>
-          </a:lnRef>
-          <a:fillRef idx="0">
-            <a:schemeClr val="accent1"/>
-          </a:fillRef>
-          <a:effectRef idx="0">
-            <a:schemeClr val="accent1"/>
-          </a:effectRef>
-          <a:fontRef idx="minor">
-            <a:schemeClr val="tx1"/>
-          </a:fontRef>
-        </p:style>
-      </p:cxnSp>
       <p:sp>
         <p:nvSpPr>
           <p:cNvPr id="66" name="弦 5"/>
@@ -13846,102 +16479,6 @@
           </a:fontRef>
         </p:style>
       </p:cxnSp>
-      <p:sp>
-        <p:nvSpPr>
-          <p:cNvPr id="8" name="Rounded Rectangular Callout 7"/>
-          <p:cNvSpPr/>
-          <p:nvPr/>
-        </p:nvSpPr>
-        <p:spPr>
-          <a:xfrm>
-            <a:off x="3287819" y="654953"/>
-            <a:ext cx="3359207" cy="1387926"/>
-          </a:xfrm>
-          <a:prstGeom prst="wedgeRoundRectCallout">
-            <a:avLst>
-              <a:gd name="adj1" fmla="val 47641"/>
-              <a:gd name="adj2" fmla="val 152366"/>
-              <a:gd name="adj3" fmla="val 16667"/>
-            </a:avLst>
-          </a:prstGeom>
-          <a:solidFill>
-            <a:schemeClr val="bg1"/>
-          </a:solidFill>
-          <a:ln>
-            <a:solidFill>
-              <a:schemeClr val="tx1"/>
-            </a:solidFill>
-          </a:ln>
-        </p:spPr>
-        <p:style>
-          <a:lnRef idx="2">
-            <a:schemeClr val="accent1">
-              <a:shade val="50000"/>
-            </a:schemeClr>
-          </a:lnRef>
-          <a:fillRef idx="1">
-            <a:schemeClr val="accent1"/>
-          </a:fillRef>
-          <a:effectRef idx="0">
-            <a:schemeClr val="accent1"/>
-          </a:effectRef>
-          <a:fontRef idx="minor">
-            <a:schemeClr val="lt1"/>
-          </a:fontRef>
-        </p:style>
-        <p:txBody>
-          <a:bodyPr rtlCol="0" anchor="ctr"/>
-          <a:lstStyle/>
-          <a:p>
-            <a:pPr algn="ctr"/>
-            <a:endParaRPr lang="en-US"/>
-          </a:p>
-        </p:txBody>
-      </p:sp>
-      <p:sp>
-        <p:nvSpPr>
-          <p:cNvPr id="5" name="TextBox 4"/>
-          <p:cNvSpPr txBox="1"/>
-          <p:nvPr/>
-        </p:nvSpPr>
-        <p:spPr>
-          <a:xfrm>
-            <a:off x="3412126" y="493205"/>
-            <a:ext cx="3110591" cy="1569660"/>
-          </a:xfrm>
-          <a:prstGeom prst="rect">
-            <a:avLst/>
-          </a:prstGeom>
-          <a:noFill/>
-        </p:spPr>
-        <p:txBody>
-          <a:bodyPr wrap="square" rtlCol="0">
-            <a:spAutoFit/>
-          </a:bodyPr>
-          <a:lstStyle/>
-          <a:p>
-            <a:r>
-              <a:rPr lang="en-US" sz="2400" b="1" dirty="0" smtClean="0"/>
-              <a:t>1.</a:t>
-            </a:r>
-          </a:p>
-          <a:p>
-            <a:r>
-              <a:rPr lang="en-US" sz="2400" b="1" dirty="0" smtClean="0"/>
-              <a:t> take </a:t>
-            </a:r>
-            <a:r>
-              <a:rPr lang="en-US" sz="2400" b="1" dirty="0"/>
-              <a:t>the "face shot" when sensor react to the </a:t>
-            </a:r>
-            <a:r>
-              <a:rPr lang="en-US" sz="2400" b="1" dirty="0" smtClean="0"/>
-              <a:t>visitor.</a:t>
-            </a:r>
-            <a:endParaRPr lang="en-US" sz="2400" b="1" dirty="0"/>
-          </a:p>
-        </p:txBody>
-      </p:sp>
       <p:cxnSp>
         <p:nvCxnSpPr>
           <p:cNvPr id="35" name="直線コネクタ 17"/>
@@ -14041,6 +16578,405 @@
               <a:t>LED</a:t>
             </a:r>
             <a:endParaRPr kumimoji="1" lang="ja-JP" altLang="en-US" sz="2800" dirty="0"/>
+          </a:p>
+        </p:txBody>
+      </p:sp>
+      <p:sp>
+        <p:nvSpPr>
+          <p:cNvPr id="7" name="スライド番号プレースホルダー 6"/>
+          <p:cNvSpPr>
+            <a:spLocks noGrp="1"/>
+          </p:cNvSpPr>
+          <p:nvPr>
+            <p:ph type="sldNum" sz="quarter" idx="12"/>
+          </p:nvPr>
+        </p:nvSpPr>
+        <p:spPr/>
+        <p:txBody>
+          <a:bodyPr/>
+          <a:lstStyle/>
+          <a:p>
+            <a:fld id="{C9CA7111-1C24-4C43-B617-79ECA406D799}" type="slidenum">
+              <a:rPr lang="en-US" smtClean="0"/>
+              <a:t>8</a:t>
+            </a:fld>
+            <a:endParaRPr lang="en-US"/>
+          </a:p>
+        </p:txBody>
+      </p:sp>
+      <p:cxnSp>
+        <p:nvCxnSpPr>
+          <p:cNvPr id="33" name="Elbow Connector 57"/>
+          <p:cNvCxnSpPr/>
+          <p:nvPr/>
+        </p:nvCxnSpPr>
+        <p:spPr>
+          <a:xfrm rot="10800000" flipV="1">
+            <a:off x="3872858" y="3147990"/>
+            <a:ext cx="2242903" cy="591157"/>
+          </a:xfrm>
+          <a:prstGeom prst="bentConnector3">
+            <a:avLst>
+              <a:gd name="adj1" fmla="val 60758"/>
+            </a:avLst>
+          </a:prstGeom>
+        </p:spPr>
+        <p:style>
+          <a:lnRef idx="1">
+            <a:schemeClr val="accent1"/>
+          </a:lnRef>
+          <a:fillRef idx="0">
+            <a:schemeClr val="accent1"/>
+          </a:fillRef>
+          <a:effectRef idx="0">
+            <a:schemeClr val="accent1"/>
+          </a:effectRef>
+          <a:fontRef idx="minor">
+            <a:schemeClr val="tx1"/>
+          </a:fontRef>
+        </p:style>
+      </p:cxnSp>
+      <p:sp>
+        <p:nvSpPr>
+          <p:cNvPr id="34" name="Oval 51"/>
+          <p:cNvSpPr/>
+          <p:nvPr/>
+        </p:nvSpPr>
+        <p:spPr>
+          <a:xfrm flipV="1">
+            <a:off x="6115760" y="2982175"/>
+            <a:ext cx="317500" cy="331632"/>
+          </a:xfrm>
+          <a:prstGeom prst="ellipse">
+            <a:avLst/>
+          </a:prstGeom>
+          <a:solidFill>
+            <a:srgbClr val="FF0000"/>
+          </a:solidFill>
+          <a:ln w="28575">
+            <a:solidFill>
+              <a:schemeClr val="tx1"/>
+            </a:solidFill>
+          </a:ln>
+        </p:spPr>
+        <p:style>
+          <a:lnRef idx="2">
+            <a:schemeClr val="accent1">
+              <a:shade val="50000"/>
+            </a:schemeClr>
+          </a:lnRef>
+          <a:fillRef idx="1">
+            <a:schemeClr val="accent1"/>
+          </a:fillRef>
+          <a:effectRef idx="0">
+            <a:schemeClr val="accent1"/>
+          </a:effectRef>
+          <a:fontRef idx="minor">
+            <a:schemeClr val="lt1"/>
+          </a:fontRef>
+        </p:style>
+        <p:txBody>
+          <a:bodyPr rtlCol="0" anchor="ctr"/>
+          <a:lstStyle/>
+          <a:p>
+            <a:pPr algn="ctr"/>
+            <a:endParaRPr lang="en-US"/>
+          </a:p>
+        </p:txBody>
+      </p:sp>
+      <p:sp>
+        <p:nvSpPr>
+          <p:cNvPr id="40" name="Oval 52"/>
+          <p:cNvSpPr/>
+          <p:nvPr/>
+        </p:nvSpPr>
+        <p:spPr>
+          <a:xfrm flipV="1">
+            <a:off x="5606561" y="2988522"/>
+            <a:ext cx="317500" cy="331632"/>
+          </a:xfrm>
+          <a:prstGeom prst="ellipse">
+            <a:avLst/>
+          </a:prstGeom>
+          <a:solidFill>
+            <a:srgbClr val="00B050"/>
+          </a:solidFill>
+          <a:ln w="28575">
+            <a:solidFill>
+              <a:schemeClr val="tx1"/>
+            </a:solidFill>
+          </a:ln>
+        </p:spPr>
+        <p:style>
+          <a:lnRef idx="2">
+            <a:schemeClr val="accent1">
+              <a:shade val="50000"/>
+            </a:schemeClr>
+          </a:lnRef>
+          <a:fillRef idx="1">
+            <a:schemeClr val="accent1"/>
+          </a:fillRef>
+          <a:effectRef idx="0">
+            <a:schemeClr val="accent1"/>
+          </a:effectRef>
+          <a:fontRef idx="minor">
+            <a:schemeClr val="lt1"/>
+          </a:fontRef>
+        </p:style>
+        <p:txBody>
+          <a:bodyPr rtlCol="0" anchor="ctr"/>
+          <a:lstStyle/>
+          <a:p>
+            <a:pPr algn="ctr"/>
+            <a:endParaRPr lang="en-US"/>
+          </a:p>
+        </p:txBody>
+      </p:sp>
+      <p:sp>
+        <p:nvSpPr>
+          <p:cNvPr id="41" name="Oval 36"/>
+          <p:cNvSpPr/>
+          <p:nvPr/>
+        </p:nvSpPr>
+        <p:spPr>
+          <a:xfrm flipV="1">
+            <a:off x="5084155" y="2982375"/>
+            <a:ext cx="317500" cy="331632"/>
+          </a:xfrm>
+          <a:prstGeom prst="ellipse">
+            <a:avLst/>
+          </a:prstGeom>
+          <a:solidFill>
+            <a:srgbClr val="FFFF00"/>
+          </a:solidFill>
+          <a:ln w="28575">
+            <a:solidFill>
+              <a:schemeClr val="tx1"/>
+            </a:solidFill>
+          </a:ln>
+        </p:spPr>
+        <p:style>
+          <a:lnRef idx="2">
+            <a:schemeClr val="accent1">
+              <a:shade val="50000"/>
+            </a:schemeClr>
+          </a:lnRef>
+          <a:fillRef idx="1">
+            <a:schemeClr val="accent1"/>
+          </a:fillRef>
+          <a:effectRef idx="0">
+            <a:schemeClr val="accent1"/>
+          </a:effectRef>
+          <a:fontRef idx="minor">
+            <a:schemeClr val="lt1"/>
+          </a:fontRef>
+        </p:style>
+        <p:txBody>
+          <a:bodyPr rtlCol="0" anchor="ctr"/>
+          <a:lstStyle/>
+          <a:p>
+            <a:pPr algn="ctr"/>
+            <a:endParaRPr lang="en-US"/>
+          </a:p>
+        </p:txBody>
+      </p:sp>
+      <p:sp>
+        <p:nvSpPr>
+          <p:cNvPr id="8" name="Rounded Rectangular Callout 7"/>
+          <p:cNvSpPr/>
+          <p:nvPr/>
+        </p:nvSpPr>
+        <p:spPr>
+          <a:xfrm>
+            <a:off x="3287819" y="654953"/>
+            <a:ext cx="3359207" cy="1387926"/>
+          </a:xfrm>
+          <a:prstGeom prst="wedgeRoundRectCallout">
+            <a:avLst>
+              <a:gd name="adj1" fmla="val 40080"/>
+              <a:gd name="adj2" fmla="val 160601"/>
+              <a:gd name="adj3" fmla="val 16667"/>
+            </a:avLst>
+          </a:prstGeom>
+          <a:solidFill>
+            <a:schemeClr val="bg1"/>
+          </a:solidFill>
+          <a:ln>
+            <a:solidFill>
+              <a:schemeClr val="tx1"/>
+            </a:solidFill>
+          </a:ln>
+        </p:spPr>
+        <p:style>
+          <a:lnRef idx="2">
+            <a:schemeClr val="accent1">
+              <a:shade val="50000"/>
+            </a:schemeClr>
+          </a:lnRef>
+          <a:fillRef idx="1">
+            <a:schemeClr val="accent1"/>
+          </a:fillRef>
+          <a:effectRef idx="0">
+            <a:schemeClr val="accent1"/>
+          </a:effectRef>
+          <a:fontRef idx="minor">
+            <a:schemeClr val="lt1"/>
+          </a:fontRef>
+        </p:style>
+        <p:txBody>
+          <a:bodyPr rtlCol="0" anchor="ctr"/>
+          <a:lstStyle/>
+          <a:p>
+            <a:pPr algn="ctr"/>
+            <a:endParaRPr lang="en-US"/>
+          </a:p>
+        </p:txBody>
+      </p:sp>
+      <p:sp>
+        <p:nvSpPr>
+          <p:cNvPr id="5" name="TextBox 4"/>
+          <p:cNvSpPr txBox="1"/>
+          <p:nvPr/>
+        </p:nvSpPr>
+        <p:spPr>
+          <a:xfrm>
+            <a:off x="3495968" y="785602"/>
+            <a:ext cx="3110591" cy="830997"/>
+          </a:xfrm>
+          <a:prstGeom prst="rect">
+            <a:avLst/>
+          </a:prstGeom>
+          <a:noFill/>
+        </p:spPr>
+        <p:txBody>
+          <a:bodyPr wrap="square" rtlCol="0">
+            <a:spAutoFit/>
+          </a:bodyPr>
+          <a:lstStyle/>
+          <a:p>
+            <a:r>
+              <a:rPr lang="en-US" sz="2400" b="1" dirty="0"/>
+              <a:t>2</a:t>
+            </a:r>
+            <a:r>
+              <a:rPr lang="en-US" sz="2400" b="1" dirty="0" smtClean="0"/>
+              <a:t>.</a:t>
+            </a:r>
+          </a:p>
+          <a:p>
+            <a:r>
+              <a:rPr lang="en-US" sz="2400" b="1" dirty="0"/>
+              <a:t> </a:t>
+            </a:r>
+            <a:r>
+              <a:rPr lang="en-US" sz="2400" b="1" dirty="0" smtClean="0"/>
+              <a:t>Take photo.</a:t>
+            </a:r>
+            <a:endParaRPr lang="en-US" sz="2400" b="1" dirty="0"/>
+          </a:p>
+        </p:txBody>
+      </p:sp>
+      <p:sp>
+        <p:nvSpPr>
+          <p:cNvPr id="44" name="Rounded Rectangular Callout 7"/>
+          <p:cNvSpPr/>
+          <p:nvPr/>
+        </p:nvSpPr>
+        <p:spPr>
+          <a:xfrm>
+            <a:off x="1058470" y="5232093"/>
+            <a:ext cx="3359207" cy="1387926"/>
+          </a:xfrm>
+          <a:prstGeom prst="wedgeRoundRectCallout">
+            <a:avLst>
+              <a:gd name="adj1" fmla="val 71838"/>
+              <a:gd name="adj2" fmla="val -183452"/>
+              <a:gd name="adj3" fmla="val 16667"/>
+            </a:avLst>
+          </a:prstGeom>
+          <a:solidFill>
+            <a:schemeClr val="bg1"/>
+          </a:solidFill>
+          <a:ln>
+            <a:solidFill>
+              <a:schemeClr val="tx1"/>
+            </a:solidFill>
+          </a:ln>
+        </p:spPr>
+        <p:style>
+          <a:lnRef idx="2">
+            <a:schemeClr val="accent1">
+              <a:shade val="50000"/>
+            </a:schemeClr>
+          </a:lnRef>
+          <a:fillRef idx="1">
+            <a:schemeClr val="accent1"/>
+          </a:fillRef>
+          <a:effectRef idx="0">
+            <a:schemeClr val="accent1"/>
+          </a:effectRef>
+          <a:fontRef idx="minor">
+            <a:schemeClr val="lt1"/>
+          </a:fontRef>
+        </p:style>
+        <p:txBody>
+          <a:bodyPr rtlCol="0" anchor="ctr"/>
+          <a:lstStyle/>
+          <a:p>
+            <a:pPr algn="ctr"/>
+            <a:endParaRPr lang="en-US" b="1" dirty="0"/>
+          </a:p>
+        </p:txBody>
+      </p:sp>
+      <p:sp>
+        <p:nvSpPr>
+          <p:cNvPr id="45" name="TextBox 4"/>
+          <p:cNvSpPr txBox="1"/>
+          <p:nvPr/>
+        </p:nvSpPr>
+        <p:spPr>
+          <a:xfrm>
+            <a:off x="1206294" y="5367961"/>
+            <a:ext cx="3110591" cy="830997"/>
+          </a:xfrm>
+          <a:prstGeom prst="rect">
+            <a:avLst/>
+          </a:prstGeom>
+          <a:noFill/>
+        </p:spPr>
+        <p:txBody>
+          <a:bodyPr wrap="square" rtlCol="0">
+            <a:spAutoFit/>
+          </a:bodyPr>
+          <a:lstStyle/>
+          <a:p>
+            <a:r>
+              <a:rPr lang="en-US" sz="2400" b="1" dirty="0" smtClean="0"/>
+              <a:t>1.</a:t>
+            </a:r>
+          </a:p>
+          <a:p>
+            <a:r>
+              <a:rPr lang="en-US" sz="2400" b="1" dirty="0"/>
+              <a:t> </a:t>
+            </a:r>
+            <a:r>
+              <a:rPr lang="ja-JP" altLang="en-US" sz="2400" b="1" dirty="0" smtClean="0"/>
+              <a:t>黄色の</a:t>
+            </a:r>
+            <a:r>
+              <a:rPr lang="en-US" altLang="ja-JP" sz="2400" b="1" dirty="0" smtClean="0"/>
+              <a:t>LED</a:t>
+            </a:r>
+            <a:r>
+              <a:rPr lang="ja-JP" altLang="en-US" sz="2400" b="1" dirty="0" smtClean="0"/>
+              <a:t>点灯</a:t>
+            </a:r>
+            <a:r>
+              <a:rPr lang="en-US" sz="2400" b="1" dirty="0" smtClean="0"/>
+              <a:t>.</a:t>
+            </a:r>
+            <a:endParaRPr lang="en-US" sz="2400" b="1" dirty="0"/>
           </a:p>
         </p:txBody>
       </p:sp>
@@ -14083,7 +17019,7 @@
       </p:grpSpPr>
       <p:cxnSp>
         <p:nvCxnSpPr>
-          <p:cNvPr id="40" name="Elbow Connector 39"/>
+          <p:cNvPr id="38" name="Elbow Connector 37"/>
           <p:cNvCxnSpPr/>
           <p:nvPr/>
         </p:nvCxnSpPr>
@@ -14571,7 +17507,7 @@
         <p:spPr>
           <a:xfrm>
             <a:off x="671174" y="4698973"/>
-            <a:ext cx="966931" cy="461665"/>
+            <a:ext cx="987771" cy="461665"/>
           </a:xfrm>
           <a:prstGeom prst="rect">
             <a:avLst/>
@@ -14585,8 +17521,12 @@
           <a:lstStyle/>
           <a:p>
             <a:r>
-              <a:rPr lang="en-US" altLang="ja-JP" sz="2400" dirty="0"/>
-              <a:t>server</a:t>
+              <a:rPr lang="en-US" sz="2400" dirty="0"/>
+              <a:t>S</a:t>
+            </a:r>
+            <a:r>
+              <a:rPr lang="en-US" sz="2400" dirty="0" smtClean="0"/>
+              <a:t>erver</a:t>
             </a:r>
             <a:endParaRPr lang="en-US" sz="2400" dirty="0"/>
           </a:p>
@@ -14622,170 +17562,6 @@
           </a:p>
         </p:txBody>
       </p:sp>
-      <p:sp>
-        <p:nvSpPr>
-          <p:cNvPr id="52" name="Oval 51"/>
-          <p:cNvSpPr/>
-          <p:nvPr/>
-        </p:nvSpPr>
-        <p:spPr>
-          <a:xfrm flipV="1">
-            <a:off x="5667036" y="3241700"/>
-            <a:ext cx="317500" cy="331632"/>
-          </a:xfrm>
-          <a:prstGeom prst="ellipse">
-            <a:avLst/>
-          </a:prstGeom>
-          <a:solidFill>
-            <a:schemeClr val="bg2">
-              <a:lumMod val="90000"/>
-            </a:schemeClr>
-          </a:solidFill>
-          <a:ln w="28575">
-            <a:solidFill>
-              <a:srgbClr val="FF0000"/>
-            </a:solidFill>
-          </a:ln>
-        </p:spPr>
-        <p:style>
-          <a:lnRef idx="2">
-            <a:schemeClr val="accent1">
-              <a:shade val="50000"/>
-            </a:schemeClr>
-          </a:lnRef>
-          <a:fillRef idx="1">
-            <a:schemeClr val="accent1"/>
-          </a:fillRef>
-          <a:effectRef idx="0">
-            <a:schemeClr val="accent1"/>
-          </a:effectRef>
-          <a:fontRef idx="minor">
-            <a:schemeClr val="lt1"/>
-          </a:fontRef>
-        </p:style>
-        <p:txBody>
-          <a:bodyPr rtlCol="0" anchor="ctr"/>
-          <a:lstStyle/>
-          <a:p>
-            <a:pPr algn="ctr"/>
-            <a:endParaRPr lang="en-US"/>
-          </a:p>
-        </p:txBody>
-      </p:sp>
-      <p:sp>
-        <p:nvSpPr>
-          <p:cNvPr id="53" name="Oval 52"/>
-          <p:cNvSpPr/>
-          <p:nvPr/>
-        </p:nvSpPr>
-        <p:spPr>
-          <a:xfrm flipV="1">
-            <a:off x="5686800" y="2769038"/>
-            <a:ext cx="317500" cy="331632"/>
-          </a:xfrm>
-          <a:prstGeom prst="ellipse">
-            <a:avLst/>
-          </a:prstGeom>
-          <a:solidFill>
-            <a:schemeClr val="bg2">
-              <a:lumMod val="90000"/>
-            </a:schemeClr>
-          </a:solidFill>
-          <a:ln w="28575"/>
-        </p:spPr>
-        <p:style>
-          <a:lnRef idx="2">
-            <a:schemeClr val="accent1">
-              <a:shade val="50000"/>
-            </a:schemeClr>
-          </a:lnRef>
-          <a:fillRef idx="1">
-            <a:schemeClr val="accent1"/>
-          </a:fillRef>
-          <a:effectRef idx="0">
-            <a:schemeClr val="accent1"/>
-          </a:effectRef>
-          <a:fontRef idx="minor">
-            <a:schemeClr val="lt1"/>
-          </a:fontRef>
-        </p:style>
-        <p:txBody>
-          <a:bodyPr rtlCol="0" anchor="ctr"/>
-          <a:lstStyle/>
-          <a:p>
-            <a:pPr algn="ctr"/>
-            <a:endParaRPr lang="en-US"/>
-          </a:p>
-        </p:txBody>
-      </p:sp>
-      <p:cxnSp>
-        <p:nvCxnSpPr>
-          <p:cNvPr id="55" name="Elbow Connector 54"/>
-          <p:cNvCxnSpPr>
-            <a:stCxn id="52" idx="2"/>
-          </p:cNvCxnSpPr>
-          <p:nvPr/>
-        </p:nvCxnSpPr>
-        <p:spPr>
-          <a:xfrm rot="10800000" flipV="1">
-            <a:off x="4276308" y="3407515"/>
-            <a:ext cx="1390729" cy="538859"/>
-          </a:xfrm>
-          <a:prstGeom prst="bentConnector3">
-            <a:avLst>
-              <a:gd name="adj1" fmla="val 50000"/>
-            </a:avLst>
-          </a:prstGeom>
-        </p:spPr>
-        <p:style>
-          <a:lnRef idx="1">
-            <a:schemeClr val="accent1"/>
-          </a:lnRef>
-          <a:fillRef idx="0">
-            <a:schemeClr val="accent1"/>
-          </a:fillRef>
-          <a:effectRef idx="0">
-            <a:schemeClr val="accent1"/>
-          </a:effectRef>
-          <a:fontRef idx="minor">
-            <a:schemeClr val="tx1"/>
-          </a:fontRef>
-        </p:style>
-      </p:cxnSp>
-      <p:cxnSp>
-        <p:nvCxnSpPr>
-          <p:cNvPr id="58" name="Elbow Connector 57"/>
-          <p:cNvCxnSpPr>
-            <a:stCxn id="53" idx="2"/>
-          </p:cNvCxnSpPr>
-          <p:nvPr/>
-        </p:nvCxnSpPr>
-        <p:spPr>
-          <a:xfrm rot="10800000" flipV="1">
-            <a:off x="3936356" y="2934854"/>
-            <a:ext cx="1750445" cy="804294"/>
-          </a:xfrm>
-          <a:prstGeom prst="bentConnector3">
-            <a:avLst>
-              <a:gd name="adj1" fmla="val 57170"/>
-            </a:avLst>
-          </a:prstGeom>
-        </p:spPr>
-        <p:style>
-          <a:lnRef idx="1">
-            <a:schemeClr val="accent1"/>
-          </a:lnRef>
-          <a:fillRef idx="0">
-            <a:schemeClr val="accent1"/>
-          </a:fillRef>
-          <a:effectRef idx="0">
-            <a:schemeClr val="accent1"/>
-          </a:effectRef>
-          <a:fontRef idx="minor">
-            <a:schemeClr val="tx1"/>
-          </a:fontRef>
-        </p:style>
-      </p:cxnSp>
       <p:sp>
         <p:nvSpPr>
           <p:cNvPr id="66" name="弦 5"/>
@@ -14864,6 +17640,78 @@
           </a:p>
         </p:txBody>
       </p:sp>
+      <p:cxnSp>
+        <p:nvCxnSpPr>
+          <p:cNvPr id="30" name="直線コネクタ 12"/>
+          <p:cNvCxnSpPr/>
+          <p:nvPr/>
+        </p:nvCxnSpPr>
+        <p:spPr>
+          <a:xfrm flipH="1">
+            <a:off x="7228172" y="2411372"/>
+            <a:ext cx="391704" cy="1757904"/>
+          </a:xfrm>
+          <a:prstGeom prst="line">
+            <a:avLst/>
+          </a:prstGeom>
+          <a:ln w="57150">
+            <a:solidFill>
+              <a:schemeClr val="accent6"/>
+            </a:solidFill>
+            <a:prstDash val="sysDash"/>
+          </a:ln>
+        </p:spPr>
+        <p:style>
+          <a:lnRef idx="1">
+            <a:schemeClr val="accent1"/>
+          </a:lnRef>
+          <a:fillRef idx="0">
+            <a:schemeClr val="accent1"/>
+          </a:fillRef>
+          <a:effectRef idx="0">
+            <a:schemeClr val="accent1"/>
+          </a:effectRef>
+          <a:fontRef idx="minor">
+            <a:schemeClr val="tx1"/>
+          </a:fontRef>
+        </p:style>
+      </p:cxnSp>
+      <p:cxnSp>
+        <p:nvCxnSpPr>
+          <p:cNvPr id="31" name="直線コネクタ 14"/>
+          <p:cNvCxnSpPr/>
+          <p:nvPr/>
+        </p:nvCxnSpPr>
+        <p:spPr>
+          <a:xfrm>
+            <a:off x="8310217" y="2357825"/>
+            <a:ext cx="674536" cy="1923354"/>
+          </a:xfrm>
+          <a:prstGeom prst="line">
+            <a:avLst/>
+          </a:prstGeom>
+          <a:ln w="57150">
+            <a:solidFill>
+              <a:schemeClr val="accent6"/>
+            </a:solidFill>
+            <a:prstDash val="sysDash"/>
+          </a:ln>
+        </p:spPr>
+        <p:style>
+          <a:lnRef idx="1">
+            <a:schemeClr val="accent1"/>
+          </a:lnRef>
+          <a:fillRef idx="0">
+            <a:schemeClr val="accent1"/>
+          </a:fillRef>
+          <a:effectRef idx="0">
+            <a:schemeClr val="accent1"/>
+          </a:effectRef>
+          <a:fontRef idx="minor">
+            <a:schemeClr val="tx1"/>
+          </a:fontRef>
+        </p:style>
+      </p:cxnSp>
       <p:sp>
         <p:nvSpPr>
           <p:cNvPr id="8" name="Rounded Rectangular Callout 7"/>
@@ -14872,13 +17720,13 @@
         </p:nvSpPr>
         <p:spPr>
           <a:xfrm>
-            <a:off x="861893" y="5213631"/>
-            <a:ext cx="3949685" cy="1497172"/>
+            <a:off x="3287820" y="682141"/>
+            <a:ext cx="3359207" cy="1387926"/>
           </a:xfrm>
           <a:prstGeom prst="wedgeRoundRectCallout">
             <a:avLst>
-              <a:gd name="adj1" fmla="val -35163"/>
-              <a:gd name="adj2" fmla="val -97402"/>
+              <a:gd name="adj1" fmla="val -77877"/>
+              <a:gd name="adj2" fmla="val 134980"/>
               <a:gd name="adj3" fmla="val 16667"/>
             </a:avLst>
           </a:prstGeom>
@@ -14918,26 +17766,220 @@
       </p:sp>
       <p:sp>
         <p:nvSpPr>
-          <p:cNvPr id="33" name="Rounded Rectangular Callout 32"/>
+          <p:cNvPr id="5" name="TextBox 4"/>
+          <p:cNvSpPr txBox="1"/>
+          <p:nvPr/>
+        </p:nvSpPr>
+        <p:spPr>
+          <a:xfrm>
+            <a:off x="3412127" y="734421"/>
+            <a:ext cx="3110591" cy="830997"/>
+          </a:xfrm>
+          <a:prstGeom prst="rect">
+            <a:avLst/>
+          </a:prstGeom>
+          <a:noFill/>
+        </p:spPr>
+        <p:txBody>
+          <a:bodyPr wrap="square" rtlCol="0">
+            <a:spAutoFit/>
+          </a:bodyPr>
+          <a:lstStyle/>
+          <a:p>
+            <a:r>
+              <a:rPr lang="en-US" sz="2400" b="1" dirty="0" smtClean="0"/>
+              <a:t>3.</a:t>
+            </a:r>
+            <a:endParaRPr lang="en-US" sz="2400" b="1" dirty="0" smtClean="0"/>
+          </a:p>
+          <a:p>
+            <a:r>
+              <a:rPr lang="en-US" sz="2400" b="1" dirty="0" smtClean="0"/>
+              <a:t> </a:t>
+            </a:r>
+            <a:r>
+              <a:rPr lang="ja-JP" altLang="en-US" sz="2400" b="1" dirty="0" smtClean="0"/>
+              <a:t>顔写真の送信</a:t>
+            </a:r>
+            <a:endParaRPr lang="en-US" sz="2400" b="1" dirty="0"/>
+          </a:p>
+        </p:txBody>
+      </p:sp>
+      <p:cxnSp>
+        <p:nvCxnSpPr>
+          <p:cNvPr id="35" name="直線コネクタ 17"/>
+          <p:cNvCxnSpPr/>
+          <p:nvPr/>
+        </p:nvCxnSpPr>
+        <p:spPr>
+          <a:xfrm>
+            <a:off x="6836766" y="3600321"/>
+            <a:ext cx="1955537" cy="93685"/>
+          </a:xfrm>
+          <a:prstGeom prst="line">
+            <a:avLst/>
+          </a:prstGeom>
+          <a:ln w="57150">
+            <a:solidFill>
+              <a:schemeClr val="accent1"/>
+            </a:solidFill>
+            <a:prstDash val="sysDash"/>
+          </a:ln>
+        </p:spPr>
+        <p:style>
+          <a:lnRef idx="1">
+            <a:schemeClr val="accent1"/>
+          </a:lnRef>
+          <a:fillRef idx="0">
+            <a:schemeClr val="accent1"/>
+          </a:fillRef>
+          <a:effectRef idx="0">
+            <a:schemeClr val="accent1"/>
+          </a:effectRef>
+          <a:fontRef idx="minor">
+            <a:schemeClr val="tx1"/>
+          </a:fontRef>
+        </p:style>
+      </p:cxnSp>
+      <p:cxnSp>
+        <p:nvCxnSpPr>
+          <p:cNvPr id="36" name="直線コネクタ 19"/>
+          <p:cNvCxnSpPr/>
+          <p:nvPr/>
+        </p:nvCxnSpPr>
+        <p:spPr>
+          <a:xfrm>
+            <a:off x="6836766" y="4287199"/>
+            <a:ext cx="1955537" cy="448408"/>
+          </a:xfrm>
+          <a:prstGeom prst="line">
+            <a:avLst/>
+          </a:prstGeom>
+          <a:ln w="57150">
+            <a:solidFill>
+              <a:schemeClr val="accent1"/>
+            </a:solidFill>
+            <a:prstDash val="sysDash"/>
+          </a:ln>
+        </p:spPr>
+        <p:style>
+          <a:lnRef idx="1">
+            <a:schemeClr val="accent1"/>
+          </a:lnRef>
+          <a:fillRef idx="0">
+            <a:schemeClr val="accent1"/>
+          </a:fillRef>
+          <a:effectRef idx="0">
+            <a:schemeClr val="accent1"/>
+          </a:effectRef>
+          <a:fontRef idx="minor">
+            <a:schemeClr val="tx1"/>
+          </a:fontRef>
+        </p:style>
+      </p:cxnSp>
+      <p:sp>
+        <p:nvSpPr>
+          <p:cNvPr id="37" name="テキスト ボックス 22"/>
+          <p:cNvSpPr txBox="1"/>
+          <p:nvPr/>
+        </p:nvSpPr>
+        <p:spPr>
+          <a:xfrm>
+            <a:off x="6063405" y="2525901"/>
+            <a:ext cx="731290" cy="523220"/>
+          </a:xfrm>
+          <a:prstGeom prst="rect">
+            <a:avLst/>
+          </a:prstGeom>
+          <a:noFill/>
+        </p:spPr>
+        <p:txBody>
+          <a:bodyPr wrap="none" rtlCol="0">
+            <a:spAutoFit/>
+          </a:bodyPr>
+          <a:lstStyle/>
+          <a:p>
+            <a:r>
+              <a:rPr kumimoji="1" lang="en-US" altLang="ja-JP" sz="2800" dirty="0" smtClean="0"/>
+              <a:t>LED</a:t>
+            </a:r>
+            <a:endParaRPr kumimoji="1" lang="ja-JP" altLang="en-US" sz="2800" dirty="0"/>
+          </a:p>
+        </p:txBody>
+      </p:sp>
+      <p:sp>
+        <p:nvSpPr>
+          <p:cNvPr id="7" name="スライド番号プレースホルダー 6"/>
+          <p:cNvSpPr>
+            <a:spLocks noGrp="1"/>
+          </p:cNvSpPr>
+          <p:nvPr>
+            <p:ph type="sldNum" sz="quarter" idx="12"/>
+          </p:nvPr>
+        </p:nvSpPr>
+        <p:spPr/>
+        <p:txBody>
+          <a:bodyPr/>
+          <a:lstStyle/>
+          <a:p>
+            <a:fld id="{C9CA7111-1C24-4C43-B617-79ECA406D799}" type="slidenum">
+              <a:rPr lang="en-US" smtClean="0"/>
+              <a:t>9</a:t>
+            </a:fld>
+            <a:endParaRPr lang="en-US"/>
+          </a:p>
+        </p:txBody>
+      </p:sp>
+      <p:cxnSp>
+        <p:nvCxnSpPr>
+          <p:cNvPr id="33" name="Elbow Connector 57"/>
+          <p:cNvCxnSpPr/>
+          <p:nvPr/>
+        </p:nvCxnSpPr>
+        <p:spPr>
+          <a:xfrm rot="10800000" flipV="1">
+            <a:off x="3872858" y="3147990"/>
+            <a:ext cx="2242903" cy="591157"/>
+          </a:xfrm>
+          <a:prstGeom prst="bentConnector3">
+            <a:avLst>
+              <a:gd name="adj1" fmla="val 60758"/>
+            </a:avLst>
+          </a:prstGeom>
+        </p:spPr>
+        <p:style>
+          <a:lnRef idx="1">
+            <a:schemeClr val="accent1"/>
+          </a:lnRef>
+          <a:fillRef idx="0">
+            <a:schemeClr val="accent1"/>
+          </a:fillRef>
+          <a:effectRef idx="0">
+            <a:schemeClr val="accent1"/>
+          </a:effectRef>
+          <a:fontRef idx="minor">
+            <a:schemeClr val="tx1"/>
+          </a:fontRef>
+        </p:style>
+      </p:cxnSp>
+      <p:sp>
+        <p:nvSpPr>
+          <p:cNvPr id="34" name="Oval 51"/>
           <p:cNvSpPr/>
           <p:nvPr/>
         </p:nvSpPr>
         <p:spPr>
-          <a:xfrm>
-            <a:off x="714156" y="1776282"/>
-            <a:ext cx="3359207" cy="1011834"/>
-          </a:xfrm>
-          <a:prstGeom prst="wedgeRoundRectCallout">
-            <a:avLst>
-              <a:gd name="adj1" fmla="val -35089"/>
-              <a:gd name="adj2" fmla="val 91468"/>
-              <a:gd name="adj3" fmla="val 16667"/>
-            </a:avLst>
+          <a:xfrm flipV="1">
+            <a:off x="6115760" y="2982175"/>
+            <a:ext cx="317500" cy="331632"/>
+          </a:xfrm>
+          <a:prstGeom prst="ellipse">
+            <a:avLst/>
           </a:prstGeom>
           <a:solidFill>
-            <a:schemeClr val="bg1"/>
+            <a:srgbClr val="FF0000"/>
           </a:solidFill>
-          <a:ln>
+          <a:ln w="28575">
             <a:solidFill>
               <a:schemeClr val="tx1"/>
             </a:solidFill>
@@ -14970,139 +18012,104 @@
       </p:sp>
       <p:sp>
         <p:nvSpPr>
-          <p:cNvPr id="5" name="TextBox 4"/>
-          <p:cNvSpPr txBox="1"/>
-          <p:nvPr/>
-        </p:nvSpPr>
-        <p:spPr>
-          <a:xfrm>
-            <a:off x="617654" y="1471068"/>
-            <a:ext cx="3691826" cy="1200329"/>
-          </a:xfrm>
-          <a:prstGeom prst="rect">
-            <a:avLst/>
-          </a:prstGeom>
-          <a:noFill/>
-        </p:spPr>
-        <p:txBody>
-          <a:bodyPr wrap="square" rtlCol="0">
-            <a:spAutoFit/>
-          </a:bodyPr>
-          <a:lstStyle/>
-          <a:p>
-            <a:r>
-              <a:rPr lang="en-US" sz="2400" b="1" dirty="0" smtClean="0"/>
-              <a:t>3. </a:t>
-            </a:r>
-          </a:p>
-          <a:p>
-            <a:r>
-              <a:rPr lang="en-US" sz="2400" b="1" dirty="0" smtClean="0"/>
-              <a:t> Recognize face &amp; judge</a:t>
-            </a:r>
-          </a:p>
-          <a:p>
-            <a:r>
-              <a:rPr lang="en-US" sz="2400" b="1" dirty="0" smtClean="0"/>
-              <a:t> Reply the result </a:t>
-            </a:r>
-          </a:p>
-        </p:txBody>
-      </p:sp>
-      <p:sp>
-        <p:nvSpPr>
-          <p:cNvPr id="37" name="TextBox 36"/>
-          <p:cNvSpPr txBox="1"/>
-          <p:nvPr/>
-        </p:nvSpPr>
-        <p:spPr>
-          <a:xfrm>
-            <a:off x="1123764" y="5132964"/>
-            <a:ext cx="3787584" cy="1569660"/>
-          </a:xfrm>
-          <a:prstGeom prst="rect">
-            <a:avLst/>
-          </a:prstGeom>
-          <a:noFill/>
-        </p:spPr>
-        <p:txBody>
-          <a:bodyPr wrap="square" rtlCol="0">
-            <a:spAutoFit/>
-          </a:bodyPr>
-          <a:lstStyle/>
-          <a:p>
-            <a:r>
-              <a:rPr lang="en-US" sz="2400" b="1" dirty="0"/>
-              <a:t>4</a:t>
-            </a:r>
-            <a:r>
-              <a:rPr lang="en-US" sz="2400" b="1" dirty="0" smtClean="0"/>
-              <a:t>.</a:t>
-            </a:r>
-          </a:p>
-          <a:p>
-            <a:r>
-              <a:rPr lang="en-US" sz="2400" b="1" dirty="0" smtClean="0"/>
-              <a:t> If not registrant,</a:t>
-            </a:r>
-          </a:p>
-          <a:p>
-            <a:r>
-              <a:rPr lang="en-US" sz="2400" b="1" dirty="0" smtClean="0"/>
-              <a:t>send </a:t>
-            </a:r>
-            <a:r>
-              <a:rPr lang="en-US" sz="2400" b="1" dirty="0"/>
-              <a:t>e-mail with photo </a:t>
-            </a:r>
-            <a:endParaRPr lang="en-US" sz="2400" b="1" dirty="0" smtClean="0"/>
-          </a:p>
-          <a:p>
-            <a:r>
-              <a:rPr lang="en-US" sz="2400" b="1" dirty="0" smtClean="0"/>
-              <a:t>to </a:t>
-            </a:r>
-            <a:r>
-              <a:rPr lang="en-US" sz="2400" b="1" dirty="0"/>
-              <a:t>registered address</a:t>
-            </a:r>
-          </a:p>
-        </p:txBody>
-      </p:sp>
-      <p:sp>
-        <p:nvSpPr>
-          <p:cNvPr id="38" name="テキスト ボックス 22"/>
-          <p:cNvSpPr txBox="1"/>
-          <p:nvPr/>
-        </p:nvSpPr>
-        <p:spPr>
-          <a:xfrm>
-            <a:off x="6063405" y="2525901"/>
-            <a:ext cx="731290" cy="523220"/>
-          </a:xfrm>
-          <a:prstGeom prst="rect">
-            <a:avLst/>
-          </a:prstGeom>
-          <a:noFill/>
-        </p:spPr>
-        <p:txBody>
-          <a:bodyPr wrap="none" rtlCol="0">
-            <a:spAutoFit/>
-          </a:bodyPr>
-          <a:lstStyle/>
-          <a:p>
-            <a:r>
-              <a:rPr kumimoji="1" lang="en-US" altLang="ja-JP" sz="2800" dirty="0" smtClean="0"/>
-              <a:t>LED</a:t>
-            </a:r>
-            <a:endParaRPr kumimoji="1" lang="ja-JP" altLang="en-US" sz="2800" dirty="0"/>
+          <p:cNvPr id="40" name="Oval 52"/>
+          <p:cNvSpPr/>
+          <p:nvPr/>
+        </p:nvSpPr>
+        <p:spPr>
+          <a:xfrm flipV="1">
+            <a:off x="5606561" y="2988522"/>
+            <a:ext cx="317500" cy="331632"/>
+          </a:xfrm>
+          <a:prstGeom prst="ellipse">
+            <a:avLst/>
+          </a:prstGeom>
+          <a:solidFill>
+            <a:srgbClr val="00B050"/>
+          </a:solidFill>
+          <a:ln w="28575">
+            <a:solidFill>
+              <a:schemeClr val="tx1"/>
+            </a:solidFill>
+          </a:ln>
+        </p:spPr>
+        <p:style>
+          <a:lnRef idx="2">
+            <a:schemeClr val="accent1">
+              <a:shade val="50000"/>
+            </a:schemeClr>
+          </a:lnRef>
+          <a:fillRef idx="1">
+            <a:schemeClr val="accent1"/>
+          </a:fillRef>
+          <a:effectRef idx="0">
+            <a:schemeClr val="accent1"/>
+          </a:effectRef>
+          <a:fontRef idx="minor">
+            <a:schemeClr val="lt1"/>
+          </a:fontRef>
+        </p:style>
+        <p:txBody>
+          <a:bodyPr rtlCol="0" anchor="ctr"/>
+          <a:lstStyle/>
+          <a:p>
+            <a:pPr algn="ctr"/>
+            <a:endParaRPr lang="en-US"/>
+          </a:p>
+        </p:txBody>
+      </p:sp>
+      <p:sp>
+        <p:nvSpPr>
+          <p:cNvPr id="41" name="Oval 36"/>
+          <p:cNvSpPr/>
+          <p:nvPr/>
+        </p:nvSpPr>
+        <p:spPr>
+          <a:xfrm flipV="1">
+            <a:off x="5084155" y="2982375"/>
+            <a:ext cx="317500" cy="331632"/>
+          </a:xfrm>
+          <a:prstGeom prst="ellipse">
+            <a:avLst/>
+          </a:prstGeom>
+          <a:solidFill>
+            <a:srgbClr val="FFFF00"/>
+          </a:solidFill>
+          <a:ln w="28575">
+            <a:solidFill>
+              <a:schemeClr val="tx1"/>
+            </a:solidFill>
+          </a:ln>
+        </p:spPr>
+        <p:style>
+          <a:lnRef idx="2">
+            <a:schemeClr val="accent1">
+              <a:shade val="50000"/>
+            </a:schemeClr>
+          </a:lnRef>
+          <a:fillRef idx="1">
+            <a:schemeClr val="accent1"/>
+          </a:fillRef>
+          <a:effectRef idx="0">
+            <a:schemeClr val="accent1"/>
+          </a:effectRef>
+          <a:fontRef idx="minor">
+            <a:schemeClr val="lt1"/>
+          </a:fontRef>
+        </p:style>
+        <p:txBody>
+          <a:bodyPr rtlCol="0" anchor="ctr"/>
+          <a:lstStyle/>
+          <a:p>
+            <a:pPr algn="ctr"/>
+            <a:endParaRPr lang="en-US"/>
           </a:p>
         </p:txBody>
       </p:sp>
     </p:spTree>
     <p:extLst>
       <p:ext uri="{BB962C8B-B14F-4D97-AF65-F5344CB8AC3E}">
-        <p14:creationId xmlns:p14="http://schemas.microsoft.com/office/powerpoint/2010/main" val="1116134397"/>
+        <p14:creationId xmlns:p14="http://schemas.microsoft.com/office/powerpoint/2010/main" val="1346386989"/>
       </p:ext>
     </p:extLst>
   </p:cSld>
